--- a/slides/20.Line Following Robot.pptx
+++ b/slides/20.Line Following Robot.pptx
@@ -4,21 +4,26 @@
   <p:sldMasterIdLst>
     <p:sldMasterId id="2147483648" r:id="rId1"/>
   </p:sldMasterIdLst>
+  <p:notesMasterIdLst>
+    <p:notesMasterId r:id="rId18"/>
+  </p:notesMasterIdLst>
   <p:sldIdLst>
     <p:sldId id="256" r:id="rId2"/>
     <p:sldId id="257" r:id="rId3"/>
     <p:sldId id="269" r:id="rId4"/>
     <p:sldId id="258" r:id="rId5"/>
-    <p:sldId id="263" r:id="rId6"/>
-    <p:sldId id="259" r:id="rId7"/>
-    <p:sldId id="264" r:id="rId8"/>
-    <p:sldId id="260" r:id="rId9"/>
-    <p:sldId id="261" r:id="rId10"/>
+    <p:sldId id="264" r:id="rId6"/>
+    <p:sldId id="260" r:id="rId7"/>
+    <p:sldId id="261" r:id="rId8"/>
+    <p:sldId id="271" r:id="rId9"/>
+    <p:sldId id="270" r:id="rId10"/>
     <p:sldId id="262" r:id="rId11"/>
     <p:sldId id="265" r:id="rId12"/>
-    <p:sldId id="266" r:id="rId13"/>
-    <p:sldId id="268" r:id="rId14"/>
-    <p:sldId id="267" r:id="rId15"/>
+    <p:sldId id="272" r:id="rId13"/>
+    <p:sldId id="266" r:id="rId14"/>
+    <p:sldId id="268" r:id="rId15"/>
+    <p:sldId id="267" r:id="rId16"/>
+    <p:sldId id="273" r:id="rId17"/>
   </p:sldIdLst>
   <p:sldSz cx="9144000" cy="6858000" type="screen4x3"/>
   <p:notesSz cx="6858000" cy="9144000"/>
@@ -120,6 +125,648 @@
 </p:presentation>
 </file>
 
+<file path=ppt/notesMasters/notesMaster1.xml><?xml version="1.0" encoding="utf-8"?>
+<p:notesMaster xmlns:a="http://schemas.openxmlformats.org/drawingml/2006/main" xmlns:r="http://schemas.openxmlformats.org/officeDocument/2006/relationships" xmlns:p="http://schemas.openxmlformats.org/presentationml/2006/main">
+  <p:cSld>
+    <p:bg>
+      <p:bgRef idx="1001">
+        <a:schemeClr val="bg1"/>
+      </p:bgRef>
+    </p:bg>
+    <p:spTree>
+      <p:nvGrpSpPr>
+        <p:cNvPr id="1" name=""/>
+        <p:cNvGrpSpPr/>
+        <p:nvPr/>
+      </p:nvGrpSpPr>
+      <p:grpSpPr>
+        <a:xfrm>
+          <a:off x="0" y="0"/>
+          <a:ext cx="0" cy="0"/>
+          <a:chOff x="0" y="0"/>
+          <a:chExt cx="0" cy="0"/>
+        </a:xfrm>
+      </p:grpSpPr>
+      <p:sp>
+        <p:nvSpPr>
+          <p:cNvPr id="2" name="Header Placeholder 1"/>
+          <p:cNvSpPr>
+            <a:spLocks noGrp="1"/>
+          </p:cNvSpPr>
+          <p:nvPr>
+            <p:ph type="hdr" sz="quarter"/>
+          </p:nvPr>
+        </p:nvSpPr>
+        <p:spPr>
+          <a:xfrm>
+            <a:off x="0" y="0"/>
+            <a:ext cx="2971800" cy="457200"/>
+          </a:xfrm>
+          <a:prstGeom prst="rect">
+            <a:avLst/>
+          </a:prstGeom>
+        </p:spPr>
+        <p:txBody>
+          <a:bodyPr vert="horz" lIns="91440" tIns="45720" rIns="91440" bIns="45720" rtlCol="0"/>
+          <a:lstStyle>
+            <a:lvl1pPr algn="l">
+              <a:defRPr sz="1200"/>
+            </a:lvl1pPr>
+          </a:lstStyle>
+          <a:p>
+            <a:endParaRPr lang="en-MY"/>
+          </a:p>
+        </p:txBody>
+      </p:sp>
+      <p:sp>
+        <p:nvSpPr>
+          <p:cNvPr id="3" name="Date Placeholder 2"/>
+          <p:cNvSpPr>
+            <a:spLocks noGrp="1"/>
+          </p:cNvSpPr>
+          <p:nvPr>
+            <p:ph type="dt" idx="1"/>
+          </p:nvPr>
+        </p:nvSpPr>
+        <p:spPr>
+          <a:xfrm>
+            <a:off x="3884613" y="0"/>
+            <a:ext cx="2971800" cy="457200"/>
+          </a:xfrm>
+          <a:prstGeom prst="rect">
+            <a:avLst/>
+          </a:prstGeom>
+        </p:spPr>
+        <p:txBody>
+          <a:bodyPr vert="horz" lIns="91440" tIns="45720" rIns="91440" bIns="45720" rtlCol="0"/>
+          <a:lstStyle>
+            <a:lvl1pPr algn="r">
+              <a:defRPr sz="1200"/>
+            </a:lvl1pPr>
+          </a:lstStyle>
+          <a:p>
+            <a:fld id="{9CAA30D6-15E2-4513-9523-48624B333A63}" type="datetimeFigureOut">
+              <a:rPr lang="en-MY" smtClean="0"/>
+              <a:t>05/09/2019</a:t>
+            </a:fld>
+            <a:endParaRPr lang="en-MY"/>
+          </a:p>
+        </p:txBody>
+      </p:sp>
+      <p:sp>
+        <p:nvSpPr>
+          <p:cNvPr id="4" name="Slide Image Placeholder 3"/>
+          <p:cNvSpPr>
+            <a:spLocks noGrp="1" noRot="1" noChangeAspect="1"/>
+          </p:cNvSpPr>
+          <p:nvPr>
+            <p:ph type="sldImg" idx="2"/>
+          </p:nvPr>
+        </p:nvSpPr>
+        <p:spPr>
+          <a:xfrm>
+            <a:off x="1143000" y="685800"/>
+            <a:ext cx="4572000" cy="3429000"/>
+          </a:xfrm>
+          <a:prstGeom prst="rect">
+            <a:avLst/>
+          </a:prstGeom>
+          <a:noFill/>
+          <a:ln w="12700">
+            <a:solidFill>
+              <a:prstClr val="black"/>
+            </a:solidFill>
+          </a:ln>
+        </p:spPr>
+        <p:txBody>
+          <a:bodyPr vert="horz" lIns="91440" tIns="45720" rIns="91440" bIns="45720" rtlCol="0" anchor="ctr"/>
+          <a:lstStyle/>
+          <a:p>
+            <a:endParaRPr lang="en-MY"/>
+          </a:p>
+        </p:txBody>
+      </p:sp>
+      <p:sp>
+        <p:nvSpPr>
+          <p:cNvPr id="5" name="Notes Placeholder 4"/>
+          <p:cNvSpPr>
+            <a:spLocks noGrp="1"/>
+          </p:cNvSpPr>
+          <p:nvPr>
+            <p:ph type="body" sz="quarter" idx="3"/>
+          </p:nvPr>
+        </p:nvSpPr>
+        <p:spPr>
+          <a:xfrm>
+            <a:off x="685800" y="4343400"/>
+            <a:ext cx="5486400" cy="4114800"/>
+          </a:xfrm>
+          <a:prstGeom prst="rect">
+            <a:avLst/>
+          </a:prstGeom>
+        </p:spPr>
+        <p:txBody>
+          <a:bodyPr vert="horz" lIns="91440" tIns="45720" rIns="91440" bIns="45720" rtlCol="0"/>
+          <a:lstStyle/>
+          <a:p>
+            <a:pPr lvl="0"/>
+            <a:r>
+              <a:rPr lang="en-US" smtClean="0"/>
+              <a:t>Click to edit Master text styles</a:t>
+            </a:r>
+          </a:p>
+          <a:p>
+            <a:pPr lvl="1"/>
+            <a:r>
+              <a:rPr lang="en-US" smtClean="0"/>
+              <a:t>Second level</a:t>
+            </a:r>
+          </a:p>
+          <a:p>
+            <a:pPr lvl="2"/>
+            <a:r>
+              <a:rPr lang="en-US" smtClean="0"/>
+              <a:t>Third level</a:t>
+            </a:r>
+          </a:p>
+          <a:p>
+            <a:pPr lvl="3"/>
+            <a:r>
+              <a:rPr lang="en-US" smtClean="0"/>
+              <a:t>Fourth level</a:t>
+            </a:r>
+          </a:p>
+          <a:p>
+            <a:pPr lvl="4"/>
+            <a:r>
+              <a:rPr lang="en-US" smtClean="0"/>
+              <a:t>Fifth level</a:t>
+            </a:r>
+            <a:endParaRPr lang="en-MY"/>
+          </a:p>
+        </p:txBody>
+      </p:sp>
+      <p:sp>
+        <p:nvSpPr>
+          <p:cNvPr id="6" name="Footer Placeholder 5"/>
+          <p:cNvSpPr>
+            <a:spLocks noGrp="1"/>
+          </p:cNvSpPr>
+          <p:nvPr>
+            <p:ph type="ftr" sz="quarter" idx="4"/>
+          </p:nvPr>
+        </p:nvSpPr>
+        <p:spPr>
+          <a:xfrm>
+            <a:off x="0" y="8685213"/>
+            <a:ext cx="2971800" cy="457200"/>
+          </a:xfrm>
+          <a:prstGeom prst="rect">
+            <a:avLst/>
+          </a:prstGeom>
+        </p:spPr>
+        <p:txBody>
+          <a:bodyPr vert="horz" lIns="91440" tIns="45720" rIns="91440" bIns="45720" rtlCol="0" anchor="b"/>
+          <a:lstStyle>
+            <a:lvl1pPr algn="l">
+              <a:defRPr sz="1200"/>
+            </a:lvl1pPr>
+          </a:lstStyle>
+          <a:p>
+            <a:endParaRPr lang="en-MY"/>
+          </a:p>
+        </p:txBody>
+      </p:sp>
+      <p:sp>
+        <p:nvSpPr>
+          <p:cNvPr id="7" name="Slide Number Placeholder 6"/>
+          <p:cNvSpPr>
+            <a:spLocks noGrp="1"/>
+          </p:cNvSpPr>
+          <p:nvPr>
+            <p:ph type="sldNum" sz="quarter" idx="5"/>
+          </p:nvPr>
+        </p:nvSpPr>
+        <p:spPr>
+          <a:xfrm>
+            <a:off x="3884613" y="8685213"/>
+            <a:ext cx="2971800" cy="457200"/>
+          </a:xfrm>
+          <a:prstGeom prst="rect">
+            <a:avLst/>
+          </a:prstGeom>
+        </p:spPr>
+        <p:txBody>
+          <a:bodyPr vert="horz" lIns="91440" tIns="45720" rIns="91440" bIns="45720" rtlCol="0" anchor="b"/>
+          <a:lstStyle>
+            <a:lvl1pPr algn="r">
+              <a:defRPr sz="1200"/>
+            </a:lvl1pPr>
+          </a:lstStyle>
+          <a:p>
+            <a:fld id="{CAC696D8-9CEF-47A5-B375-B5AC6B55D67B}" type="slidenum">
+              <a:rPr lang="en-MY" smtClean="0"/>
+              <a:t>‹#›</a:t>
+            </a:fld>
+            <a:endParaRPr lang="en-MY"/>
+          </a:p>
+        </p:txBody>
+      </p:sp>
+    </p:spTree>
+    <p:extLst>
+      <p:ext uri="{BB962C8B-B14F-4D97-AF65-F5344CB8AC3E}">
+        <p14:creationId xmlns:p14="http://schemas.microsoft.com/office/powerpoint/2010/main" val="2063412421"/>
+      </p:ext>
+    </p:extLst>
+  </p:cSld>
+  <p:clrMap bg1="lt1" tx1="dk1" bg2="lt2" tx2="dk2" accent1="accent1" accent2="accent2" accent3="accent3" accent4="accent4" accent5="accent5" accent6="accent6" hlink="hlink" folHlink="folHlink"/>
+  <p:notesStyle>
+    <a:lvl1pPr marL="0" algn="l" defTabSz="914400" rtl="0" eaLnBrk="1" latinLnBrk="0" hangingPunct="1">
+      <a:defRPr sz="1200" kern="1200">
+        <a:solidFill>
+          <a:schemeClr val="tx1"/>
+        </a:solidFill>
+        <a:latin typeface="+mn-lt"/>
+        <a:ea typeface="+mn-ea"/>
+        <a:cs typeface="+mn-cs"/>
+      </a:defRPr>
+    </a:lvl1pPr>
+    <a:lvl2pPr marL="457200" algn="l" defTabSz="914400" rtl="0" eaLnBrk="1" latinLnBrk="0" hangingPunct="1">
+      <a:defRPr sz="1200" kern="1200">
+        <a:solidFill>
+          <a:schemeClr val="tx1"/>
+        </a:solidFill>
+        <a:latin typeface="+mn-lt"/>
+        <a:ea typeface="+mn-ea"/>
+        <a:cs typeface="+mn-cs"/>
+      </a:defRPr>
+    </a:lvl2pPr>
+    <a:lvl3pPr marL="914400" algn="l" defTabSz="914400" rtl="0" eaLnBrk="1" latinLnBrk="0" hangingPunct="1">
+      <a:defRPr sz="1200" kern="1200">
+        <a:solidFill>
+          <a:schemeClr val="tx1"/>
+        </a:solidFill>
+        <a:latin typeface="+mn-lt"/>
+        <a:ea typeface="+mn-ea"/>
+        <a:cs typeface="+mn-cs"/>
+      </a:defRPr>
+    </a:lvl3pPr>
+    <a:lvl4pPr marL="1371600" algn="l" defTabSz="914400" rtl="0" eaLnBrk="1" latinLnBrk="0" hangingPunct="1">
+      <a:defRPr sz="1200" kern="1200">
+        <a:solidFill>
+          <a:schemeClr val="tx1"/>
+        </a:solidFill>
+        <a:latin typeface="+mn-lt"/>
+        <a:ea typeface="+mn-ea"/>
+        <a:cs typeface="+mn-cs"/>
+      </a:defRPr>
+    </a:lvl4pPr>
+    <a:lvl5pPr marL="1828800" algn="l" defTabSz="914400" rtl="0" eaLnBrk="1" latinLnBrk="0" hangingPunct="1">
+      <a:defRPr sz="1200" kern="1200">
+        <a:solidFill>
+          <a:schemeClr val="tx1"/>
+        </a:solidFill>
+        <a:latin typeface="+mn-lt"/>
+        <a:ea typeface="+mn-ea"/>
+        <a:cs typeface="+mn-cs"/>
+      </a:defRPr>
+    </a:lvl5pPr>
+    <a:lvl6pPr marL="2286000" algn="l" defTabSz="914400" rtl="0" eaLnBrk="1" latinLnBrk="0" hangingPunct="1">
+      <a:defRPr sz="1200" kern="1200">
+        <a:solidFill>
+          <a:schemeClr val="tx1"/>
+        </a:solidFill>
+        <a:latin typeface="+mn-lt"/>
+        <a:ea typeface="+mn-ea"/>
+        <a:cs typeface="+mn-cs"/>
+      </a:defRPr>
+    </a:lvl6pPr>
+    <a:lvl7pPr marL="2743200" algn="l" defTabSz="914400" rtl="0" eaLnBrk="1" latinLnBrk="0" hangingPunct="1">
+      <a:defRPr sz="1200" kern="1200">
+        <a:solidFill>
+          <a:schemeClr val="tx1"/>
+        </a:solidFill>
+        <a:latin typeface="+mn-lt"/>
+        <a:ea typeface="+mn-ea"/>
+        <a:cs typeface="+mn-cs"/>
+      </a:defRPr>
+    </a:lvl7pPr>
+    <a:lvl8pPr marL="3200400" algn="l" defTabSz="914400" rtl="0" eaLnBrk="1" latinLnBrk="0" hangingPunct="1">
+      <a:defRPr sz="1200" kern="1200">
+        <a:solidFill>
+          <a:schemeClr val="tx1"/>
+        </a:solidFill>
+        <a:latin typeface="+mn-lt"/>
+        <a:ea typeface="+mn-ea"/>
+        <a:cs typeface="+mn-cs"/>
+      </a:defRPr>
+    </a:lvl8pPr>
+    <a:lvl9pPr marL="3657600" algn="l" defTabSz="914400" rtl="0" eaLnBrk="1" latinLnBrk="0" hangingPunct="1">
+      <a:defRPr sz="1200" kern="1200">
+        <a:solidFill>
+          <a:schemeClr val="tx1"/>
+        </a:solidFill>
+        <a:latin typeface="+mn-lt"/>
+        <a:ea typeface="+mn-ea"/>
+        <a:cs typeface="+mn-cs"/>
+      </a:defRPr>
+    </a:lvl9pPr>
+  </p:notesStyle>
+</p:notesMaster>
+</file>
+
+<file path=ppt/notesSlides/notesSlide1.xml><?xml version="1.0" encoding="utf-8"?>
+<p:notes xmlns:a="http://schemas.openxmlformats.org/drawingml/2006/main" xmlns:r="http://schemas.openxmlformats.org/officeDocument/2006/relationships" xmlns:p="http://schemas.openxmlformats.org/presentationml/2006/main">
+  <p:cSld>
+    <p:spTree>
+      <p:nvGrpSpPr>
+        <p:cNvPr id="1" name=""/>
+        <p:cNvGrpSpPr/>
+        <p:nvPr/>
+      </p:nvGrpSpPr>
+      <p:grpSpPr>
+        <a:xfrm>
+          <a:off x="0" y="0"/>
+          <a:ext cx="0" cy="0"/>
+          <a:chOff x="0" y="0"/>
+          <a:chExt cx="0" cy="0"/>
+        </a:xfrm>
+      </p:grpSpPr>
+      <p:sp>
+        <p:nvSpPr>
+          <p:cNvPr id="2" name="Slide Image Placeholder 1"/>
+          <p:cNvSpPr>
+            <a:spLocks noGrp="1" noRot="1" noChangeAspect="1"/>
+          </p:cNvSpPr>
+          <p:nvPr>
+            <p:ph type="sldImg"/>
+          </p:nvPr>
+        </p:nvSpPr>
+        <p:spPr/>
+      </p:sp>
+      <p:sp>
+        <p:nvSpPr>
+          <p:cNvPr id="3" name="Notes Placeholder 2"/>
+          <p:cNvSpPr>
+            <a:spLocks noGrp="1"/>
+          </p:cNvSpPr>
+          <p:nvPr>
+            <p:ph type="body" idx="1"/>
+          </p:nvPr>
+        </p:nvSpPr>
+        <p:spPr/>
+        <p:txBody>
+          <a:bodyPr/>
+          <a:lstStyle/>
+          <a:p>
+            <a:r>
+              <a:rPr lang="en-US" dirty="0" smtClean="0"/>
+              <a:t>use the average / mean as threshold</a:t>
+            </a:r>
+            <a:endParaRPr lang="en-MY" dirty="0"/>
+          </a:p>
+        </p:txBody>
+      </p:sp>
+      <p:sp>
+        <p:nvSpPr>
+          <p:cNvPr id="4" name="Slide Number Placeholder 3"/>
+          <p:cNvSpPr>
+            <a:spLocks noGrp="1"/>
+          </p:cNvSpPr>
+          <p:nvPr>
+            <p:ph type="sldNum" sz="quarter" idx="10"/>
+          </p:nvPr>
+        </p:nvSpPr>
+        <p:spPr/>
+        <p:txBody>
+          <a:bodyPr/>
+          <a:lstStyle/>
+          <a:p>
+            <a:fld id="{CAC696D8-9CEF-47A5-B375-B5AC6B55D67B}" type="slidenum">
+              <a:rPr lang="en-MY" smtClean="0"/>
+              <a:t>9</a:t>
+            </a:fld>
+            <a:endParaRPr lang="en-MY"/>
+          </a:p>
+        </p:txBody>
+      </p:sp>
+    </p:spTree>
+    <p:extLst>
+      <p:ext uri="{BB962C8B-B14F-4D97-AF65-F5344CB8AC3E}">
+        <p14:creationId xmlns:p14="http://schemas.microsoft.com/office/powerpoint/2010/main" val="2431894882"/>
+      </p:ext>
+    </p:extLst>
+  </p:cSld>
+  <p:clrMapOvr>
+    <a:masterClrMapping/>
+  </p:clrMapOvr>
+</p:notes>
+</file>
+
+<file path=ppt/notesSlides/notesSlide2.xml><?xml version="1.0" encoding="utf-8"?>
+<p:notes xmlns:a="http://schemas.openxmlformats.org/drawingml/2006/main" xmlns:r="http://schemas.openxmlformats.org/officeDocument/2006/relationships" xmlns:p="http://schemas.openxmlformats.org/presentationml/2006/main">
+  <p:cSld>
+    <p:spTree>
+      <p:nvGrpSpPr>
+        <p:cNvPr id="1" name=""/>
+        <p:cNvGrpSpPr/>
+        <p:nvPr/>
+      </p:nvGrpSpPr>
+      <p:grpSpPr>
+        <a:xfrm>
+          <a:off x="0" y="0"/>
+          <a:ext cx="0" cy="0"/>
+          <a:chOff x="0" y="0"/>
+          <a:chExt cx="0" cy="0"/>
+        </a:xfrm>
+      </p:grpSpPr>
+      <p:sp>
+        <p:nvSpPr>
+          <p:cNvPr id="2" name="Slide Image Placeholder 1"/>
+          <p:cNvSpPr>
+            <a:spLocks noGrp="1" noRot="1" noChangeAspect="1"/>
+          </p:cNvSpPr>
+          <p:nvPr>
+            <p:ph type="sldImg"/>
+          </p:nvPr>
+        </p:nvSpPr>
+        <p:spPr/>
+      </p:sp>
+      <p:sp>
+        <p:nvSpPr>
+          <p:cNvPr id="3" name="Notes Placeholder 2"/>
+          <p:cNvSpPr>
+            <a:spLocks noGrp="1"/>
+          </p:cNvSpPr>
+          <p:nvPr>
+            <p:ph type="body" idx="1"/>
+          </p:nvPr>
+        </p:nvSpPr>
+        <p:spPr/>
+        <p:txBody>
+          <a:bodyPr/>
+          <a:lstStyle/>
+          <a:p>
+            <a:r>
+              <a:rPr lang="en-US" dirty="0" smtClean="0"/>
+              <a:t>L</a:t>
+            </a:r>
+            <a:endParaRPr lang="en-MY" dirty="0"/>
+          </a:p>
+        </p:txBody>
+      </p:sp>
+      <p:sp>
+        <p:nvSpPr>
+          <p:cNvPr id="4" name="Slide Number Placeholder 3"/>
+          <p:cNvSpPr>
+            <a:spLocks noGrp="1"/>
+          </p:cNvSpPr>
+          <p:nvPr>
+            <p:ph type="sldNum" sz="quarter" idx="10"/>
+          </p:nvPr>
+        </p:nvSpPr>
+        <p:spPr/>
+        <p:txBody>
+          <a:bodyPr/>
+          <a:lstStyle/>
+          <a:p>
+            <a:fld id="{CAC696D8-9CEF-47A5-B375-B5AC6B55D67B}" type="slidenum">
+              <a:rPr lang="en-MY" smtClean="0"/>
+              <a:t>11</a:t>
+            </a:fld>
+            <a:endParaRPr lang="en-MY"/>
+          </a:p>
+        </p:txBody>
+      </p:sp>
+    </p:spTree>
+    <p:extLst>
+      <p:ext uri="{BB962C8B-B14F-4D97-AF65-F5344CB8AC3E}">
+        <p14:creationId xmlns:p14="http://schemas.microsoft.com/office/powerpoint/2010/main" val="3472011867"/>
+      </p:ext>
+    </p:extLst>
+  </p:cSld>
+  <p:clrMapOvr>
+    <a:masterClrMapping/>
+  </p:clrMapOvr>
+</p:notes>
+</file>
+
+<file path=ppt/notesSlides/notesSlide3.xml><?xml version="1.0" encoding="utf-8"?>
+<p:notes xmlns:a="http://schemas.openxmlformats.org/drawingml/2006/main" xmlns:r="http://schemas.openxmlformats.org/officeDocument/2006/relationships" xmlns:p="http://schemas.openxmlformats.org/presentationml/2006/main">
+  <p:cSld>
+    <p:spTree>
+      <p:nvGrpSpPr>
+        <p:cNvPr id="1" name=""/>
+        <p:cNvGrpSpPr/>
+        <p:nvPr/>
+      </p:nvGrpSpPr>
+      <p:grpSpPr>
+        <a:xfrm>
+          <a:off x="0" y="0"/>
+          <a:ext cx="0" cy="0"/>
+          <a:chOff x="0" y="0"/>
+          <a:chExt cx="0" cy="0"/>
+        </a:xfrm>
+      </p:grpSpPr>
+      <p:sp>
+        <p:nvSpPr>
+          <p:cNvPr id="2" name="Slide Image Placeholder 1"/>
+          <p:cNvSpPr>
+            <a:spLocks noGrp="1" noRot="1" noChangeAspect="1"/>
+          </p:cNvSpPr>
+          <p:nvPr>
+            <p:ph type="sldImg"/>
+          </p:nvPr>
+        </p:nvSpPr>
+        <p:spPr/>
+      </p:sp>
+      <p:sp>
+        <p:nvSpPr>
+          <p:cNvPr id="3" name="Notes Placeholder 2"/>
+          <p:cNvSpPr>
+            <a:spLocks noGrp="1"/>
+          </p:cNvSpPr>
+          <p:nvPr>
+            <p:ph type="body" idx="1"/>
+          </p:nvPr>
+        </p:nvSpPr>
+        <p:spPr/>
+        <p:txBody>
+          <a:bodyPr/>
+          <a:lstStyle/>
+          <a:p>
+            <a:r>
+              <a:rPr lang="en-US" dirty="0" smtClean="0"/>
+              <a:t>Q1 No</a:t>
+            </a:r>
+          </a:p>
+          <a:p>
+            <a:r>
+              <a:rPr lang="en-US" dirty="0" smtClean="0"/>
+              <a:t>Q2 another</a:t>
+            </a:r>
+            <a:r>
+              <a:rPr lang="en-US" baseline="0" dirty="0" smtClean="0"/>
+              <a:t> sensor, vision, encoder,</a:t>
+            </a:r>
+          </a:p>
+          <a:p>
+            <a:r>
+              <a:rPr lang="en-US" baseline="0" dirty="0" smtClean="0"/>
+              <a:t>Q3</a:t>
+            </a:r>
+          </a:p>
+          <a:p>
+            <a:r>
+              <a:rPr lang="en-US" baseline="0" dirty="0" smtClean="0"/>
+              <a:t>Q4 2**5</a:t>
+            </a:r>
+          </a:p>
+          <a:p>
+            <a:r>
+              <a:rPr lang="en-US" baseline="0" dirty="0" smtClean="0"/>
+              <a:t>Q5 see next page</a:t>
+            </a:r>
+            <a:endParaRPr lang="en-MY" dirty="0"/>
+          </a:p>
+        </p:txBody>
+      </p:sp>
+      <p:sp>
+        <p:nvSpPr>
+          <p:cNvPr id="4" name="Slide Number Placeholder 3"/>
+          <p:cNvSpPr>
+            <a:spLocks noGrp="1"/>
+          </p:cNvSpPr>
+          <p:nvPr>
+            <p:ph type="sldNum" sz="quarter" idx="10"/>
+          </p:nvPr>
+        </p:nvSpPr>
+        <p:spPr/>
+        <p:txBody>
+          <a:bodyPr/>
+          <a:lstStyle/>
+          <a:p>
+            <a:fld id="{CAC696D8-9CEF-47A5-B375-B5AC6B55D67B}" type="slidenum">
+              <a:rPr lang="en-MY" smtClean="0"/>
+              <a:t>15</a:t>
+            </a:fld>
+            <a:endParaRPr lang="en-MY"/>
+          </a:p>
+        </p:txBody>
+      </p:sp>
+    </p:spTree>
+    <p:extLst>
+      <p:ext uri="{BB962C8B-B14F-4D97-AF65-F5344CB8AC3E}">
+        <p14:creationId xmlns:p14="http://schemas.microsoft.com/office/powerpoint/2010/main" val="156240067"/>
+      </p:ext>
+    </p:extLst>
+  </p:cSld>
+  <p:clrMapOvr>
+    <a:masterClrMapping/>
+  </p:clrMapOvr>
+</p:notes>
+</file>
+
 <file path=ppt/slideLayouts/slideLayout1.xml><?xml version="1.0" encoding="utf-8"?>
 <p:sldLayout xmlns:a="http://schemas.openxmlformats.org/drawingml/2006/main" xmlns:r="http://schemas.openxmlformats.org/officeDocument/2006/relationships" xmlns:p="http://schemas.openxmlformats.org/presentationml/2006/main" type="title" preserve="1">
   <p:cSld name="Title Slide">
@@ -302,7 +949,7 @@
             <a:fld id="{1D8BD707-D9CF-40AE-B4C6-C98DA3205C09}" type="datetimeFigureOut">
               <a:rPr lang="en-US" smtClean="0"/>
               <a:pPr/>
-              <a:t>8/30/2019</a:t>
+              <a:t>9/5/2019</a:t>
             </a:fld>
             <a:endParaRPr lang="en-US"/>
           </a:p>
@@ -469,7 +1116,7 @@
             <a:fld id="{1D8BD707-D9CF-40AE-B4C6-C98DA3205C09}" type="datetimeFigureOut">
               <a:rPr lang="en-US" smtClean="0"/>
               <a:pPr/>
-              <a:t>8/30/2019</a:t>
+              <a:t>9/5/2019</a:t>
             </a:fld>
             <a:endParaRPr lang="en-US"/>
           </a:p>
@@ -646,7 +1293,7 @@
             <a:fld id="{1D8BD707-D9CF-40AE-B4C6-C98DA3205C09}" type="datetimeFigureOut">
               <a:rPr lang="en-US" smtClean="0"/>
               <a:pPr/>
-              <a:t>8/30/2019</a:t>
+              <a:t>9/5/2019</a:t>
             </a:fld>
             <a:endParaRPr lang="en-US"/>
           </a:p>
@@ -813,7 +1460,7 @@
             <a:fld id="{1D8BD707-D9CF-40AE-B4C6-C98DA3205C09}" type="datetimeFigureOut">
               <a:rPr lang="en-US" smtClean="0"/>
               <a:pPr/>
-              <a:t>8/30/2019</a:t>
+              <a:t>9/5/2019</a:t>
             </a:fld>
             <a:endParaRPr lang="en-US"/>
           </a:p>
@@ -1056,7 +1703,7 @@
             <a:fld id="{1D8BD707-D9CF-40AE-B4C6-C98DA3205C09}" type="datetimeFigureOut">
               <a:rPr lang="en-US" smtClean="0"/>
               <a:pPr/>
-              <a:t>8/30/2019</a:t>
+              <a:t>9/5/2019</a:t>
             </a:fld>
             <a:endParaRPr lang="en-US"/>
           </a:p>
@@ -1341,7 +1988,7 @@
             <a:fld id="{1D8BD707-D9CF-40AE-B4C6-C98DA3205C09}" type="datetimeFigureOut">
               <a:rPr lang="en-US" smtClean="0"/>
               <a:pPr/>
-              <a:t>8/30/2019</a:t>
+              <a:t>9/5/2019</a:t>
             </a:fld>
             <a:endParaRPr lang="en-US"/>
           </a:p>
@@ -1760,7 +2407,7 @@
             <a:fld id="{1D8BD707-D9CF-40AE-B4C6-C98DA3205C09}" type="datetimeFigureOut">
               <a:rPr lang="en-US" smtClean="0"/>
               <a:pPr/>
-              <a:t>8/30/2019</a:t>
+              <a:t>9/5/2019</a:t>
             </a:fld>
             <a:endParaRPr lang="en-US"/>
           </a:p>
@@ -1875,7 +2522,7 @@
             <a:fld id="{1D8BD707-D9CF-40AE-B4C6-C98DA3205C09}" type="datetimeFigureOut">
               <a:rPr lang="en-US" smtClean="0"/>
               <a:pPr/>
-              <a:t>8/30/2019</a:t>
+              <a:t>9/5/2019</a:t>
             </a:fld>
             <a:endParaRPr lang="en-US"/>
           </a:p>
@@ -1967,7 +2614,7 @@
             <a:fld id="{1D8BD707-D9CF-40AE-B4C6-C98DA3205C09}" type="datetimeFigureOut">
               <a:rPr lang="en-US" smtClean="0"/>
               <a:pPr/>
-              <a:t>8/30/2019</a:t>
+              <a:t>9/5/2019</a:t>
             </a:fld>
             <a:endParaRPr lang="en-US"/>
           </a:p>
@@ -2241,7 +2888,7 @@
             <a:fld id="{1D8BD707-D9CF-40AE-B4C6-C98DA3205C09}" type="datetimeFigureOut">
               <a:rPr lang="en-US" smtClean="0"/>
               <a:pPr/>
-              <a:t>8/30/2019</a:t>
+              <a:t>9/5/2019</a:t>
             </a:fld>
             <a:endParaRPr lang="en-US"/>
           </a:p>
@@ -2491,7 +3138,7 @@
             <a:fld id="{1D8BD707-D9CF-40AE-B4C6-C98DA3205C09}" type="datetimeFigureOut">
               <a:rPr lang="en-US" smtClean="0"/>
               <a:pPr/>
-              <a:t>8/30/2019</a:t>
+              <a:t>9/5/2019</a:t>
             </a:fld>
             <a:endParaRPr lang="en-US"/>
           </a:p>
@@ -2701,7 +3348,7 @@
             <a:fld id="{1D8BD707-D9CF-40AE-B4C6-C98DA3205C09}" type="datetimeFigureOut">
               <a:rPr lang="en-US" smtClean="0"/>
               <a:pPr/>
-              <a:t>8/30/2019</a:t>
+              <a:t>9/5/2019</a:t>
             </a:fld>
             <a:endParaRPr lang="en-US"/>
           </a:p>
@@ -3159,9 +3806,10 @@
           <a:bodyPr/>
           <a:lstStyle/>
           <a:p>
+            <a:pPr algn="l"/>
             <a:r>
               <a:rPr lang="en-US" dirty="0" smtClean="0"/>
-              <a:t>Now Let’s Talk about Rules</a:t>
+              <a:t>Let’s Talk about Rules</a:t>
             </a:r>
             <a:endParaRPr lang="en-MY" dirty="0"/>
           </a:p>
@@ -5480,7 +6128,7 @@
           <a:p>
             <a:r>
               <a:rPr lang="en-US" dirty="0" smtClean="0"/>
-              <a:t>Let’s program it</a:t>
+              <a:t>Let’s Write down all the rules!</a:t>
             </a:r>
             <a:endParaRPr lang="en-MY" dirty="0"/>
           </a:p>
@@ -5503,18 +6151,98 @@
           <a:p>
             <a:r>
               <a:rPr lang="en-US" dirty="0" smtClean="0"/>
+              <a:t>Write </a:t>
+            </a:r>
+            <a:r>
+              <a:rPr lang="en-US" dirty="0" smtClean="0"/>
+              <a:t>down or draw </a:t>
+            </a:r>
+            <a:r>
+              <a:rPr lang="en-US" dirty="0" smtClean="0"/>
+              <a:t>your rules in a pieces of paper</a:t>
+            </a:r>
+          </a:p>
+          <a:p>
+            <a:r>
+              <a:rPr lang="en-US" dirty="0" smtClean="0"/>
               <a:t>use while loop</a:t>
             </a:r>
           </a:p>
           <a:p>
             <a:r>
               <a:rPr lang="en-US" dirty="0" smtClean="0"/>
-              <a:t>use if else condition</a:t>
-            </a:r>
+              <a:t>use for loop</a:t>
+            </a:r>
+          </a:p>
+          <a:p>
+            <a:r>
+              <a:rPr lang="en-US" dirty="0" smtClean="0"/>
+              <a:t>use if else </a:t>
+            </a:r>
+            <a:r>
+              <a:rPr lang="en-US" dirty="0" smtClean="0"/>
+              <a:t>condition</a:t>
+            </a:r>
+          </a:p>
+          <a:p>
             <a:endParaRPr lang="en-MY" dirty="0"/>
           </a:p>
         </p:txBody>
       </p:sp>
+      <p:pic>
+        <p:nvPicPr>
+          <p:cNvPr id="1026" name="Picture 2"/>
+          <p:cNvPicPr>
+            <a:picLocks noChangeAspect="1" noChangeArrowheads="1"/>
+          </p:cNvPicPr>
+          <p:nvPr/>
+        </p:nvPicPr>
+        <p:blipFill>
+          <a:blip r:embed="rId3">
+            <a:extLst>
+              <a:ext uri="{28A0092B-C50C-407E-A947-70E740481C1C}">
+                <a14:useLocalDpi xmlns:a14="http://schemas.microsoft.com/office/drawing/2010/main" val="0"/>
+              </a:ext>
+            </a:extLst>
+          </a:blip>
+          <a:srcRect/>
+          <a:stretch>
+            <a:fillRect/>
+          </a:stretch>
+        </p:blipFill>
+        <p:spPr bwMode="auto">
+          <a:xfrm>
+            <a:off x="4483769" y="2971800"/>
+            <a:ext cx="4502426" cy="3886200"/>
+          </a:xfrm>
+          <a:prstGeom prst="rect">
+            <a:avLst/>
+          </a:prstGeom>
+          <a:noFill/>
+          <a:ln>
+            <a:noFill/>
+          </a:ln>
+          <a:extLst>
+            <a:ext uri="{909E8E84-426E-40DD-AFC4-6F175D3DCCD1}">
+              <a14:hiddenFill xmlns:a14="http://schemas.microsoft.com/office/drawing/2010/main">
+                <a:solidFill>
+                  <a:schemeClr val="accent1"/>
+                </a:solidFill>
+              </a14:hiddenFill>
+            </a:ext>
+            <a:ext uri="{91240B29-F687-4F45-9708-019B960494DF}">
+              <a14:hiddenLine xmlns:a14="http://schemas.microsoft.com/office/drawing/2010/main" w="9525">
+                <a:solidFill>
+                  <a:schemeClr val="tx1"/>
+                </a:solidFill>
+                <a:miter lim="800000"/>
+                <a:headEnd/>
+                <a:tailEnd/>
+              </a14:hiddenLine>
+            </a:ext>
+          </a:extLst>
+        </p:spPr>
+      </p:pic>
     </p:spTree>
     <p:extLst>
       <p:ext uri="{BB962C8B-B14F-4D97-AF65-F5344CB8AC3E}">
@@ -5568,8 +6296,8 @@
           <a:lstStyle/>
           <a:p>
             <a:r>
-              <a:rPr lang="en-US" dirty="0" err="1" smtClean="0"/>
-              <a:t>Demostrations</a:t>
+              <a:rPr lang="en-US" dirty="0" smtClean="0"/>
+              <a:t>Let’s program it!</a:t>
             </a:r>
             <a:endParaRPr lang="en-MY" dirty="0"/>
           </a:p>
@@ -5590,14 +6318,18 @@
           <a:bodyPr/>
           <a:lstStyle/>
           <a:p>
-            <a:endParaRPr lang="en-MY"/>
+            <a:r>
+              <a:rPr lang="en-US" dirty="0" smtClean="0"/>
+              <a:t>I will help you on translating your writing to code</a:t>
+            </a:r>
+            <a:endParaRPr lang="en-MY" dirty="0"/>
           </a:p>
         </p:txBody>
       </p:sp>
     </p:spTree>
     <p:extLst>
       <p:ext uri="{BB962C8B-B14F-4D97-AF65-F5344CB8AC3E}">
-        <p14:creationId xmlns:p14="http://schemas.microsoft.com/office/powerpoint/2010/main" val="1487353290"/>
+        <p14:creationId xmlns:p14="http://schemas.microsoft.com/office/powerpoint/2010/main" val="2561206994"/>
       </p:ext>
     </p:extLst>
   </p:cSld>
@@ -5648,7 +6380,7 @@
           <a:p>
             <a:r>
               <a:rPr lang="en-US" dirty="0" smtClean="0"/>
-              <a:t>Any Questions?</a:t>
+              <a:t>Demonstrations</a:t>
             </a:r>
             <a:endParaRPr lang="en-MY" dirty="0"/>
           </a:p>
@@ -5676,7 +6408,7 @@
     </p:spTree>
     <p:extLst>
       <p:ext uri="{BB962C8B-B14F-4D97-AF65-F5344CB8AC3E}">
-        <p14:creationId xmlns:p14="http://schemas.microsoft.com/office/powerpoint/2010/main" val="3477653593"/>
+        <p14:creationId xmlns:p14="http://schemas.microsoft.com/office/powerpoint/2010/main" val="1487353290"/>
       </p:ext>
     </p:extLst>
   </p:cSld>
@@ -5727,7 +6459,7 @@
           <a:p>
             <a:r>
               <a:rPr lang="en-US" dirty="0" smtClean="0"/>
-              <a:t>My Questions</a:t>
+              <a:t>Any Questions?</a:t>
             </a:r>
             <a:endParaRPr lang="en-MY" dirty="0"/>
           </a:p>
@@ -5748,6 +6480,87 @@
           <a:bodyPr/>
           <a:lstStyle/>
           <a:p>
+            <a:endParaRPr lang="en-MY"/>
+          </a:p>
+        </p:txBody>
+      </p:sp>
+    </p:spTree>
+    <p:extLst>
+      <p:ext uri="{BB962C8B-B14F-4D97-AF65-F5344CB8AC3E}">
+        <p14:creationId xmlns:p14="http://schemas.microsoft.com/office/powerpoint/2010/main" val="3477653593"/>
+      </p:ext>
+    </p:extLst>
+  </p:cSld>
+  <p:clrMapOvr>
+    <a:masterClrMapping/>
+  </p:clrMapOvr>
+  <p:timing>
+    <p:tnLst>
+      <p:par>
+        <p:cTn id="1" dur="indefinite" restart="never" nodeType="tmRoot"/>
+      </p:par>
+    </p:tnLst>
+  </p:timing>
+</p:sld>
+</file>
+
+<file path=ppt/slides/slide15.xml><?xml version="1.0" encoding="utf-8"?>
+<p:sld xmlns:a="http://schemas.openxmlformats.org/drawingml/2006/main" xmlns:r="http://schemas.openxmlformats.org/officeDocument/2006/relationships" xmlns:p="http://schemas.openxmlformats.org/presentationml/2006/main">
+  <p:cSld>
+    <p:spTree>
+      <p:nvGrpSpPr>
+        <p:cNvPr id="1" name=""/>
+        <p:cNvGrpSpPr/>
+        <p:nvPr/>
+      </p:nvGrpSpPr>
+      <p:grpSpPr>
+        <a:xfrm>
+          <a:off x="0" y="0"/>
+          <a:ext cx="0" cy="0"/>
+          <a:chOff x="0" y="0"/>
+          <a:chExt cx="0" cy="0"/>
+        </a:xfrm>
+      </p:grpSpPr>
+      <p:sp>
+        <p:nvSpPr>
+          <p:cNvPr id="2" name="Title 1"/>
+          <p:cNvSpPr>
+            <a:spLocks noGrp="1"/>
+          </p:cNvSpPr>
+          <p:nvPr>
+            <p:ph type="title"/>
+          </p:nvPr>
+        </p:nvSpPr>
+        <p:spPr/>
+        <p:txBody>
+          <a:bodyPr/>
+          <a:lstStyle/>
+          <a:p>
+            <a:r>
+              <a:rPr lang="en-US" dirty="0" smtClean="0"/>
+              <a:t>My Questions</a:t>
+            </a:r>
+            <a:endParaRPr lang="en-MY" dirty="0"/>
+          </a:p>
+        </p:txBody>
+      </p:sp>
+      <p:sp>
+        <p:nvSpPr>
+          <p:cNvPr id="3" name="Content Placeholder 2"/>
+          <p:cNvSpPr>
+            <a:spLocks noGrp="1"/>
+          </p:cNvSpPr>
+          <p:nvPr>
+            <p:ph idx="1"/>
+          </p:nvPr>
+        </p:nvSpPr>
+        <p:spPr/>
+        <p:txBody>
+          <a:bodyPr>
+            <a:normAutofit fontScale="92500" lnSpcReduction="10000"/>
+          </a:bodyPr>
+          <a:lstStyle/>
+          <a:p>
             <a:pPr marL="0" indent="0">
               <a:buNone/>
             </a:pPr>
@@ -5762,7 +6575,7 @@
             </a:pPr>
             <a:r>
               <a:rPr lang="en-US" dirty="0" smtClean="0"/>
-              <a:t>Q2: How to let robot know it is moving after you command it?</a:t>
+              <a:t>Q2: How to let robot know whether it is moving after you give it a command?</a:t>
             </a:r>
           </a:p>
           <a:p>
@@ -5771,13 +6584,44 @@
             </a:pPr>
             <a:r>
               <a:rPr lang="en-US" dirty="0" smtClean="0"/>
-              <a:t>Q3: How many combination of sensors </a:t>
-            </a:r>
-            <a:r>
-              <a:rPr lang="en-US" smtClean="0"/>
-              <a:t>available?</a:t>
+              <a:t>Q3: </a:t>
             </a:r>
             <a:endParaRPr lang="en-US" dirty="0" smtClean="0"/>
+          </a:p>
+          <a:p>
+            <a:pPr marL="0" indent="0">
+              <a:buNone/>
+            </a:pPr>
+            <a:r>
+              <a:rPr lang="en-US" dirty="0" smtClean="0"/>
+              <a:t>Q4: </a:t>
+            </a:r>
+            <a:r>
+              <a:rPr lang="en-US" dirty="0"/>
+              <a:t>How many combination of IR sensors available</a:t>
+            </a:r>
+            <a:r>
+              <a:rPr lang="en-US" dirty="0" smtClean="0"/>
+              <a:t>?</a:t>
+            </a:r>
+            <a:endParaRPr lang="en-US" dirty="0" smtClean="0"/>
+          </a:p>
+          <a:p>
+            <a:pPr marL="0" indent="0">
+              <a:buNone/>
+            </a:pPr>
+            <a:r>
+              <a:rPr lang="en-US" dirty="0" smtClean="0"/>
+              <a:t>Q5: </a:t>
+            </a:r>
+            <a:r>
+              <a:rPr lang="en-US" dirty="0" smtClean="0"/>
+              <a:t>How many combination of an Image pixel available</a:t>
+            </a:r>
+            <a:r>
+              <a:rPr lang="en-US" dirty="0" smtClean="0"/>
+              <a:t>? Assume a 640x480x3 image with 256 color</a:t>
+            </a:r>
           </a:p>
         </p:txBody>
       </p:sp>
@@ -5791,6 +6635,113 @@
   <p:clrMapOvr>
     <a:masterClrMapping/>
   </p:clrMapOvr>
+  <p:timing>
+    <p:tnLst>
+      <p:par>
+        <p:cTn id="1" dur="indefinite" restart="never" nodeType="tmRoot"/>
+      </p:par>
+    </p:tnLst>
+  </p:timing>
+</p:sld>
+</file>
+
+<file path=ppt/slides/slide16.xml><?xml version="1.0" encoding="utf-8"?>
+<p:sld xmlns:a="http://schemas.openxmlformats.org/drawingml/2006/main" xmlns:r="http://schemas.openxmlformats.org/officeDocument/2006/relationships" xmlns:p="http://schemas.openxmlformats.org/presentationml/2006/main">
+  <p:cSld>
+    <p:spTree>
+      <p:nvGrpSpPr>
+        <p:cNvPr id="1" name=""/>
+        <p:cNvGrpSpPr/>
+        <p:nvPr/>
+      </p:nvGrpSpPr>
+      <p:grpSpPr>
+        <a:xfrm>
+          <a:off x="0" y="0"/>
+          <a:ext cx="0" cy="0"/>
+          <a:chOff x="0" y="0"/>
+          <a:chExt cx="0" cy="0"/>
+        </a:xfrm>
+      </p:grpSpPr>
+      <p:sp>
+        <p:nvSpPr>
+          <p:cNvPr id="2" name="Title 1"/>
+          <p:cNvSpPr>
+            <a:spLocks noGrp="1"/>
+          </p:cNvSpPr>
+          <p:nvPr>
+            <p:ph type="title"/>
+          </p:nvPr>
+        </p:nvSpPr>
+        <p:spPr>
+          <a:xfrm>
+            <a:off x="457200" y="274638"/>
+            <a:ext cx="8229600" cy="411162"/>
+          </a:xfrm>
+        </p:spPr>
+        <p:txBody>
+          <a:bodyPr>
+            <a:normAutofit fontScale="90000"/>
+          </a:bodyPr>
+          <a:lstStyle/>
+          <a:p>
+            <a:r>
+              <a:rPr lang="en-US" dirty="0" smtClean="0"/>
+              <a:t>(480*640*3)**256</a:t>
+            </a:r>
+            <a:endParaRPr lang="en-MY" dirty="0"/>
+          </a:p>
+        </p:txBody>
+      </p:sp>
+      <p:sp>
+        <p:nvSpPr>
+          <p:cNvPr id="3" name="Content Placeholder 2"/>
+          <p:cNvSpPr>
+            <a:spLocks noGrp="1"/>
+          </p:cNvSpPr>
+          <p:nvPr>
+            <p:ph idx="1"/>
+          </p:nvPr>
+        </p:nvSpPr>
+        <p:spPr>
+          <a:xfrm>
+            <a:off x="457200" y="960437"/>
+            <a:ext cx="8229600" cy="5897563"/>
+          </a:xfrm>
+        </p:spPr>
+        <p:txBody>
+          <a:bodyPr>
+            <a:noAutofit/>
+          </a:bodyPr>
+          <a:lstStyle/>
+          <a:p>
+            <a:pPr marL="0" indent="0">
+              <a:buNone/>
+            </a:pPr>
+            <a:r>
+              <a:rPr lang="en-MY" sz="1600" dirty="0"/>
+              <a:t>837,281,154,554,675,803,056,768,500,736,983,413,910,406,255,272,797,282,366,395,940,521,808,788,471,851,456,991,730,028,084,400,538,285,605,116,792,946,575,001,658,602,639,467,536,509,614,247,890,076,307,712,377,001,308,643,254,548,624,151,470,638,133,756,358,629,842,711,217,155,177,826,861,586,655,565,861,327,887,517,895,375,491,141,985,443,931,745,905,345,425,282,038,366,283,194,007,772,414,677,787,203,722,158,591,439,966,820,147,606,510,473,801,911,742,010,431,250,382,687,049,447,445,608,247,978,001,065,610,771,910,401,153,309,408,136,704,501,557,801,525,240,577,104,646,953,298,885,863,995,734,505,900,244,286,281,305,089,053,120,255,399,275,991,484,048,367,016,502,303,659,127,219,734,928,419,058,041,893,287,347,154,818,772,455,729,056,388,483,275,021,418,827,432,080,789,510,345,955,767,089,002,237,187,838,167,336,910,926,400,265,941,211,641,179,205,684,857,271,870,227,438,015,297,550,902,574,157,546,549,550,947,686,098,510,211,567,829,845,033,484,365,298,637,890,383,043,535,938,924,373,275,555,767,812,847,797,387,459,542,733,573,689,565,859,949,163,581,193,461,086,252,133,000,942,959,713,334,572,289,790,414,025,833,784,903,421,035,792,265,047,407,658,554,702,206,457,563,851,356,281,583,171,027,248,488,789,100,052,703,643,341,415,424,360,478,349,108,944,801,562,630,812,415,559,224,621,994,905,211,195,007,088,439,755,036,793,241,600,000,000,000,000,000,000,000,000,000,000,000,000,000,000,000,000,000,000,000,000,000,000,000,000,000,000,000,000,000,000,000,000,000,000,000,000,000,000,000,000,000,000,000,000,000,000,000,000,000,000,000,000,000,000,000,000,000,000,000,000,000,000,000,000,000,000,000,000,000,000,000,000,000,000,000,000,000,000,000,000,000,000,000,000,000,000,000,000,000,000,000,000,000,000,000,000,000,000,000,000,000,000,000,000,000,000,000,000,000,000,000,000,000,000,000,000,000,000,000,000,000,000,000,000,000,000,000,000,000,000,000,000,000,000,000,000,000,000,000,000,000,000,000,000,000,000,000,000,000,000,000,000,000,000,000,000,000,000,000,000,000,000,000,000,000,000,000,000,000,000</a:t>
+            </a:r>
+            <a:endParaRPr lang="en-MY" sz="1600" dirty="0"/>
+          </a:p>
+        </p:txBody>
+      </p:sp>
+    </p:spTree>
+    <p:extLst>
+      <p:ext uri="{BB962C8B-B14F-4D97-AF65-F5344CB8AC3E}">
+        <p14:creationId xmlns:p14="http://schemas.microsoft.com/office/powerpoint/2010/main" val="4075207499"/>
+      </p:ext>
+    </p:extLst>
+  </p:cSld>
+  <p:clrMapOvr>
+    <a:masterClrMapping/>
+  </p:clrMapOvr>
+  <p:timing>
+    <p:tnLst>
+      <p:par>
+        <p:cTn id="1" dur="indefinite" restart="never" nodeType="tmRoot"/>
+      </p:par>
+    </p:tnLst>
+  </p:timing>
 </p:sld>
 </file>
 
@@ -5916,8 +6867,12 @@
           <a:lstStyle/>
           <a:p>
             <a:r>
+              <a:rPr lang="en-US" dirty="0" err="1" smtClean="0"/>
+              <a:t>Alphabot</a:t>
+            </a:r>
+            <a:r>
               <a:rPr lang="en-US" dirty="0" smtClean="0"/>
-              <a:t>Robot</a:t>
+              <a:t> 2</a:t>
             </a:r>
             <a:endParaRPr lang="en-MY" dirty="0"/>
           </a:p>
@@ -6092,7 +7047,7 @@
           <a:p>
             <a:r>
               <a:rPr lang="en-US" dirty="0" smtClean="0"/>
-              <a:t>Connect to WIFI</a:t>
+              <a:t>Step by Step</a:t>
             </a:r>
             <a:endParaRPr lang="en-MY" dirty="0"/>
           </a:p>
@@ -6115,56 +7070,22 @@
           <a:p>
             <a:r>
               <a:rPr lang="en-US" dirty="0" smtClean="0"/>
-              <a:t>HAL 9000</a:t>
+              <a:t>All Programs -&gt; Python -&gt; IDLE</a:t>
             </a:r>
           </a:p>
           <a:p>
             <a:r>
               <a:rPr lang="en-US" dirty="0" smtClean="0"/>
-              <a:t>password: </a:t>
-            </a:r>
-            <a:r>
-              <a:rPr lang="en-US" dirty="0" err="1" smtClean="0"/>
-              <a:t>imsorrydave</a:t>
+              <a:t>File -&gt; New File</a:t>
             </a:r>
             <a:endParaRPr lang="en-MY" dirty="0"/>
           </a:p>
         </p:txBody>
       </p:sp>
-      <p:pic>
-        <p:nvPicPr>
-          <p:cNvPr id="4" name="Picture 3"/>
-          <p:cNvPicPr>
-            <a:picLocks noChangeAspect="1"/>
-          </p:cNvPicPr>
-          <p:nvPr/>
-        </p:nvPicPr>
-        <p:blipFill>
-          <a:blip r:embed="rId2">
-            <a:extLst>
-              <a:ext uri="{28A0092B-C50C-407E-A947-70E740481C1C}">
-                <a14:useLocalDpi xmlns:a14="http://schemas.microsoft.com/office/drawing/2010/main" val="0"/>
-              </a:ext>
-            </a:extLst>
-          </a:blip>
-          <a:stretch>
-            <a:fillRect/>
-          </a:stretch>
-        </p:blipFill>
-        <p:spPr>
-          <a:xfrm>
-            <a:off x="4876800" y="2819400"/>
-            <a:ext cx="3924300" cy="3924300"/>
-          </a:xfrm>
-          <a:prstGeom prst="rect">
-            <a:avLst/>
-          </a:prstGeom>
-        </p:spPr>
-      </p:pic>
     </p:spTree>
     <p:extLst>
       <p:ext uri="{BB962C8B-B14F-4D97-AF65-F5344CB8AC3E}">
-        <p14:creationId xmlns:p14="http://schemas.microsoft.com/office/powerpoint/2010/main" val="146569959"/>
+        <p14:creationId xmlns:p14="http://schemas.microsoft.com/office/powerpoint/2010/main" val="2169499533"/>
       </p:ext>
     </p:extLst>
   </p:cSld>
@@ -6210,14 +7131,12 @@
         </p:nvSpPr>
         <p:spPr/>
         <p:txBody>
-          <a:bodyPr>
-            <a:normAutofit fontScale="90000"/>
-          </a:bodyPr>
+          <a:bodyPr/>
           <a:lstStyle/>
           <a:p>
             <a:r>
               <a:rPr lang="en-US" dirty="0" smtClean="0"/>
-              <a:t>Download required files from below link</a:t>
+              <a:t>Test Line Tracker</a:t>
             </a:r>
             <a:endParaRPr lang="en-MY" dirty="0"/>
           </a:p>
@@ -6230,7 +7149,252 @@
             <a:spLocks noGrp="1"/>
           </p:cNvSpPr>
           <p:nvPr>
-            <p:ph idx="1"/>
+            <p:ph sz="half" idx="1"/>
+          </p:nvPr>
+        </p:nvSpPr>
+        <p:spPr/>
+        <p:txBody>
+          <a:bodyPr>
+            <a:noAutofit/>
+          </a:bodyPr>
+          <a:lstStyle/>
+          <a:p>
+            <a:pPr marL="0" indent="0">
+              <a:buNone/>
+            </a:pPr>
+            <a:r>
+              <a:rPr lang="en-US" sz="1600" dirty="0"/>
+              <a:t>from alphabot2 import </a:t>
+            </a:r>
+            <a:r>
+              <a:rPr lang="en-US" sz="1600" dirty="0" err="1"/>
+              <a:t>motor,line_tracker</a:t>
+            </a:r>
+            <a:endParaRPr lang="en-US" sz="1600" dirty="0"/>
+          </a:p>
+          <a:p>
+            <a:pPr marL="0" indent="0">
+              <a:buNone/>
+            </a:pPr>
+            <a:r>
+              <a:rPr lang="en-US" sz="1600" dirty="0"/>
+              <a:t>import time</a:t>
+            </a:r>
+          </a:p>
+          <a:p>
+            <a:pPr marL="0" indent="0">
+              <a:buNone/>
+            </a:pPr>
+            <a:r>
+              <a:rPr lang="en-US" sz="1600" dirty="0"/>
+              <a:t># IP </a:t>
+            </a:r>
+            <a:r>
+              <a:rPr lang="en-US" sz="1600" dirty="0" err="1"/>
+              <a:t>adddress</a:t>
+            </a:r>
+            <a:r>
+              <a:rPr lang="en-US" sz="1600" dirty="0"/>
+              <a:t> of your robot</a:t>
+            </a:r>
+          </a:p>
+          <a:p>
+            <a:pPr marL="0" indent="0">
+              <a:buNone/>
+            </a:pPr>
+            <a:r>
+              <a:rPr lang="en-US" sz="1600" dirty="0"/>
+              <a:t>address  = "192.168.0.100"</a:t>
+            </a:r>
+          </a:p>
+          <a:p>
+            <a:pPr marL="0" indent="0">
+              <a:buNone/>
+            </a:pPr>
+            <a:r>
+              <a:rPr lang="en-US" sz="1600" dirty="0"/>
+              <a:t># create line tracker object</a:t>
+            </a:r>
+          </a:p>
+          <a:p>
+            <a:pPr marL="0" indent="0">
+              <a:buNone/>
+            </a:pPr>
+            <a:r>
+              <a:rPr lang="en-US" sz="1600" dirty="0" err="1"/>
+              <a:t>lt</a:t>
+            </a:r>
+            <a:r>
+              <a:rPr lang="en-US" sz="1600" dirty="0"/>
+              <a:t> = </a:t>
+            </a:r>
+            <a:r>
+              <a:rPr lang="en-US" sz="1600" dirty="0" err="1"/>
+              <a:t>line_tracker.line_tracker</a:t>
+            </a:r>
+            <a:r>
+              <a:rPr lang="en-US" sz="1600" dirty="0"/>
+              <a:t>(address)</a:t>
+            </a:r>
+          </a:p>
+          <a:p>
+            <a:pPr marL="0" indent="0">
+              <a:buNone/>
+            </a:pPr>
+            <a:r>
+              <a:rPr lang="en-US" sz="1600" dirty="0"/>
+              <a:t># start reading data from server</a:t>
+            </a:r>
+          </a:p>
+          <a:p>
+            <a:pPr marL="0" indent="0">
+              <a:buNone/>
+            </a:pPr>
+            <a:r>
+              <a:rPr lang="en-US" sz="1600" dirty="0" err="1"/>
+              <a:t>lt.start</a:t>
+            </a:r>
+            <a:r>
+              <a:rPr lang="en-US" sz="1600" dirty="0"/>
+              <a:t>()</a:t>
+            </a:r>
+          </a:p>
+          <a:p>
+            <a:pPr marL="0" indent="0">
+              <a:buNone/>
+            </a:pPr>
+            <a:r>
+              <a:rPr lang="en-US" sz="1600" dirty="0"/>
+              <a:t>for </a:t>
+            </a:r>
+            <a:r>
+              <a:rPr lang="en-US" sz="1600" dirty="0" err="1"/>
+              <a:t>i</a:t>
+            </a:r>
+            <a:r>
+              <a:rPr lang="en-US" sz="1600" dirty="0"/>
+              <a:t> in range(100):</a:t>
+            </a:r>
+          </a:p>
+          <a:p>
+            <a:pPr marL="0" indent="0">
+              <a:buNone/>
+            </a:pPr>
+            <a:r>
+              <a:rPr lang="en-US" sz="1600" dirty="0"/>
+              <a:t>	# stop for one second</a:t>
+            </a:r>
+          </a:p>
+          <a:p>
+            <a:pPr marL="0" indent="0">
+              <a:buNone/>
+            </a:pPr>
+            <a:r>
+              <a:rPr lang="en-US" sz="1600" dirty="0"/>
+              <a:t>	</a:t>
+            </a:r>
+            <a:r>
+              <a:rPr lang="en-US" sz="1600" dirty="0" err="1"/>
+              <a:t>time.sleep</a:t>
+            </a:r>
+            <a:r>
+              <a:rPr lang="en-US" sz="1600" dirty="0"/>
+              <a:t>(1)</a:t>
+            </a:r>
+          </a:p>
+          <a:p>
+            <a:pPr marL="0" indent="0">
+              <a:buNone/>
+            </a:pPr>
+            <a:r>
+              <a:rPr lang="en-US" sz="1600" dirty="0"/>
+              <a:t>	if </a:t>
+            </a:r>
+            <a:r>
+              <a:rPr lang="en-US" sz="1600" dirty="0" err="1"/>
+              <a:t>lt.data</a:t>
+            </a:r>
+            <a:r>
+              <a:rPr lang="en-US" sz="1600" dirty="0"/>
+              <a:t>==0:</a:t>
+            </a:r>
+          </a:p>
+          <a:p>
+            <a:pPr marL="0" indent="0">
+              <a:buNone/>
+            </a:pPr>
+            <a:r>
+              <a:rPr lang="en-US" sz="1600" dirty="0"/>
+              <a:t>		continue</a:t>
+            </a:r>
+          </a:p>
+          <a:p>
+            <a:pPr marL="0" indent="0">
+              <a:buNone/>
+            </a:pPr>
+            <a:r>
+              <a:rPr lang="en-US" sz="1600" dirty="0"/>
+              <a:t>	# </a:t>
+            </a:r>
+            <a:r>
+              <a:rPr lang="en-US" sz="1600" dirty="0" err="1"/>
+              <a:t>lt.data</a:t>
+            </a:r>
+            <a:r>
+              <a:rPr lang="en-US" sz="1600" dirty="0"/>
+              <a:t> is an array with 5 elements</a:t>
+            </a:r>
+          </a:p>
+          <a:p>
+            <a:pPr marL="0" indent="0">
+              <a:buNone/>
+            </a:pPr>
+            <a:r>
+              <a:rPr lang="en-US" sz="1600" dirty="0"/>
+              <a:t>	print(</a:t>
+            </a:r>
+            <a:r>
+              <a:rPr lang="en-US" sz="1600" dirty="0" err="1"/>
+              <a:t>lt.data</a:t>
+            </a:r>
+            <a:r>
+              <a:rPr lang="en-US" sz="1600" dirty="0"/>
+              <a:t>)</a:t>
+            </a:r>
+          </a:p>
+          <a:p>
+            <a:pPr marL="0" indent="0">
+              <a:buNone/>
+            </a:pPr>
+            <a:r>
+              <a:rPr lang="en-US" sz="1600" dirty="0"/>
+              <a:t># remember to stop the socket connection</a:t>
+            </a:r>
+          </a:p>
+          <a:p>
+            <a:pPr marL="0" indent="0">
+              <a:buNone/>
+            </a:pPr>
+            <a:r>
+              <a:rPr lang="en-US" sz="1600" dirty="0" err="1"/>
+              <a:t>lt.stop</a:t>
+            </a:r>
+            <a:r>
+              <a:rPr lang="en-US" sz="1600" dirty="0"/>
+              <a:t>()</a:t>
+            </a:r>
+            <a:endParaRPr lang="en-MY" sz="1600" dirty="0"/>
+          </a:p>
+        </p:txBody>
+      </p:sp>
+      <p:sp>
+        <p:nvSpPr>
+          <p:cNvPr id="4" name="Content Placeholder 3"/>
+          <p:cNvSpPr>
+            <a:spLocks noGrp="1"/>
+          </p:cNvSpPr>
+          <p:nvPr>
+            <p:ph sz="half" idx="2"/>
           </p:nvPr>
         </p:nvSpPr>
         <p:spPr/>
@@ -6238,28 +7402,31 @@
           <a:bodyPr/>
           <a:lstStyle/>
           <a:p>
-            <a:r>
-              <a:rPr lang="en-MY" sz="2400" dirty="0"/>
-              <a:t>pip install </a:t>
-            </a:r>
-            <a:r>
-              <a:rPr lang="en-MY" sz="2400" dirty="0" err="1"/>
-              <a:t>git+https</a:t>
-            </a:r>
-            <a:r>
-              <a:rPr lang="en-MY" sz="2400" dirty="0"/>
-              <a:t>://github.com/</a:t>
-            </a:r>
-            <a:r>
-              <a:rPr lang="en-MY" sz="2400" dirty="0" err="1"/>
-              <a:t>skyap</a:t>
-            </a:r>
-            <a:r>
-              <a:rPr lang="en-MY" sz="2400" dirty="0"/>
-              <a:t>/alphabot2.git</a:t>
-            </a:r>
-          </a:p>
-          <a:p>
+            <a:pPr marL="0" indent="0">
+              <a:buNone/>
+            </a:pPr>
+            <a:r>
+              <a:rPr lang="en-US" dirty="0" smtClean="0"/>
+              <a:t>To run the code:</a:t>
+            </a:r>
+          </a:p>
+          <a:p>
+            <a:pPr marL="514350" indent="-514350">
+              <a:buAutoNum type="arabicPeriod"/>
+            </a:pPr>
+            <a:r>
+              <a:rPr lang="en-US" dirty="0" smtClean="0"/>
+              <a:t>F5</a:t>
+            </a:r>
+          </a:p>
+          <a:p>
+            <a:pPr marL="514350" indent="-514350">
+              <a:buAutoNum type="arabicPeriod"/>
+            </a:pPr>
+            <a:r>
+              <a:rPr lang="en-US" dirty="0" smtClean="0"/>
+              <a:t>Run -&gt; Run Module</a:t>
+            </a:r>
             <a:endParaRPr lang="en-MY" dirty="0"/>
           </a:p>
         </p:txBody>
@@ -6267,7 +7434,7 @@
     </p:spTree>
     <p:extLst>
       <p:ext uri="{BB962C8B-B14F-4D97-AF65-F5344CB8AC3E}">
-        <p14:creationId xmlns:p14="http://schemas.microsoft.com/office/powerpoint/2010/main" val="3107224687"/>
+        <p14:creationId xmlns:p14="http://schemas.microsoft.com/office/powerpoint/2010/main" val="3837344844"/>
       </p:ext>
     </p:extLst>
   </p:cSld>
@@ -6313,12 +7480,14 @@
         </p:nvSpPr>
         <p:spPr/>
         <p:txBody>
-          <a:bodyPr/>
+          <a:bodyPr>
+            <a:normAutofit fontScale="90000"/>
+          </a:bodyPr>
           <a:lstStyle/>
           <a:p>
             <a:r>
               <a:rPr lang="en-US" dirty="0" smtClean="0"/>
-              <a:t>Step by Step</a:t>
+              <a:t>Test Motor (remember to put on floor before execution)</a:t>
             </a:r>
             <a:endParaRPr lang="en-MY" dirty="0"/>
           </a:p>
@@ -6331,32 +7500,590 @@
             <a:spLocks noGrp="1"/>
           </p:cNvSpPr>
           <p:nvPr>
-            <p:ph idx="1"/>
+            <p:ph sz="half" idx="1"/>
           </p:nvPr>
         </p:nvSpPr>
         <p:spPr/>
         <p:txBody>
-          <a:bodyPr/>
+          <a:bodyPr>
+            <a:normAutofit fontScale="25000" lnSpcReduction="20000"/>
+          </a:bodyPr>
           <a:lstStyle/>
           <a:p>
-            <a:r>
-              <a:rPr lang="en-US" dirty="0" smtClean="0"/>
-              <a:t>All Programs -&gt; Python -&gt; IDLE</a:t>
-            </a:r>
-          </a:p>
-          <a:p>
-            <a:r>
-              <a:rPr lang="en-US" dirty="0" smtClean="0"/>
-              <a:t>File -&gt; New File</a:t>
-            </a:r>
+            <a:pPr marL="0" indent="0">
+              <a:buNone/>
+            </a:pPr>
+            <a:r>
+              <a:rPr lang="en-US" sz="5600" dirty="0"/>
+              <a:t>from alphabot2 import </a:t>
+            </a:r>
+            <a:r>
+              <a:rPr lang="en-US" sz="5600" dirty="0" err="1"/>
+              <a:t>motor,line_tracker</a:t>
+            </a:r>
+            <a:endParaRPr lang="en-US" sz="5600" dirty="0"/>
+          </a:p>
+          <a:p>
+            <a:pPr marL="0" indent="0">
+              <a:buNone/>
+            </a:pPr>
+            <a:r>
+              <a:rPr lang="en-US" sz="5600" dirty="0"/>
+              <a:t>import time</a:t>
+            </a:r>
+          </a:p>
+          <a:p>
+            <a:pPr marL="0" indent="0">
+              <a:buNone/>
+            </a:pPr>
+            <a:r>
+              <a:rPr lang="en-US" sz="5600" dirty="0"/>
+              <a:t>address = "192.168.0.100"</a:t>
+            </a:r>
+          </a:p>
+          <a:p>
+            <a:pPr marL="0" indent="0">
+              <a:buNone/>
+            </a:pPr>
+            <a:r>
+              <a:rPr lang="en-US" sz="5600" dirty="0"/>
+              <a:t>mot = </a:t>
+            </a:r>
+            <a:r>
+              <a:rPr lang="en-US" sz="5600" dirty="0" err="1"/>
+              <a:t>motor.motor</a:t>
+            </a:r>
+            <a:r>
+              <a:rPr lang="en-US" sz="5600" dirty="0"/>
+              <a:t>(address)</a:t>
+            </a:r>
+          </a:p>
+          <a:p>
+            <a:pPr marL="0" indent="0">
+              <a:buNone/>
+            </a:pPr>
+            <a:endParaRPr lang="en-US" sz="5600" dirty="0"/>
+          </a:p>
+          <a:p>
+            <a:pPr marL="0" indent="0">
+              <a:buNone/>
+            </a:pPr>
+            <a:r>
+              <a:rPr lang="en-US" sz="5600" dirty="0"/>
+              <a:t># below is the general function's parameters and range</a:t>
+            </a:r>
+          </a:p>
+          <a:p>
+            <a:pPr marL="0" indent="0">
+              <a:buNone/>
+            </a:pPr>
+            <a:r>
+              <a:rPr lang="en-US" sz="5600" dirty="0"/>
+              <a:t># </a:t>
+            </a:r>
+            <a:r>
+              <a:rPr lang="en-US" sz="5600" dirty="0" err="1"/>
+              <a:t>mot.command</a:t>
+            </a:r>
+            <a:r>
+              <a:rPr lang="en-US" sz="5600" dirty="0"/>
+              <a:t>(</a:t>
+            </a:r>
+            <a:r>
+              <a:rPr lang="en-US" sz="5600" dirty="0" err="1"/>
+              <a:t>direction,speed,duration</a:t>
+            </a:r>
+            <a:r>
+              <a:rPr lang="en-US" sz="5600" dirty="0"/>
+              <a:t>)</a:t>
+            </a:r>
+          </a:p>
+          <a:p>
+            <a:pPr marL="0" indent="0">
+              <a:buNone/>
+            </a:pPr>
+            <a:r>
+              <a:rPr lang="en-US" sz="5600" dirty="0"/>
+              <a:t># parameters:</a:t>
+            </a:r>
+          </a:p>
+          <a:p>
+            <a:pPr marL="0" indent="0">
+              <a:buNone/>
+            </a:pPr>
+            <a:r>
+              <a:rPr lang="en-US" sz="5600" dirty="0"/>
+              <a:t># direction: "forward","backward","left","right","set_left_speed","set_right_speed","stop"</a:t>
+            </a:r>
+          </a:p>
+          <a:p>
+            <a:pPr marL="0" indent="0">
+              <a:buNone/>
+            </a:pPr>
+            <a:r>
+              <a:rPr lang="en-US" sz="5600" dirty="0"/>
+              <a:t># speed: 0-100</a:t>
+            </a:r>
+          </a:p>
+          <a:p>
+            <a:pPr marL="0" indent="0">
+              <a:buNone/>
+            </a:pPr>
+            <a:r>
+              <a:rPr lang="en-US" sz="5600" dirty="0"/>
+              <a:t># duration: second</a:t>
+            </a:r>
+          </a:p>
+          <a:p>
+            <a:pPr marL="0" indent="0">
+              <a:buNone/>
+            </a:pPr>
+            <a:endParaRPr lang="en-US" sz="5600" dirty="0"/>
+          </a:p>
+          <a:p>
+            <a:pPr marL="0" indent="0">
+              <a:buNone/>
+            </a:pPr>
+            <a:r>
+              <a:rPr lang="en-US" sz="5600" dirty="0"/>
+              <a:t># run forward at 20 speed for 5 seconds</a:t>
+            </a:r>
+          </a:p>
+          <a:p>
+            <a:pPr marL="0" indent="0">
+              <a:buNone/>
+            </a:pPr>
+            <a:r>
+              <a:rPr lang="en-US" sz="5600" dirty="0" err="1"/>
+              <a:t>mot.command</a:t>
+            </a:r>
+            <a:r>
+              <a:rPr lang="en-US" sz="5600" dirty="0"/>
+              <a:t>("forward",20,5)</a:t>
+            </a:r>
+          </a:p>
+          <a:p>
             <a:endParaRPr lang="en-MY" dirty="0"/>
+          </a:p>
+        </p:txBody>
+      </p:sp>
+      <p:sp>
+        <p:nvSpPr>
+          <p:cNvPr id="4" name="Content Placeholder 3"/>
+          <p:cNvSpPr>
+            <a:spLocks noGrp="1"/>
+          </p:cNvSpPr>
+          <p:nvPr>
+            <p:ph sz="half" idx="2"/>
+          </p:nvPr>
+        </p:nvSpPr>
+        <p:spPr/>
+        <p:txBody>
+          <a:bodyPr>
+            <a:noAutofit/>
+          </a:bodyPr>
+          <a:lstStyle/>
+          <a:p>
+            <a:pPr marL="0" indent="0">
+              <a:buNone/>
+            </a:pPr>
+            <a:r>
+              <a:rPr lang="en-US" sz="800" dirty="0" smtClean="0"/>
+              <a:t># </a:t>
+            </a:r>
+            <a:r>
+              <a:rPr lang="en-US" sz="800" dirty="0"/>
+              <a:t>set speed of left and right and ask robot to move forward</a:t>
+            </a:r>
+          </a:p>
+          <a:p>
+            <a:pPr marL="0" indent="0">
+              <a:buNone/>
+            </a:pPr>
+            <a:r>
+              <a:rPr lang="en-US" sz="800" dirty="0" err="1"/>
+              <a:t>mot.command</a:t>
+            </a:r>
+            <a:r>
+              <a:rPr lang="en-US" sz="800" dirty="0"/>
+              <a:t>("set_left_speed",10)</a:t>
+            </a:r>
+          </a:p>
+          <a:p>
+            <a:pPr marL="0" indent="0">
+              <a:buNone/>
+            </a:pPr>
+            <a:r>
+              <a:rPr lang="en-US" sz="800" dirty="0" err="1"/>
+              <a:t>mot.command</a:t>
+            </a:r>
+            <a:r>
+              <a:rPr lang="en-US" sz="800" dirty="0"/>
+              <a:t>("set_right_speed",10)</a:t>
+            </a:r>
+          </a:p>
+          <a:p>
+            <a:pPr marL="0" indent="0">
+              <a:buNone/>
+            </a:pPr>
+            <a:r>
+              <a:rPr lang="en-US" sz="800" dirty="0" err="1"/>
+              <a:t>mot.command</a:t>
+            </a:r>
+            <a:r>
+              <a:rPr lang="en-US" sz="800" dirty="0"/>
+              <a:t>("forward")</a:t>
+            </a:r>
+          </a:p>
+          <a:p>
+            <a:pPr marL="0" indent="0">
+              <a:buNone/>
+            </a:pPr>
+            <a:r>
+              <a:rPr lang="en-US" sz="800" dirty="0" err="1"/>
+              <a:t>time.sleep</a:t>
+            </a:r>
+            <a:r>
+              <a:rPr lang="en-US" sz="800" dirty="0"/>
+              <a:t>(5)</a:t>
+            </a:r>
+          </a:p>
+          <a:p>
+            <a:pPr marL="0" indent="0">
+              <a:buNone/>
+            </a:pPr>
+            <a:r>
+              <a:rPr lang="en-US" sz="800" dirty="0"/>
+              <a:t># stop moving , speed set to zero</a:t>
+            </a:r>
+          </a:p>
+          <a:p>
+            <a:pPr marL="0" indent="0">
+              <a:buNone/>
+            </a:pPr>
+            <a:r>
+              <a:rPr lang="en-US" sz="800" dirty="0" err="1"/>
+              <a:t>mot.command</a:t>
+            </a:r>
+            <a:r>
+              <a:rPr lang="en-US" sz="800" dirty="0"/>
+              <a:t>("stop")</a:t>
+            </a:r>
+          </a:p>
+          <a:p>
+            <a:pPr marL="0" indent="0">
+              <a:buNone/>
+            </a:pPr>
+            <a:r>
+              <a:rPr lang="en-US" sz="800" dirty="0" err="1"/>
+              <a:t>time.sleep</a:t>
+            </a:r>
+            <a:r>
+              <a:rPr lang="en-US" sz="800" dirty="0"/>
+              <a:t>(1)</a:t>
+            </a:r>
+          </a:p>
+          <a:p>
+            <a:pPr marL="0" indent="0">
+              <a:buNone/>
+            </a:pPr>
+            <a:endParaRPr lang="en-US" sz="800" dirty="0"/>
+          </a:p>
+          <a:p>
+            <a:pPr marL="0" indent="0">
+              <a:buNone/>
+            </a:pPr>
+            <a:r>
+              <a:rPr lang="en-US" sz="800" dirty="0"/>
+              <a:t># set speed of left and right and ask robot to move backward</a:t>
+            </a:r>
+          </a:p>
+          <a:p>
+            <a:pPr marL="0" indent="0">
+              <a:buNone/>
+            </a:pPr>
+            <a:r>
+              <a:rPr lang="en-US" sz="800" dirty="0" err="1"/>
+              <a:t>mot.command</a:t>
+            </a:r>
+            <a:r>
+              <a:rPr lang="en-US" sz="800" dirty="0"/>
+              <a:t>("set_left_speed",10)</a:t>
+            </a:r>
+          </a:p>
+          <a:p>
+            <a:pPr marL="0" indent="0">
+              <a:buNone/>
+            </a:pPr>
+            <a:r>
+              <a:rPr lang="en-US" sz="800" dirty="0" err="1"/>
+              <a:t>mot.command</a:t>
+            </a:r>
+            <a:r>
+              <a:rPr lang="en-US" sz="800" dirty="0"/>
+              <a:t>("set_right_speed",10)</a:t>
+            </a:r>
+          </a:p>
+          <a:p>
+            <a:pPr marL="0" indent="0">
+              <a:buNone/>
+            </a:pPr>
+            <a:r>
+              <a:rPr lang="en-US" sz="800" dirty="0" err="1"/>
+              <a:t>mot.command</a:t>
+            </a:r>
+            <a:r>
+              <a:rPr lang="en-US" sz="800" dirty="0"/>
+              <a:t>("backward")</a:t>
+            </a:r>
+          </a:p>
+          <a:p>
+            <a:pPr marL="0" indent="0">
+              <a:buNone/>
+            </a:pPr>
+            <a:r>
+              <a:rPr lang="en-US" sz="800" dirty="0" err="1"/>
+              <a:t>time.sleep</a:t>
+            </a:r>
+            <a:r>
+              <a:rPr lang="en-US" sz="800" dirty="0"/>
+              <a:t>(5)</a:t>
+            </a:r>
+          </a:p>
+          <a:p>
+            <a:pPr marL="0" indent="0">
+              <a:buNone/>
+            </a:pPr>
+            <a:r>
+              <a:rPr lang="en-US" sz="800" dirty="0" err="1"/>
+              <a:t>mot.command</a:t>
+            </a:r>
+            <a:r>
+              <a:rPr lang="en-US" sz="800" dirty="0"/>
+              <a:t>("stop")</a:t>
+            </a:r>
+          </a:p>
+          <a:p>
+            <a:pPr marL="0" indent="0">
+              <a:buNone/>
+            </a:pPr>
+            <a:r>
+              <a:rPr lang="en-US" sz="800" dirty="0" err="1"/>
+              <a:t>time.sleep</a:t>
+            </a:r>
+            <a:r>
+              <a:rPr lang="en-US" sz="800" dirty="0"/>
+              <a:t>(1)</a:t>
+            </a:r>
+          </a:p>
+          <a:p>
+            <a:pPr marL="0" indent="0">
+              <a:buNone/>
+            </a:pPr>
+            <a:endParaRPr lang="en-US" sz="800" dirty="0"/>
+          </a:p>
+          <a:p>
+            <a:pPr marL="0" indent="0">
+              <a:buNone/>
+            </a:pPr>
+            <a:r>
+              <a:rPr lang="en-US" sz="800" dirty="0"/>
+              <a:t># spin turn  </a:t>
+            </a:r>
+          </a:p>
+          <a:p>
+            <a:pPr marL="0" indent="0">
+              <a:buNone/>
+            </a:pPr>
+            <a:r>
+              <a:rPr lang="en-US" sz="800" dirty="0" err="1"/>
+              <a:t>mot.command</a:t>
+            </a:r>
+            <a:r>
+              <a:rPr lang="en-US" sz="800" dirty="0"/>
+              <a:t>("set_left_speed",10)</a:t>
+            </a:r>
+          </a:p>
+          <a:p>
+            <a:pPr marL="0" indent="0">
+              <a:buNone/>
+            </a:pPr>
+            <a:r>
+              <a:rPr lang="en-US" sz="800" dirty="0" err="1"/>
+              <a:t>mot.command</a:t>
+            </a:r>
+            <a:r>
+              <a:rPr lang="en-US" sz="800" dirty="0"/>
+              <a:t>("set_right_speed",10)</a:t>
+            </a:r>
+          </a:p>
+          <a:p>
+            <a:pPr marL="0" indent="0">
+              <a:buNone/>
+            </a:pPr>
+            <a:r>
+              <a:rPr lang="en-US" sz="800" dirty="0" err="1"/>
+              <a:t>mot.command</a:t>
+            </a:r>
+            <a:r>
+              <a:rPr lang="en-US" sz="800" dirty="0"/>
+              <a:t>("left")</a:t>
+            </a:r>
+          </a:p>
+          <a:p>
+            <a:pPr marL="0" indent="0">
+              <a:buNone/>
+            </a:pPr>
+            <a:r>
+              <a:rPr lang="en-US" sz="800" dirty="0" err="1"/>
+              <a:t>time.sleep</a:t>
+            </a:r>
+            <a:r>
+              <a:rPr lang="en-US" sz="800" dirty="0"/>
+              <a:t>(5)</a:t>
+            </a:r>
+          </a:p>
+          <a:p>
+            <a:pPr marL="0" indent="0">
+              <a:buNone/>
+            </a:pPr>
+            <a:r>
+              <a:rPr lang="en-US" sz="800" dirty="0" err="1"/>
+              <a:t>mot.command</a:t>
+            </a:r>
+            <a:r>
+              <a:rPr lang="en-US" sz="800" dirty="0"/>
+              <a:t>("stop")</a:t>
+            </a:r>
+          </a:p>
+          <a:p>
+            <a:pPr marL="0" indent="0">
+              <a:buNone/>
+            </a:pPr>
+            <a:r>
+              <a:rPr lang="en-US" sz="800" dirty="0" err="1"/>
+              <a:t>time.sleep</a:t>
+            </a:r>
+            <a:r>
+              <a:rPr lang="en-US" sz="800" dirty="0"/>
+              <a:t>(1)</a:t>
+            </a:r>
+          </a:p>
+          <a:p>
+            <a:pPr marL="0" indent="0">
+              <a:buNone/>
+            </a:pPr>
+            <a:endParaRPr lang="en-US" sz="800" dirty="0"/>
+          </a:p>
+          <a:p>
+            <a:pPr marL="0" indent="0">
+              <a:buNone/>
+            </a:pPr>
+            <a:r>
+              <a:rPr lang="en-US" sz="800" dirty="0"/>
+              <a:t># spin turn </a:t>
+            </a:r>
+          </a:p>
+          <a:p>
+            <a:pPr marL="0" indent="0">
+              <a:buNone/>
+            </a:pPr>
+            <a:r>
+              <a:rPr lang="en-US" sz="800" dirty="0" err="1"/>
+              <a:t>mot.command</a:t>
+            </a:r>
+            <a:r>
+              <a:rPr lang="en-US" sz="800" dirty="0"/>
+              <a:t>("set_left_speed",10)</a:t>
+            </a:r>
+          </a:p>
+          <a:p>
+            <a:pPr marL="0" indent="0">
+              <a:buNone/>
+            </a:pPr>
+            <a:r>
+              <a:rPr lang="en-US" sz="800" dirty="0" err="1"/>
+              <a:t>mot.command</a:t>
+            </a:r>
+            <a:r>
+              <a:rPr lang="en-US" sz="800" dirty="0"/>
+              <a:t>("set_right_speed",10)</a:t>
+            </a:r>
+          </a:p>
+          <a:p>
+            <a:pPr marL="0" indent="0">
+              <a:buNone/>
+            </a:pPr>
+            <a:r>
+              <a:rPr lang="en-US" sz="800" dirty="0" err="1"/>
+              <a:t>mot.command</a:t>
+            </a:r>
+            <a:r>
+              <a:rPr lang="en-US" sz="800" dirty="0"/>
+              <a:t>("right")</a:t>
+            </a:r>
+          </a:p>
+          <a:p>
+            <a:pPr marL="0" indent="0">
+              <a:buNone/>
+            </a:pPr>
+            <a:r>
+              <a:rPr lang="en-US" sz="800" dirty="0" err="1"/>
+              <a:t>time.sleep</a:t>
+            </a:r>
+            <a:r>
+              <a:rPr lang="en-US" sz="800" dirty="0"/>
+              <a:t>(5)</a:t>
+            </a:r>
+          </a:p>
+          <a:p>
+            <a:pPr marL="0" indent="0">
+              <a:buNone/>
+            </a:pPr>
+            <a:r>
+              <a:rPr lang="en-US" sz="800" dirty="0" err="1"/>
+              <a:t>mot.command</a:t>
+            </a:r>
+            <a:r>
+              <a:rPr lang="en-US" sz="800" dirty="0"/>
+              <a:t>("stop")</a:t>
+            </a:r>
+          </a:p>
+          <a:p>
+            <a:pPr marL="0" indent="0">
+              <a:buNone/>
+            </a:pPr>
+            <a:endParaRPr lang="en-US" sz="800" dirty="0"/>
+          </a:p>
+          <a:p>
+            <a:pPr marL="0" indent="0">
+              <a:buNone/>
+            </a:pPr>
+            <a:r>
+              <a:rPr lang="en-US" sz="800" dirty="0"/>
+              <a:t># remember to stop the socket connection</a:t>
+            </a:r>
+          </a:p>
+          <a:p>
+            <a:pPr marL="0" indent="0">
+              <a:buNone/>
+            </a:pPr>
+            <a:r>
+              <a:rPr lang="en-US" sz="800" dirty="0" err="1"/>
+              <a:t>mot.stop</a:t>
+            </a:r>
+            <a:r>
+              <a:rPr lang="en-US" sz="800" dirty="0"/>
+              <a:t>()</a:t>
+            </a:r>
+            <a:endParaRPr lang="en-MY" sz="800" dirty="0"/>
           </a:p>
         </p:txBody>
       </p:sp>
     </p:spTree>
     <p:extLst>
       <p:ext uri="{BB962C8B-B14F-4D97-AF65-F5344CB8AC3E}">
-        <p14:creationId xmlns:p14="http://schemas.microsoft.com/office/powerpoint/2010/main" val="2169499533"/>
+        <p14:creationId xmlns:p14="http://schemas.microsoft.com/office/powerpoint/2010/main" val="48530488"/>
       </p:ext>
     </p:extLst>
   </p:cSld>
@@ -6392,7 +8119,7 @@
       </p:grpSpPr>
       <p:sp>
         <p:nvSpPr>
-          <p:cNvPr id="2" name="Title 1"/>
+          <p:cNvPr id="5" name="Title 4"/>
           <p:cNvSpPr>
             <a:spLocks noGrp="1"/>
           </p:cNvSpPr>
@@ -6407,7 +8134,7 @@
           <a:p>
             <a:r>
               <a:rPr lang="en-US" dirty="0" smtClean="0"/>
-              <a:t>Test Line Tracker</a:t>
+              <a:t>Let’s imagine how this robot see</a:t>
             </a:r>
             <a:endParaRPr lang="en-MY" dirty="0"/>
           </a:p>
@@ -6415,257 +8142,12 @@
       </p:sp>
       <p:sp>
         <p:nvSpPr>
-          <p:cNvPr id="3" name="Content Placeholder 2"/>
+          <p:cNvPr id="6" name="Content Placeholder 5"/>
           <p:cNvSpPr>
             <a:spLocks noGrp="1"/>
           </p:cNvSpPr>
           <p:nvPr>
-            <p:ph sz="half" idx="1"/>
-          </p:nvPr>
-        </p:nvSpPr>
-        <p:spPr/>
-        <p:txBody>
-          <a:bodyPr>
-            <a:noAutofit/>
-          </a:bodyPr>
-          <a:lstStyle/>
-          <a:p>
-            <a:pPr marL="0" indent="0">
-              <a:buNone/>
-            </a:pPr>
-            <a:r>
-              <a:rPr lang="en-US" sz="1600" dirty="0"/>
-              <a:t>from alphabot2 import </a:t>
-            </a:r>
-            <a:r>
-              <a:rPr lang="en-US" sz="1600" dirty="0" err="1"/>
-              <a:t>motor,line_tracker</a:t>
-            </a:r>
-            <a:endParaRPr lang="en-US" sz="1600" dirty="0"/>
-          </a:p>
-          <a:p>
-            <a:pPr marL="0" indent="0">
-              <a:buNone/>
-            </a:pPr>
-            <a:r>
-              <a:rPr lang="en-US" sz="1600" dirty="0"/>
-              <a:t>import time</a:t>
-            </a:r>
-          </a:p>
-          <a:p>
-            <a:pPr marL="0" indent="0">
-              <a:buNone/>
-            </a:pPr>
-            <a:r>
-              <a:rPr lang="en-US" sz="1600" dirty="0"/>
-              <a:t># IP </a:t>
-            </a:r>
-            <a:r>
-              <a:rPr lang="en-US" sz="1600" dirty="0" err="1"/>
-              <a:t>adddress</a:t>
-            </a:r>
-            <a:r>
-              <a:rPr lang="en-US" sz="1600" dirty="0"/>
-              <a:t> of your robot</a:t>
-            </a:r>
-          </a:p>
-          <a:p>
-            <a:pPr marL="0" indent="0">
-              <a:buNone/>
-            </a:pPr>
-            <a:r>
-              <a:rPr lang="en-US" sz="1600" dirty="0"/>
-              <a:t>address  = "192.168.0.100"</a:t>
-            </a:r>
-          </a:p>
-          <a:p>
-            <a:pPr marL="0" indent="0">
-              <a:buNone/>
-            </a:pPr>
-            <a:r>
-              <a:rPr lang="en-US" sz="1600" dirty="0"/>
-              <a:t># create line tracker object</a:t>
-            </a:r>
-          </a:p>
-          <a:p>
-            <a:pPr marL="0" indent="0">
-              <a:buNone/>
-            </a:pPr>
-            <a:r>
-              <a:rPr lang="en-US" sz="1600" dirty="0" err="1"/>
-              <a:t>lt</a:t>
-            </a:r>
-            <a:r>
-              <a:rPr lang="en-US" sz="1600" dirty="0"/>
-              <a:t> = </a:t>
-            </a:r>
-            <a:r>
-              <a:rPr lang="en-US" sz="1600" dirty="0" err="1"/>
-              <a:t>line_tracker.line_tracker</a:t>
-            </a:r>
-            <a:r>
-              <a:rPr lang="en-US" sz="1600" dirty="0"/>
-              <a:t>(address)</a:t>
-            </a:r>
-          </a:p>
-          <a:p>
-            <a:pPr marL="0" indent="0">
-              <a:buNone/>
-            </a:pPr>
-            <a:r>
-              <a:rPr lang="en-US" sz="1600" dirty="0"/>
-              <a:t># start reading data from server</a:t>
-            </a:r>
-          </a:p>
-          <a:p>
-            <a:pPr marL="0" indent="0">
-              <a:buNone/>
-            </a:pPr>
-            <a:r>
-              <a:rPr lang="en-US" sz="1600" dirty="0" err="1"/>
-              <a:t>lt.start</a:t>
-            </a:r>
-            <a:r>
-              <a:rPr lang="en-US" sz="1600" dirty="0"/>
-              <a:t>()</a:t>
-            </a:r>
-          </a:p>
-          <a:p>
-            <a:pPr marL="0" indent="0">
-              <a:buNone/>
-            </a:pPr>
-            <a:r>
-              <a:rPr lang="en-US" sz="1600" dirty="0"/>
-              <a:t>for </a:t>
-            </a:r>
-            <a:r>
-              <a:rPr lang="en-US" sz="1600" dirty="0" err="1"/>
-              <a:t>i</a:t>
-            </a:r>
-            <a:r>
-              <a:rPr lang="en-US" sz="1600" dirty="0"/>
-              <a:t> in range(100):</a:t>
-            </a:r>
-          </a:p>
-          <a:p>
-            <a:pPr marL="0" indent="0">
-              <a:buNone/>
-            </a:pPr>
-            <a:r>
-              <a:rPr lang="en-US" sz="1600" dirty="0"/>
-              <a:t>	# stop for one second</a:t>
-            </a:r>
-          </a:p>
-          <a:p>
-            <a:pPr marL="0" indent="0">
-              <a:buNone/>
-            </a:pPr>
-            <a:r>
-              <a:rPr lang="en-US" sz="1600" dirty="0"/>
-              <a:t>	</a:t>
-            </a:r>
-            <a:r>
-              <a:rPr lang="en-US" sz="1600" dirty="0" err="1"/>
-              <a:t>time.sleep</a:t>
-            </a:r>
-            <a:r>
-              <a:rPr lang="en-US" sz="1600" dirty="0"/>
-              <a:t>(1)</a:t>
-            </a:r>
-          </a:p>
-          <a:p>
-            <a:pPr marL="0" indent="0">
-              <a:buNone/>
-            </a:pPr>
-            <a:r>
-              <a:rPr lang="en-US" sz="1600" dirty="0"/>
-              <a:t>	if </a:t>
-            </a:r>
-            <a:r>
-              <a:rPr lang="en-US" sz="1600" dirty="0" err="1"/>
-              <a:t>lt.data</a:t>
-            </a:r>
-            <a:r>
-              <a:rPr lang="en-US" sz="1600" dirty="0"/>
-              <a:t>==0:</a:t>
-            </a:r>
-          </a:p>
-          <a:p>
-            <a:pPr marL="0" indent="0">
-              <a:buNone/>
-            </a:pPr>
-            <a:r>
-              <a:rPr lang="en-US" sz="1600" dirty="0"/>
-              <a:t>		continue</a:t>
-            </a:r>
-          </a:p>
-          <a:p>
-            <a:pPr marL="0" indent="0">
-              <a:buNone/>
-            </a:pPr>
-            <a:r>
-              <a:rPr lang="en-US" sz="1600" dirty="0"/>
-              <a:t>	# </a:t>
-            </a:r>
-            <a:r>
-              <a:rPr lang="en-US" sz="1600" dirty="0" err="1"/>
-              <a:t>lt.data</a:t>
-            </a:r>
-            <a:r>
-              <a:rPr lang="en-US" sz="1600" dirty="0"/>
-              <a:t> is an array with 5 elements</a:t>
-            </a:r>
-          </a:p>
-          <a:p>
-            <a:pPr marL="0" indent="0">
-              <a:buNone/>
-            </a:pPr>
-            <a:r>
-              <a:rPr lang="en-US" sz="1600" dirty="0"/>
-              <a:t>	print(</a:t>
-            </a:r>
-            <a:r>
-              <a:rPr lang="en-US" sz="1600" dirty="0" err="1"/>
-              <a:t>lt.data</a:t>
-            </a:r>
-            <a:r>
-              <a:rPr lang="en-US" sz="1600" dirty="0"/>
-              <a:t>)</a:t>
-            </a:r>
-          </a:p>
-          <a:p>
-            <a:pPr marL="0" indent="0">
-              <a:buNone/>
-            </a:pPr>
-            <a:r>
-              <a:rPr lang="en-US" sz="1600" dirty="0"/>
-              <a:t># remember to stop the socket connection</a:t>
-            </a:r>
-          </a:p>
-          <a:p>
-            <a:pPr marL="0" indent="0">
-              <a:buNone/>
-            </a:pPr>
-            <a:r>
-              <a:rPr lang="en-US" sz="1600" dirty="0" err="1"/>
-              <a:t>lt.stop</a:t>
-            </a:r>
-            <a:r>
-              <a:rPr lang="en-US" sz="1600" dirty="0"/>
-              <a:t>()</a:t>
-            </a:r>
-            <a:endParaRPr lang="en-MY" sz="1600" dirty="0"/>
-          </a:p>
-        </p:txBody>
-      </p:sp>
-      <p:sp>
-        <p:nvSpPr>
-          <p:cNvPr id="4" name="Content Placeholder 3"/>
-          <p:cNvSpPr>
-            <a:spLocks noGrp="1"/>
-          </p:cNvSpPr>
-          <p:nvPr>
-            <p:ph sz="half" idx="2"/>
+            <p:ph idx="1"/>
           </p:nvPr>
         </p:nvSpPr>
         <p:spPr/>
@@ -6673,39 +8155,1590 @@
           <a:bodyPr/>
           <a:lstStyle/>
           <a:p>
-            <a:pPr marL="0" indent="0">
-              <a:buNone/>
-            </a:pPr>
-            <a:r>
-              <a:rPr lang="en-US" dirty="0" smtClean="0"/>
-              <a:t>To run the code:</a:t>
-            </a:r>
-          </a:p>
-          <a:p>
-            <a:pPr marL="514350" indent="-514350">
-              <a:buAutoNum type="arabicPeriod"/>
-            </a:pPr>
-            <a:r>
-              <a:rPr lang="en-US" dirty="0" smtClean="0"/>
-              <a:t>F5</a:t>
-            </a:r>
-          </a:p>
-          <a:p>
-            <a:pPr marL="514350" indent="-514350">
-              <a:buAutoNum type="arabicPeriod"/>
-            </a:pPr>
-            <a:r>
-              <a:rPr lang="en-US" dirty="0" smtClean="0"/>
-              <a:t>Run -&gt; Run Module</a:t>
-            </a:r>
             <a:endParaRPr lang="en-MY" dirty="0"/>
           </a:p>
         </p:txBody>
       </p:sp>
+      <p:grpSp>
+        <p:nvGrpSpPr>
+          <p:cNvPr id="7" name="Group 6"/>
+          <p:cNvGrpSpPr/>
+          <p:nvPr/>
+        </p:nvGrpSpPr>
+        <p:grpSpPr>
+          <a:xfrm>
+            <a:off x="1921947" y="3561442"/>
+            <a:ext cx="5181600" cy="1219200"/>
+            <a:chOff x="-2205037" y="1524000"/>
+            <a:chExt cx="1295400" cy="304800"/>
+          </a:xfrm>
+        </p:grpSpPr>
+        <p:sp>
+          <p:nvSpPr>
+            <p:cNvPr id="8" name="Rectangle 7"/>
+            <p:cNvSpPr/>
+            <p:nvPr/>
+          </p:nvSpPr>
+          <p:spPr>
+            <a:xfrm>
+              <a:off x="-2205037" y="1524000"/>
+              <a:ext cx="1295400" cy="304800"/>
+            </a:xfrm>
+            <a:prstGeom prst="rect">
+              <a:avLst/>
+            </a:prstGeom>
+            <a:noFill/>
+          </p:spPr>
+          <p:style>
+            <a:lnRef idx="2">
+              <a:schemeClr val="dk1">
+                <a:shade val="50000"/>
+              </a:schemeClr>
+            </a:lnRef>
+            <a:fillRef idx="1">
+              <a:schemeClr val="dk1"/>
+            </a:fillRef>
+            <a:effectRef idx="0">
+              <a:schemeClr val="dk1"/>
+            </a:effectRef>
+            <a:fontRef idx="minor">
+              <a:schemeClr val="lt1"/>
+            </a:fontRef>
+          </p:style>
+          <p:txBody>
+            <a:bodyPr rtlCol="0" anchor="ctr"/>
+            <a:lstStyle/>
+            <a:p>
+              <a:pPr algn="ctr"/>
+              <a:endParaRPr lang="en-MY"/>
+            </a:p>
+          </p:txBody>
+        </p:sp>
+        <p:sp>
+          <p:nvSpPr>
+            <p:cNvPr id="9" name="Oval 8"/>
+            <p:cNvSpPr/>
+            <p:nvPr/>
+          </p:nvSpPr>
+          <p:spPr>
+            <a:xfrm>
+              <a:off x="-2095500" y="1600200"/>
+              <a:ext cx="152400" cy="152400"/>
+            </a:xfrm>
+            <a:prstGeom prst="ellipse">
+              <a:avLst/>
+            </a:prstGeom>
+            <a:noFill/>
+          </p:spPr>
+          <p:style>
+            <a:lnRef idx="2">
+              <a:schemeClr val="accent1">
+                <a:shade val="50000"/>
+              </a:schemeClr>
+            </a:lnRef>
+            <a:fillRef idx="1">
+              <a:schemeClr val="accent1"/>
+            </a:fillRef>
+            <a:effectRef idx="0">
+              <a:schemeClr val="accent1"/>
+            </a:effectRef>
+            <a:fontRef idx="minor">
+              <a:schemeClr val="lt1"/>
+            </a:fontRef>
+          </p:style>
+          <p:txBody>
+            <a:bodyPr rtlCol="0" anchor="ctr"/>
+            <a:lstStyle/>
+            <a:p>
+              <a:pPr algn="ctr"/>
+              <a:endParaRPr lang="en-MY"/>
+            </a:p>
+          </p:txBody>
+        </p:sp>
+        <p:sp>
+          <p:nvSpPr>
+            <p:cNvPr id="10" name="Oval 9"/>
+            <p:cNvSpPr/>
+            <p:nvPr/>
+          </p:nvSpPr>
+          <p:spPr>
+            <a:xfrm>
+              <a:off x="-1866900" y="1600200"/>
+              <a:ext cx="152400" cy="152400"/>
+            </a:xfrm>
+            <a:prstGeom prst="ellipse">
+              <a:avLst/>
+            </a:prstGeom>
+            <a:noFill/>
+          </p:spPr>
+          <p:style>
+            <a:lnRef idx="2">
+              <a:schemeClr val="accent1">
+                <a:shade val="50000"/>
+              </a:schemeClr>
+            </a:lnRef>
+            <a:fillRef idx="1">
+              <a:schemeClr val="accent1"/>
+            </a:fillRef>
+            <a:effectRef idx="0">
+              <a:schemeClr val="accent1"/>
+            </a:effectRef>
+            <a:fontRef idx="minor">
+              <a:schemeClr val="lt1"/>
+            </a:fontRef>
+          </p:style>
+          <p:txBody>
+            <a:bodyPr rtlCol="0" anchor="ctr"/>
+            <a:lstStyle/>
+            <a:p>
+              <a:pPr algn="ctr"/>
+              <a:endParaRPr lang="en-MY"/>
+            </a:p>
+          </p:txBody>
+        </p:sp>
+        <p:sp>
+          <p:nvSpPr>
+            <p:cNvPr id="11" name="Oval 10"/>
+            <p:cNvSpPr/>
+            <p:nvPr/>
+          </p:nvSpPr>
+          <p:spPr>
+            <a:xfrm>
+              <a:off x="-1638300" y="1600200"/>
+              <a:ext cx="152400" cy="152400"/>
+            </a:xfrm>
+            <a:prstGeom prst="ellipse">
+              <a:avLst/>
+            </a:prstGeom>
+            <a:noFill/>
+          </p:spPr>
+          <p:style>
+            <a:lnRef idx="2">
+              <a:schemeClr val="accent1">
+                <a:shade val="50000"/>
+              </a:schemeClr>
+            </a:lnRef>
+            <a:fillRef idx="1">
+              <a:schemeClr val="accent1"/>
+            </a:fillRef>
+            <a:effectRef idx="0">
+              <a:schemeClr val="accent1"/>
+            </a:effectRef>
+            <a:fontRef idx="minor">
+              <a:schemeClr val="lt1"/>
+            </a:fontRef>
+          </p:style>
+          <p:txBody>
+            <a:bodyPr rtlCol="0" anchor="ctr"/>
+            <a:lstStyle/>
+            <a:p>
+              <a:pPr algn="ctr"/>
+              <a:endParaRPr lang="en-MY"/>
+            </a:p>
+          </p:txBody>
+        </p:sp>
+        <p:sp>
+          <p:nvSpPr>
+            <p:cNvPr id="12" name="Oval 11"/>
+            <p:cNvSpPr/>
+            <p:nvPr/>
+          </p:nvSpPr>
+          <p:spPr>
+            <a:xfrm>
+              <a:off x="-1409700" y="1600200"/>
+              <a:ext cx="152400" cy="152400"/>
+            </a:xfrm>
+            <a:prstGeom prst="ellipse">
+              <a:avLst/>
+            </a:prstGeom>
+            <a:solidFill>
+              <a:schemeClr val="tx1"/>
+            </a:solidFill>
+          </p:spPr>
+          <p:style>
+            <a:lnRef idx="2">
+              <a:schemeClr val="accent1">
+                <a:shade val="50000"/>
+              </a:schemeClr>
+            </a:lnRef>
+            <a:fillRef idx="1">
+              <a:schemeClr val="accent1"/>
+            </a:fillRef>
+            <a:effectRef idx="0">
+              <a:schemeClr val="accent1"/>
+            </a:effectRef>
+            <a:fontRef idx="minor">
+              <a:schemeClr val="lt1"/>
+            </a:fontRef>
+          </p:style>
+          <p:txBody>
+            <a:bodyPr rtlCol="0" anchor="ctr"/>
+            <a:lstStyle/>
+            <a:p>
+              <a:pPr algn="ctr"/>
+              <a:endParaRPr lang="en-MY"/>
+            </a:p>
+          </p:txBody>
+        </p:sp>
+        <p:sp>
+          <p:nvSpPr>
+            <p:cNvPr id="13" name="Oval 12"/>
+            <p:cNvSpPr/>
+            <p:nvPr/>
+          </p:nvSpPr>
+          <p:spPr>
+            <a:xfrm>
+              <a:off x="-1181100" y="1600200"/>
+              <a:ext cx="152400" cy="152400"/>
+            </a:xfrm>
+            <a:prstGeom prst="ellipse">
+              <a:avLst/>
+            </a:prstGeom>
+            <a:noFill/>
+          </p:spPr>
+          <p:style>
+            <a:lnRef idx="2">
+              <a:schemeClr val="accent1">
+                <a:shade val="50000"/>
+              </a:schemeClr>
+            </a:lnRef>
+            <a:fillRef idx="1">
+              <a:schemeClr val="accent1"/>
+            </a:fillRef>
+            <a:effectRef idx="0">
+              <a:schemeClr val="accent1"/>
+            </a:effectRef>
+            <a:fontRef idx="minor">
+              <a:schemeClr val="lt1"/>
+            </a:fontRef>
+          </p:style>
+          <p:txBody>
+            <a:bodyPr rtlCol="0" anchor="ctr"/>
+            <a:lstStyle/>
+            <a:p>
+              <a:pPr algn="ctr"/>
+              <a:endParaRPr lang="en-MY"/>
+            </a:p>
+          </p:txBody>
+        </p:sp>
+      </p:grpSp>
+      <p:grpSp>
+        <p:nvGrpSpPr>
+          <p:cNvPr id="14" name="Group 13"/>
+          <p:cNvGrpSpPr/>
+          <p:nvPr/>
+        </p:nvGrpSpPr>
+        <p:grpSpPr>
+          <a:xfrm>
+            <a:off x="1905000" y="3561442"/>
+            <a:ext cx="5181600" cy="1219200"/>
+            <a:chOff x="-2205037" y="1524000"/>
+            <a:chExt cx="1295400" cy="304800"/>
+          </a:xfrm>
+        </p:grpSpPr>
+        <p:sp>
+          <p:nvSpPr>
+            <p:cNvPr id="15" name="Rectangle 14"/>
+            <p:cNvSpPr/>
+            <p:nvPr/>
+          </p:nvSpPr>
+          <p:spPr>
+            <a:xfrm>
+              <a:off x="-2205037" y="1524000"/>
+              <a:ext cx="1295400" cy="304800"/>
+            </a:xfrm>
+            <a:prstGeom prst="rect">
+              <a:avLst/>
+            </a:prstGeom>
+            <a:noFill/>
+          </p:spPr>
+          <p:style>
+            <a:lnRef idx="2">
+              <a:schemeClr val="dk1">
+                <a:shade val="50000"/>
+              </a:schemeClr>
+            </a:lnRef>
+            <a:fillRef idx="1">
+              <a:schemeClr val="dk1"/>
+            </a:fillRef>
+            <a:effectRef idx="0">
+              <a:schemeClr val="dk1"/>
+            </a:effectRef>
+            <a:fontRef idx="minor">
+              <a:schemeClr val="lt1"/>
+            </a:fontRef>
+          </p:style>
+          <p:txBody>
+            <a:bodyPr rtlCol="0" anchor="ctr"/>
+            <a:lstStyle/>
+            <a:p>
+              <a:pPr algn="ctr"/>
+              <a:endParaRPr lang="en-MY"/>
+            </a:p>
+          </p:txBody>
+        </p:sp>
+        <p:sp>
+          <p:nvSpPr>
+            <p:cNvPr id="16" name="Oval 15"/>
+            <p:cNvSpPr/>
+            <p:nvPr/>
+          </p:nvSpPr>
+          <p:spPr>
+            <a:xfrm>
+              <a:off x="-2095500" y="1600200"/>
+              <a:ext cx="152400" cy="152400"/>
+            </a:xfrm>
+            <a:prstGeom prst="ellipse">
+              <a:avLst/>
+            </a:prstGeom>
+            <a:noFill/>
+          </p:spPr>
+          <p:style>
+            <a:lnRef idx="2">
+              <a:schemeClr val="accent1">
+                <a:shade val="50000"/>
+              </a:schemeClr>
+            </a:lnRef>
+            <a:fillRef idx="1">
+              <a:schemeClr val="accent1"/>
+            </a:fillRef>
+            <a:effectRef idx="0">
+              <a:schemeClr val="accent1"/>
+            </a:effectRef>
+            <a:fontRef idx="minor">
+              <a:schemeClr val="lt1"/>
+            </a:fontRef>
+          </p:style>
+          <p:txBody>
+            <a:bodyPr rtlCol="0" anchor="ctr"/>
+            <a:lstStyle/>
+            <a:p>
+              <a:pPr algn="ctr"/>
+              <a:endParaRPr lang="en-MY"/>
+            </a:p>
+          </p:txBody>
+        </p:sp>
+        <p:sp>
+          <p:nvSpPr>
+            <p:cNvPr id="17" name="Oval 16"/>
+            <p:cNvSpPr/>
+            <p:nvPr/>
+          </p:nvSpPr>
+          <p:spPr>
+            <a:xfrm>
+              <a:off x="-1866900" y="1600200"/>
+              <a:ext cx="152400" cy="152400"/>
+            </a:xfrm>
+            <a:prstGeom prst="ellipse">
+              <a:avLst/>
+            </a:prstGeom>
+            <a:noFill/>
+          </p:spPr>
+          <p:style>
+            <a:lnRef idx="2">
+              <a:schemeClr val="accent1">
+                <a:shade val="50000"/>
+              </a:schemeClr>
+            </a:lnRef>
+            <a:fillRef idx="1">
+              <a:schemeClr val="accent1"/>
+            </a:fillRef>
+            <a:effectRef idx="0">
+              <a:schemeClr val="accent1"/>
+            </a:effectRef>
+            <a:fontRef idx="minor">
+              <a:schemeClr val="lt1"/>
+            </a:fontRef>
+          </p:style>
+          <p:txBody>
+            <a:bodyPr rtlCol="0" anchor="ctr"/>
+            <a:lstStyle/>
+            <a:p>
+              <a:pPr algn="ctr"/>
+              <a:endParaRPr lang="en-MY"/>
+            </a:p>
+          </p:txBody>
+        </p:sp>
+        <p:sp>
+          <p:nvSpPr>
+            <p:cNvPr id="18" name="Oval 17"/>
+            <p:cNvSpPr/>
+            <p:nvPr/>
+          </p:nvSpPr>
+          <p:spPr>
+            <a:xfrm>
+              <a:off x="-1638300" y="1600200"/>
+              <a:ext cx="152400" cy="152400"/>
+            </a:xfrm>
+            <a:prstGeom prst="ellipse">
+              <a:avLst/>
+            </a:prstGeom>
+            <a:noFill/>
+          </p:spPr>
+          <p:style>
+            <a:lnRef idx="2">
+              <a:schemeClr val="accent1">
+                <a:shade val="50000"/>
+              </a:schemeClr>
+            </a:lnRef>
+            <a:fillRef idx="1">
+              <a:schemeClr val="accent1"/>
+            </a:fillRef>
+            <a:effectRef idx="0">
+              <a:schemeClr val="accent1"/>
+            </a:effectRef>
+            <a:fontRef idx="minor">
+              <a:schemeClr val="lt1"/>
+            </a:fontRef>
+          </p:style>
+          <p:txBody>
+            <a:bodyPr rtlCol="0" anchor="ctr"/>
+            <a:lstStyle/>
+            <a:p>
+              <a:pPr algn="ctr"/>
+              <a:endParaRPr lang="en-MY"/>
+            </a:p>
+          </p:txBody>
+        </p:sp>
+        <p:sp>
+          <p:nvSpPr>
+            <p:cNvPr id="19" name="Oval 18"/>
+            <p:cNvSpPr/>
+            <p:nvPr/>
+          </p:nvSpPr>
+          <p:spPr>
+            <a:xfrm>
+              <a:off x="-1409700" y="1600200"/>
+              <a:ext cx="152400" cy="152400"/>
+            </a:xfrm>
+            <a:prstGeom prst="ellipse">
+              <a:avLst/>
+            </a:prstGeom>
+            <a:noFill/>
+          </p:spPr>
+          <p:style>
+            <a:lnRef idx="2">
+              <a:schemeClr val="accent1">
+                <a:shade val="50000"/>
+              </a:schemeClr>
+            </a:lnRef>
+            <a:fillRef idx="1">
+              <a:schemeClr val="accent1"/>
+            </a:fillRef>
+            <a:effectRef idx="0">
+              <a:schemeClr val="accent1"/>
+            </a:effectRef>
+            <a:fontRef idx="minor">
+              <a:schemeClr val="lt1"/>
+            </a:fontRef>
+          </p:style>
+          <p:txBody>
+            <a:bodyPr rtlCol="0" anchor="ctr"/>
+            <a:lstStyle/>
+            <a:p>
+              <a:pPr algn="ctr"/>
+              <a:endParaRPr lang="en-MY"/>
+            </a:p>
+          </p:txBody>
+        </p:sp>
+        <p:sp>
+          <p:nvSpPr>
+            <p:cNvPr id="20" name="Oval 19"/>
+            <p:cNvSpPr/>
+            <p:nvPr/>
+          </p:nvSpPr>
+          <p:spPr>
+            <a:xfrm>
+              <a:off x="-1181100" y="1600200"/>
+              <a:ext cx="152400" cy="152400"/>
+            </a:xfrm>
+            <a:prstGeom prst="ellipse">
+              <a:avLst/>
+            </a:prstGeom>
+            <a:solidFill>
+              <a:schemeClr val="tx1"/>
+            </a:solidFill>
+          </p:spPr>
+          <p:style>
+            <a:lnRef idx="2">
+              <a:schemeClr val="accent1">
+                <a:shade val="50000"/>
+              </a:schemeClr>
+            </a:lnRef>
+            <a:fillRef idx="1">
+              <a:schemeClr val="accent1"/>
+            </a:fillRef>
+            <a:effectRef idx="0">
+              <a:schemeClr val="accent1"/>
+            </a:effectRef>
+            <a:fontRef idx="minor">
+              <a:schemeClr val="lt1"/>
+            </a:fontRef>
+          </p:style>
+          <p:txBody>
+            <a:bodyPr rtlCol="0" anchor="ctr"/>
+            <a:lstStyle/>
+            <a:p>
+              <a:pPr algn="ctr"/>
+              <a:endParaRPr lang="en-MY"/>
+            </a:p>
+          </p:txBody>
+        </p:sp>
+      </p:grpSp>
+      <p:grpSp>
+        <p:nvGrpSpPr>
+          <p:cNvPr id="21" name="Group 20"/>
+          <p:cNvGrpSpPr/>
+          <p:nvPr/>
+        </p:nvGrpSpPr>
+        <p:grpSpPr>
+          <a:xfrm>
+            <a:off x="1921947" y="3561442"/>
+            <a:ext cx="5181600" cy="1219200"/>
+            <a:chOff x="-2205037" y="1524000"/>
+            <a:chExt cx="1295400" cy="304800"/>
+          </a:xfrm>
+        </p:grpSpPr>
+        <p:sp>
+          <p:nvSpPr>
+            <p:cNvPr id="22" name="Rectangle 21"/>
+            <p:cNvSpPr/>
+            <p:nvPr/>
+          </p:nvSpPr>
+          <p:spPr>
+            <a:xfrm>
+              <a:off x="-2205037" y="1524000"/>
+              <a:ext cx="1295400" cy="304800"/>
+            </a:xfrm>
+            <a:prstGeom prst="rect">
+              <a:avLst/>
+            </a:prstGeom>
+            <a:noFill/>
+          </p:spPr>
+          <p:style>
+            <a:lnRef idx="2">
+              <a:schemeClr val="dk1">
+                <a:shade val="50000"/>
+              </a:schemeClr>
+            </a:lnRef>
+            <a:fillRef idx="1">
+              <a:schemeClr val="dk1"/>
+            </a:fillRef>
+            <a:effectRef idx="0">
+              <a:schemeClr val="dk1"/>
+            </a:effectRef>
+            <a:fontRef idx="minor">
+              <a:schemeClr val="lt1"/>
+            </a:fontRef>
+          </p:style>
+          <p:txBody>
+            <a:bodyPr rtlCol="0" anchor="ctr"/>
+            <a:lstStyle/>
+            <a:p>
+              <a:pPr algn="ctr"/>
+              <a:endParaRPr lang="en-MY"/>
+            </a:p>
+          </p:txBody>
+        </p:sp>
+        <p:sp>
+          <p:nvSpPr>
+            <p:cNvPr id="23" name="Oval 22"/>
+            <p:cNvSpPr/>
+            <p:nvPr/>
+          </p:nvSpPr>
+          <p:spPr>
+            <a:xfrm>
+              <a:off x="-2095500" y="1600200"/>
+              <a:ext cx="152400" cy="152400"/>
+            </a:xfrm>
+            <a:prstGeom prst="ellipse">
+              <a:avLst/>
+            </a:prstGeom>
+            <a:noFill/>
+          </p:spPr>
+          <p:style>
+            <a:lnRef idx="2">
+              <a:schemeClr val="accent1">
+                <a:shade val="50000"/>
+              </a:schemeClr>
+            </a:lnRef>
+            <a:fillRef idx="1">
+              <a:schemeClr val="accent1"/>
+            </a:fillRef>
+            <a:effectRef idx="0">
+              <a:schemeClr val="accent1"/>
+            </a:effectRef>
+            <a:fontRef idx="minor">
+              <a:schemeClr val="lt1"/>
+            </a:fontRef>
+          </p:style>
+          <p:txBody>
+            <a:bodyPr rtlCol="0" anchor="ctr"/>
+            <a:lstStyle/>
+            <a:p>
+              <a:pPr algn="ctr"/>
+              <a:endParaRPr lang="en-MY"/>
+            </a:p>
+          </p:txBody>
+        </p:sp>
+        <p:sp>
+          <p:nvSpPr>
+            <p:cNvPr id="24" name="Oval 23"/>
+            <p:cNvSpPr/>
+            <p:nvPr/>
+          </p:nvSpPr>
+          <p:spPr>
+            <a:xfrm>
+              <a:off x="-1866900" y="1600200"/>
+              <a:ext cx="152400" cy="152400"/>
+            </a:xfrm>
+            <a:prstGeom prst="ellipse">
+              <a:avLst/>
+            </a:prstGeom>
+            <a:noFill/>
+          </p:spPr>
+          <p:style>
+            <a:lnRef idx="2">
+              <a:schemeClr val="accent1">
+                <a:shade val="50000"/>
+              </a:schemeClr>
+            </a:lnRef>
+            <a:fillRef idx="1">
+              <a:schemeClr val="accent1"/>
+            </a:fillRef>
+            <a:effectRef idx="0">
+              <a:schemeClr val="accent1"/>
+            </a:effectRef>
+            <a:fontRef idx="minor">
+              <a:schemeClr val="lt1"/>
+            </a:fontRef>
+          </p:style>
+          <p:txBody>
+            <a:bodyPr rtlCol="0" anchor="ctr"/>
+            <a:lstStyle/>
+            <a:p>
+              <a:pPr algn="ctr"/>
+              <a:endParaRPr lang="en-MY"/>
+            </a:p>
+          </p:txBody>
+        </p:sp>
+        <p:sp>
+          <p:nvSpPr>
+            <p:cNvPr id="25" name="Oval 24"/>
+            <p:cNvSpPr/>
+            <p:nvPr/>
+          </p:nvSpPr>
+          <p:spPr>
+            <a:xfrm>
+              <a:off x="-1638300" y="1600200"/>
+              <a:ext cx="152400" cy="152400"/>
+            </a:xfrm>
+            <a:prstGeom prst="ellipse">
+              <a:avLst/>
+            </a:prstGeom>
+            <a:noFill/>
+          </p:spPr>
+          <p:style>
+            <a:lnRef idx="2">
+              <a:schemeClr val="accent1">
+                <a:shade val="50000"/>
+              </a:schemeClr>
+            </a:lnRef>
+            <a:fillRef idx="1">
+              <a:schemeClr val="accent1"/>
+            </a:fillRef>
+            <a:effectRef idx="0">
+              <a:schemeClr val="accent1"/>
+            </a:effectRef>
+            <a:fontRef idx="minor">
+              <a:schemeClr val="lt1"/>
+            </a:fontRef>
+          </p:style>
+          <p:txBody>
+            <a:bodyPr rtlCol="0" anchor="ctr"/>
+            <a:lstStyle/>
+            <a:p>
+              <a:pPr algn="ctr"/>
+              <a:endParaRPr lang="en-MY"/>
+            </a:p>
+          </p:txBody>
+        </p:sp>
+        <p:sp>
+          <p:nvSpPr>
+            <p:cNvPr id="26" name="Oval 25"/>
+            <p:cNvSpPr/>
+            <p:nvPr/>
+          </p:nvSpPr>
+          <p:spPr>
+            <a:xfrm>
+              <a:off x="-1409700" y="1600200"/>
+              <a:ext cx="152400" cy="152400"/>
+            </a:xfrm>
+            <a:prstGeom prst="ellipse">
+              <a:avLst/>
+            </a:prstGeom>
+            <a:noFill/>
+          </p:spPr>
+          <p:style>
+            <a:lnRef idx="2">
+              <a:schemeClr val="accent1">
+                <a:shade val="50000"/>
+              </a:schemeClr>
+            </a:lnRef>
+            <a:fillRef idx="1">
+              <a:schemeClr val="accent1"/>
+            </a:fillRef>
+            <a:effectRef idx="0">
+              <a:schemeClr val="accent1"/>
+            </a:effectRef>
+            <a:fontRef idx="minor">
+              <a:schemeClr val="lt1"/>
+            </a:fontRef>
+          </p:style>
+          <p:txBody>
+            <a:bodyPr rtlCol="0" anchor="ctr"/>
+            <a:lstStyle/>
+            <a:p>
+              <a:pPr algn="ctr"/>
+              <a:endParaRPr lang="en-MY"/>
+            </a:p>
+          </p:txBody>
+        </p:sp>
+        <p:sp>
+          <p:nvSpPr>
+            <p:cNvPr id="27" name="Oval 26"/>
+            <p:cNvSpPr/>
+            <p:nvPr/>
+          </p:nvSpPr>
+          <p:spPr>
+            <a:xfrm>
+              <a:off x="-1181100" y="1600200"/>
+              <a:ext cx="152400" cy="152400"/>
+            </a:xfrm>
+            <a:prstGeom prst="ellipse">
+              <a:avLst/>
+            </a:prstGeom>
+            <a:noFill/>
+          </p:spPr>
+          <p:style>
+            <a:lnRef idx="2">
+              <a:schemeClr val="accent1">
+                <a:shade val="50000"/>
+              </a:schemeClr>
+            </a:lnRef>
+            <a:fillRef idx="1">
+              <a:schemeClr val="accent1"/>
+            </a:fillRef>
+            <a:effectRef idx="0">
+              <a:schemeClr val="accent1"/>
+            </a:effectRef>
+            <a:fontRef idx="minor">
+              <a:schemeClr val="lt1"/>
+            </a:fontRef>
+          </p:style>
+          <p:txBody>
+            <a:bodyPr rtlCol="0" anchor="ctr"/>
+            <a:lstStyle/>
+            <a:p>
+              <a:pPr algn="ctr"/>
+              <a:endParaRPr lang="en-MY"/>
+            </a:p>
+          </p:txBody>
+        </p:sp>
+      </p:grpSp>
+      <p:grpSp>
+        <p:nvGrpSpPr>
+          <p:cNvPr id="28" name="Group 27"/>
+          <p:cNvGrpSpPr/>
+          <p:nvPr/>
+        </p:nvGrpSpPr>
+        <p:grpSpPr>
+          <a:xfrm>
+            <a:off x="1905000" y="3581400"/>
+            <a:ext cx="5181600" cy="1219200"/>
+            <a:chOff x="-2205037" y="1524000"/>
+            <a:chExt cx="1295400" cy="304800"/>
+          </a:xfrm>
+        </p:grpSpPr>
+        <p:sp>
+          <p:nvSpPr>
+            <p:cNvPr id="29" name="Rectangle 28"/>
+            <p:cNvSpPr/>
+            <p:nvPr/>
+          </p:nvSpPr>
+          <p:spPr>
+            <a:xfrm>
+              <a:off x="-2205037" y="1524000"/>
+              <a:ext cx="1295400" cy="304800"/>
+            </a:xfrm>
+            <a:prstGeom prst="rect">
+              <a:avLst/>
+            </a:prstGeom>
+            <a:noFill/>
+          </p:spPr>
+          <p:style>
+            <a:lnRef idx="2">
+              <a:schemeClr val="dk1">
+                <a:shade val="50000"/>
+              </a:schemeClr>
+            </a:lnRef>
+            <a:fillRef idx="1">
+              <a:schemeClr val="dk1"/>
+            </a:fillRef>
+            <a:effectRef idx="0">
+              <a:schemeClr val="dk1"/>
+            </a:effectRef>
+            <a:fontRef idx="minor">
+              <a:schemeClr val="lt1"/>
+            </a:fontRef>
+          </p:style>
+          <p:txBody>
+            <a:bodyPr rtlCol="0" anchor="ctr"/>
+            <a:lstStyle/>
+            <a:p>
+              <a:pPr algn="ctr"/>
+              <a:endParaRPr lang="en-MY"/>
+            </a:p>
+          </p:txBody>
+        </p:sp>
+        <p:sp>
+          <p:nvSpPr>
+            <p:cNvPr id="30" name="Oval 29"/>
+            <p:cNvSpPr/>
+            <p:nvPr/>
+          </p:nvSpPr>
+          <p:spPr>
+            <a:xfrm>
+              <a:off x="-2095500" y="1600200"/>
+              <a:ext cx="152400" cy="152400"/>
+            </a:xfrm>
+            <a:prstGeom prst="ellipse">
+              <a:avLst/>
+            </a:prstGeom>
+            <a:solidFill>
+              <a:schemeClr val="tx1"/>
+            </a:solidFill>
+          </p:spPr>
+          <p:style>
+            <a:lnRef idx="2">
+              <a:schemeClr val="accent1">
+                <a:shade val="50000"/>
+              </a:schemeClr>
+            </a:lnRef>
+            <a:fillRef idx="1">
+              <a:schemeClr val="accent1"/>
+            </a:fillRef>
+            <a:effectRef idx="0">
+              <a:schemeClr val="accent1"/>
+            </a:effectRef>
+            <a:fontRef idx="minor">
+              <a:schemeClr val="lt1"/>
+            </a:fontRef>
+          </p:style>
+          <p:txBody>
+            <a:bodyPr rtlCol="0" anchor="ctr"/>
+            <a:lstStyle/>
+            <a:p>
+              <a:pPr algn="ctr"/>
+              <a:endParaRPr lang="en-MY"/>
+            </a:p>
+          </p:txBody>
+        </p:sp>
+        <p:sp>
+          <p:nvSpPr>
+            <p:cNvPr id="31" name="Oval 30"/>
+            <p:cNvSpPr/>
+            <p:nvPr/>
+          </p:nvSpPr>
+          <p:spPr>
+            <a:xfrm>
+              <a:off x="-1866900" y="1600200"/>
+              <a:ext cx="152400" cy="152400"/>
+            </a:xfrm>
+            <a:prstGeom prst="ellipse">
+              <a:avLst/>
+            </a:prstGeom>
+            <a:noFill/>
+          </p:spPr>
+          <p:style>
+            <a:lnRef idx="2">
+              <a:schemeClr val="accent1">
+                <a:shade val="50000"/>
+              </a:schemeClr>
+            </a:lnRef>
+            <a:fillRef idx="1">
+              <a:schemeClr val="accent1"/>
+            </a:fillRef>
+            <a:effectRef idx="0">
+              <a:schemeClr val="accent1"/>
+            </a:effectRef>
+            <a:fontRef idx="minor">
+              <a:schemeClr val="lt1"/>
+            </a:fontRef>
+          </p:style>
+          <p:txBody>
+            <a:bodyPr rtlCol="0" anchor="ctr"/>
+            <a:lstStyle/>
+            <a:p>
+              <a:pPr algn="ctr"/>
+              <a:endParaRPr lang="en-MY"/>
+            </a:p>
+          </p:txBody>
+        </p:sp>
+        <p:sp>
+          <p:nvSpPr>
+            <p:cNvPr id="32" name="Oval 31"/>
+            <p:cNvSpPr/>
+            <p:nvPr/>
+          </p:nvSpPr>
+          <p:spPr>
+            <a:xfrm>
+              <a:off x="-1638300" y="1600200"/>
+              <a:ext cx="152400" cy="152400"/>
+            </a:xfrm>
+            <a:prstGeom prst="ellipse">
+              <a:avLst/>
+            </a:prstGeom>
+            <a:noFill/>
+          </p:spPr>
+          <p:style>
+            <a:lnRef idx="2">
+              <a:schemeClr val="accent1">
+                <a:shade val="50000"/>
+              </a:schemeClr>
+            </a:lnRef>
+            <a:fillRef idx="1">
+              <a:schemeClr val="accent1"/>
+            </a:fillRef>
+            <a:effectRef idx="0">
+              <a:schemeClr val="accent1"/>
+            </a:effectRef>
+            <a:fontRef idx="minor">
+              <a:schemeClr val="lt1"/>
+            </a:fontRef>
+          </p:style>
+          <p:txBody>
+            <a:bodyPr rtlCol="0" anchor="ctr"/>
+            <a:lstStyle/>
+            <a:p>
+              <a:pPr algn="ctr"/>
+              <a:endParaRPr lang="en-MY"/>
+            </a:p>
+          </p:txBody>
+        </p:sp>
+        <p:sp>
+          <p:nvSpPr>
+            <p:cNvPr id="33" name="Oval 32"/>
+            <p:cNvSpPr/>
+            <p:nvPr/>
+          </p:nvSpPr>
+          <p:spPr>
+            <a:xfrm>
+              <a:off x="-1409700" y="1600200"/>
+              <a:ext cx="152400" cy="152400"/>
+            </a:xfrm>
+            <a:prstGeom prst="ellipse">
+              <a:avLst/>
+            </a:prstGeom>
+            <a:noFill/>
+          </p:spPr>
+          <p:style>
+            <a:lnRef idx="2">
+              <a:schemeClr val="accent1">
+                <a:shade val="50000"/>
+              </a:schemeClr>
+            </a:lnRef>
+            <a:fillRef idx="1">
+              <a:schemeClr val="accent1"/>
+            </a:fillRef>
+            <a:effectRef idx="0">
+              <a:schemeClr val="accent1"/>
+            </a:effectRef>
+            <a:fontRef idx="minor">
+              <a:schemeClr val="lt1"/>
+            </a:fontRef>
+          </p:style>
+          <p:txBody>
+            <a:bodyPr rtlCol="0" anchor="ctr"/>
+            <a:lstStyle/>
+            <a:p>
+              <a:pPr algn="ctr"/>
+              <a:endParaRPr lang="en-MY"/>
+            </a:p>
+          </p:txBody>
+        </p:sp>
+        <p:sp>
+          <p:nvSpPr>
+            <p:cNvPr id="34" name="Oval 33"/>
+            <p:cNvSpPr/>
+            <p:nvPr/>
+          </p:nvSpPr>
+          <p:spPr>
+            <a:xfrm>
+              <a:off x="-1181100" y="1600200"/>
+              <a:ext cx="152400" cy="152400"/>
+            </a:xfrm>
+            <a:prstGeom prst="ellipse">
+              <a:avLst/>
+            </a:prstGeom>
+            <a:noFill/>
+          </p:spPr>
+          <p:style>
+            <a:lnRef idx="2">
+              <a:schemeClr val="accent1">
+                <a:shade val="50000"/>
+              </a:schemeClr>
+            </a:lnRef>
+            <a:fillRef idx="1">
+              <a:schemeClr val="accent1"/>
+            </a:fillRef>
+            <a:effectRef idx="0">
+              <a:schemeClr val="accent1"/>
+            </a:effectRef>
+            <a:fontRef idx="minor">
+              <a:schemeClr val="lt1"/>
+            </a:fontRef>
+          </p:style>
+          <p:txBody>
+            <a:bodyPr rtlCol="0" anchor="ctr"/>
+            <a:lstStyle/>
+            <a:p>
+              <a:pPr algn="ctr"/>
+              <a:endParaRPr lang="en-MY"/>
+            </a:p>
+          </p:txBody>
+        </p:sp>
+      </p:grpSp>
+      <p:grpSp>
+        <p:nvGrpSpPr>
+          <p:cNvPr id="35" name="Group 34"/>
+          <p:cNvGrpSpPr/>
+          <p:nvPr/>
+        </p:nvGrpSpPr>
+        <p:grpSpPr>
+          <a:xfrm>
+            <a:off x="1905000" y="3581400"/>
+            <a:ext cx="5181600" cy="1219200"/>
+            <a:chOff x="-2205037" y="1524000"/>
+            <a:chExt cx="1295400" cy="304800"/>
+          </a:xfrm>
+        </p:grpSpPr>
+        <p:sp>
+          <p:nvSpPr>
+            <p:cNvPr id="36" name="Rectangle 35"/>
+            <p:cNvSpPr/>
+            <p:nvPr/>
+          </p:nvSpPr>
+          <p:spPr>
+            <a:xfrm>
+              <a:off x="-2205037" y="1524000"/>
+              <a:ext cx="1295400" cy="304800"/>
+            </a:xfrm>
+            <a:prstGeom prst="rect">
+              <a:avLst/>
+            </a:prstGeom>
+            <a:noFill/>
+          </p:spPr>
+          <p:style>
+            <a:lnRef idx="2">
+              <a:schemeClr val="dk1">
+                <a:shade val="50000"/>
+              </a:schemeClr>
+            </a:lnRef>
+            <a:fillRef idx="1">
+              <a:schemeClr val="dk1"/>
+            </a:fillRef>
+            <a:effectRef idx="0">
+              <a:schemeClr val="dk1"/>
+            </a:effectRef>
+            <a:fontRef idx="minor">
+              <a:schemeClr val="lt1"/>
+            </a:fontRef>
+          </p:style>
+          <p:txBody>
+            <a:bodyPr rtlCol="0" anchor="ctr"/>
+            <a:lstStyle/>
+            <a:p>
+              <a:pPr algn="ctr"/>
+              <a:endParaRPr lang="en-MY"/>
+            </a:p>
+          </p:txBody>
+        </p:sp>
+        <p:sp>
+          <p:nvSpPr>
+            <p:cNvPr id="37" name="Oval 36"/>
+            <p:cNvSpPr/>
+            <p:nvPr/>
+          </p:nvSpPr>
+          <p:spPr>
+            <a:xfrm>
+              <a:off x="-2095500" y="1600200"/>
+              <a:ext cx="152400" cy="152400"/>
+            </a:xfrm>
+            <a:prstGeom prst="ellipse">
+              <a:avLst/>
+            </a:prstGeom>
+            <a:noFill/>
+          </p:spPr>
+          <p:style>
+            <a:lnRef idx="2">
+              <a:schemeClr val="accent1">
+                <a:shade val="50000"/>
+              </a:schemeClr>
+            </a:lnRef>
+            <a:fillRef idx="1">
+              <a:schemeClr val="accent1"/>
+            </a:fillRef>
+            <a:effectRef idx="0">
+              <a:schemeClr val="accent1"/>
+            </a:effectRef>
+            <a:fontRef idx="minor">
+              <a:schemeClr val="lt1"/>
+            </a:fontRef>
+          </p:style>
+          <p:txBody>
+            <a:bodyPr rtlCol="0" anchor="ctr"/>
+            <a:lstStyle/>
+            <a:p>
+              <a:pPr algn="ctr"/>
+              <a:endParaRPr lang="en-MY"/>
+            </a:p>
+          </p:txBody>
+        </p:sp>
+        <p:sp>
+          <p:nvSpPr>
+            <p:cNvPr id="38" name="Oval 37"/>
+            <p:cNvSpPr/>
+            <p:nvPr/>
+          </p:nvSpPr>
+          <p:spPr>
+            <a:xfrm>
+              <a:off x="-1866900" y="1600200"/>
+              <a:ext cx="152400" cy="152400"/>
+            </a:xfrm>
+            <a:prstGeom prst="ellipse">
+              <a:avLst/>
+            </a:prstGeom>
+            <a:noFill/>
+          </p:spPr>
+          <p:style>
+            <a:lnRef idx="2">
+              <a:schemeClr val="accent1">
+                <a:shade val="50000"/>
+              </a:schemeClr>
+            </a:lnRef>
+            <a:fillRef idx="1">
+              <a:schemeClr val="accent1"/>
+            </a:fillRef>
+            <a:effectRef idx="0">
+              <a:schemeClr val="accent1"/>
+            </a:effectRef>
+            <a:fontRef idx="minor">
+              <a:schemeClr val="lt1"/>
+            </a:fontRef>
+          </p:style>
+          <p:txBody>
+            <a:bodyPr rtlCol="0" anchor="ctr"/>
+            <a:lstStyle/>
+            <a:p>
+              <a:pPr algn="ctr"/>
+              <a:endParaRPr lang="en-MY"/>
+            </a:p>
+          </p:txBody>
+        </p:sp>
+        <p:sp>
+          <p:nvSpPr>
+            <p:cNvPr id="39" name="Oval 38"/>
+            <p:cNvSpPr/>
+            <p:nvPr/>
+          </p:nvSpPr>
+          <p:spPr>
+            <a:xfrm>
+              <a:off x="-1638300" y="1600200"/>
+              <a:ext cx="152400" cy="152400"/>
+            </a:xfrm>
+            <a:prstGeom prst="ellipse">
+              <a:avLst/>
+            </a:prstGeom>
+            <a:solidFill>
+              <a:schemeClr val="tx1"/>
+            </a:solidFill>
+          </p:spPr>
+          <p:style>
+            <a:lnRef idx="2">
+              <a:schemeClr val="accent1">
+                <a:shade val="50000"/>
+              </a:schemeClr>
+            </a:lnRef>
+            <a:fillRef idx="1">
+              <a:schemeClr val="accent1"/>
+            </a:fillRef>
+            <a:effectRef idx="0">
+              <a:schemeClr val="accent1"/>
+            </a:effectRef>
+            <a:fontRef idx="minor">
+              <a:schemeClr val="lt1"/>
+            </a:fontRef>
+          </p:style>
+          <p:txBody>
+            <a:bodyPr rtlCol="0" anchor="ctr"/>
+            <a:lstStyle/>
+            <a:p>
+              <a:pPr algn="ctr"/>
+              <a:endParaRPr lang="en-MY"/>
+            </a:p>
+          </p:txBody>
+        </p:sp>
+        <p:sp>
+          <p:nvSpPr>
+            <p:cNvPr id="40" name="Oval 39"/>
+            <p:cNvSpPr/>
+            <p:nvPr/>
+          </p:nvSpPr>
+          <p:spPr>
+            <a:xfrm>
+              <a:off x="-1409700" y="1600200"/>
+              <a:ext cx="152400" cy="152400"/>
+            </a:xfrm>
+            <a:prstGeom prst="ellipse">
+              <a:avLst/>
+            </a:prstGeom>
+            <a:noFill/>
+          </p:spPr>
+          <p:style>
+            <a:lnRef idx="2">
+              <a:schemeClr val="accent1">
+                <a:shade val="50000"/>
+              </a:schemeClr>
+            </a:lnRef>
+            <a:fillRef idx="1">
+              <a:schemeClr val="accent1"/>
+            </a:fillRef>
+            <a:effectRef idx="0">
+              <a:schemeClr val="accent1"/>
+            </a:effectRef>
+            <a:fontRef idx="minor">
+              <a:schemeClr val="lt1"/>
+            </a:fontRef>
+          </p:style>
+          <p:txBody>
+            <a:bodyPr rtlCol="0" anchor="ctr"/>
+            <a:lstStyle/>
+            <a:p>
+              <a:pPr algn="ctr"/>
+              <a:endParaRPr lang="en-MY"/>
+            </a:p>
+          </p:txBody>
+        </p:sp>
+        <p:sp>
+          <p:nvSpPr>
+            <p:cNvPr id="41" name="Oval 40"/>
+            <p:cNvSpPr/>
+            <p:nvPr/>
+          </p:nvSpPr>
+          <p:spPr>
+            <a:xfrm>
+              <a:off x="-1181100" y="1600200"/>
+              <a:ext cx="152400" cy="152400"/>
+            </a:xfrm>
+            <a:prstGeom prst="ellipse">
+              <a:avLst/>
+            </a:prstGeom>
+            <a:noFill/>
+          </p:spPr>
+          <p:style>
+            <a:lnRef idx="2">
+              <a:schemeClr val="accent1">
+                <a:shade val="50000"/>
+              </a:schemeClr>
+            </a:lnRef>
+            <a:fillRef idx="1">
+              <a:schemeClr val="accent1"/>
+            </a:fillRef>
+            <a:effectRef idx="0">
+              <a:schemeClr val="accent1"/>
+            </a:effectRef>
+            <a:fontRef idx="minor">
+              <a:schemeClr val="lt1"/>
+            </a:fontRef>
+          </p:style>
+          <p:txBody>
+            <a:bodyPr rtlCol="0" anchor="ctr"/>
+            <a:lstStyle/>
+            <a:p>
+              <a:pPr algn="ctr"/>
+              <a:endParaRPr lang="en-MY"/>
+            </a:p>
+          </p:txBody>
+        </p:sp>
+      </p:grpSp>
+      <p:grpSp>
+        <p:nvGrpSpPr>
+          <p:cNvPr id="42" name="Group 41"/>
+          <p:cNvGrpSpPr/>
+          <p:nvPr/>
+        </p:nvGrpSpPr>
+        <p:grpSpPr>
+          <a:xfrm>
+            <a:off x="1932542" y="3581400"/>
+            <a:ext cx="5181600" cy="1219200"/>
+            <a:chOff x="-2205037" y="1524000"/>
+            <a:chExt cx="1295400" cy="304800"/>
+          </a:xfrm>
+        </p:grpSpPr>
+        <p:sp>
+          <p:nvSpPr>
+            <p:cNvPr id="43" name="Rectangle 42"/>
+            <p:cNvSpPr/>
+            <p:nvPr/>
+          </p:nvSpPr>
+          <p:spPr>
+            <a:xfrm>
+              <a:off x="-2205037" y="1524000"/>
+              <a:ext cx="1295400" cy="304800"/>
+            </a:xfrm>
+            <a:prstGeom prst="rect">
+              <a:avLst/>
+            </a:prstGeom>
+            <a:noFill/>
+          </p:spPr>
+          <p:style>
+            <a:lnRef idx="2">
+              <a:schemeClr val="dk1">
+                <a:shade val="50000"/>
+              </a:schemeClr>
+            </a:lnRef>
+            <a:fillRef idx="1">
+              <a:schemeClr val="dk1"/>
+            </a:fillRef>
+            <a:effectRef idx="0">
+              <a:schemeClr val="dk1"/>
+            </a:effectRef>
+            <a:fontRef idx="minor">
+              <a:schemeClr val="lt1"/>
+            </a:fontRef>
+          </p:style>
+          <p:txBody>
+            <a:bodyPr rtlCol="0" anchor="ctr"/>
+            <a:lstStyle/>
+            <a:p>
+              <a:pPr algn="ctr"/>
+              <a:endParaRPr lang="en-MY"/>
+            </a:p>
+          </p:txBody>
+        </p:sp>
+        <p:sp>
+          <p:nvSpPr>
+            <p:cNvPr id="44" name="Oval 43"/>
+            <p:cNvSpPr/>
+            <p:nvPr/>
+          </p:nvSpPr>
+          <p:spPr>
+            <a:xfrm>
+              <a:off x="-2095500" y="1600200"/>
+              <a:ext cx="152400" cy="152400"/>
+            </a:xfrm>
+            <a:prstGeom prst="ellipse">
+              <a:avLst/>
+            </a:prstGeom>
+            <a:noFill/>
+          </p:spPr>
+          <p:style>
+            <a:lnRef idx="2">
+              <a:schemeClr val="accent1">
+                <a:shade val="50000"/>
+              </a:schemeClr>
+            </a:lnRef>
+            <a:fillRef idx="1">
+              <a:schemeClr val="accent1"/>
+            </a:fillRef>
+            <a:effectRef idx="0">
+              <a:schemeClr val="accent1"/>
+            </a:effectRef>
+            <a:fontRef idx="minor">
+              <a:schemeClr val="lt1"/>
+            </a:fontRef>
+          </p:style>
+          <p:txBody>
+            <a:bodyPr rtlCol="0" anchor="ctr"/>
+            <a:lstStyle/>
+            <a:p>
+              <a:pPr algn="ctr"/>
+              <a:endParaRPr lang="en-MY"/>
+            </a:p>
+          </p:txBody>
+        </p:sp>
+        <p:sp>
+          <p:nvSpPr>
+            <p:cNvPr id="45" name="Oval 44"/>
+            <p:cNvSpPr/>
+            <p:nvPr/>
+          </p:nvSpPr>
+          <p:spPr>
+            <a:xfrm>
+              <a:off x="-1866900" y="1600200"/>
+              <a:ext cx="152400" cy="152400"/>
+            </a:xfrm>
+            <a:prstGeom prst="ellipse">
+              <a:avLst/>
+            </a:prstGeom>
+            <a:solidFill>
+              <a:schemeClr val="tx1"/>
+            </a:solidFill>
+          </p:spPr>
+          <p:style>
+            <a:lnRef idx="2">
+              <a:schemeClr val="accent1">
+                <a:shade val="50000"/>
+              </a:schemeClr>
+            </a:lnRef>
+            <a:fillRef idx="1">
+              <a:schemeClr val="accent1"/>
+            </a:fillRef>
+            <a:effectRef idx="0">
+              <a:schemeClr val="accent1"/>
+            </a:effectRef>
+            <a:fontRef idx="minor">
+              <a:schemeClr val="lt1"/>
+            </a:fontRef>
+          </p:style>
+          <p:txBody>
+            <a:bodyPr rtlCol="0" anchor="ctr"/>
+            <a:lstStyle/>
+            <a:p>
+              <a:pPr algn="ctr"/>
+              <a:endParaRPr lang="en-MY"/>
+            </a:p>
+          </p:txBody>
+        </p:sp>
+        <p:sp>
+          <p:nvSpPr>
+            <p:cNvPr id="46" name="Oval 45"/>
+            <p:cNvSpPr/>
+            <p:nvPr/>
+          </p:nvSpPr>
+          <p:spPr>
+            <a:xfrm>
+              <a:off x="-1638300" y="1600200"/>
+              <a:ext cx="152400" cy="152400"/>
+            </a:xfrm>
+            <a:prstGeom prst="ellipse">
+              <a:avLst/>
+            </a:prstGeom>
+            <a:noFill/>
+          </p:spPr>
+          <p:style>
+            <a:lnRef idx="2">
+              <a:schemeClr val="accent1">
+                <a:shade val="50000"/>
+              </a:schemeClr>
+            </a:lnRef>
+            <a:fillRef idx="1">
+              <a:schemeClr val="accent1"/>
+            </a:fillRef>
+            <a:effectRef idx="0">
+              <a:schemeClr val="accent1"/>
+            </a:effectRef>
+            <a:fontRef idx="minor">
+              <a:schemeClr val="lt1"/>
+            </a:fontRef>
+          </p:style>
+          <p:txBody>
+            <a:bodyPr rtlCol="0" anchor="ctr"/>
+            <a:lstStyle/>
+            <a:p>
+              <a:pPr algn="ctr"/>
+              <a:endParaRPr lang="en-MY"/>
+            </a:p>
+          </p:txBody>
+        </p:sp>
+        <p:sp>
+          <p:nvSpPr>
+            <p:cNvPr id="47" name="Oval 46"/>
+            <p:cNvSpPr/>
+            <p:nvPr/>
+          </p:nvSpPr>
+          <p:spPr>
+            <a:xfrm>
+              <a:off x="-1409700" y="1600200"/>
+              <a:ext cx="152400" cy="152400"/>
+            </a:xfrm>
+            <a:prstGeom prst="ellipse">
+              <a:avLst/>
+            </a:prstGeom>
+            <a:noFill/>
+          </p:spPr>
+          <p:style>
+            <a:lnRef idx="2">
+              <a:schemeClr val="accent1">
+                <a:shade val="50000"/>
+              </a:schemeClr>
+            </a:lnRef>
+            <a:fillRef idx="1">
+              <a:schemeClr val="accent1"/>
+            </a:fillRef>
+            <a:effectRef idx="0">
+              <a:schemeClr val="accent1"/>
+            </a:effectRef>
+            <a:fontRef idx="minor">
+              <a:schemeClr val="lt1"/>
+            </a:fontRef>
+          </p:style>
+          <p:txBody>
+            <a:bodyPr rtlCol="0" anchor="ctr"/>
+            <a:lstStyle/>
+            <a:p>
+              <a:pPr algn="ctr"/>
+              <a:endParaRPr lang="en-MY"/>
+            </a:p>
+          </p:txBody>
+        </p:sp>
+        <p:sp>
+          <p:nvSpPr>
+            <p:cNvPr id="48" name="Oval 47"/>
+            <p:cNvSpPr/>
+            <p:nvPr/>
+          </p:nvSpPr>
+          <p:spPr>
+            <a:xfrm>
+              <a:off x="-1181100" y="1600200"/>
+              <a:ext cx="152400" cy="152400"/>
+            </a:xfrm>
+            <a:prstGeom prst="ellipse">
+              <a:avLst/>
+            </a:prstGeom>
+            <a:noFill/>
+          </p:spPr>
+          <p:style>
+            <a:lnRef idx="2">
+              <a:schemeClr val="accent1">
+                <a:shade val="50000"/>
+              </a:schemeClr>
+            </a:lnRef>
+            <a:fillRef idx="1">
+              <a:schemeClr val="accent1"/>
+            </a:fillRef>
+            <a:effectRef idx="0">
+              <a:schemeClr val="accent1"/>
+            </a:effectRef>
+            <a:fontRef idx="minor">
+              <a:schemeClr val="lt1"/>
+            </a:fontRef>
+          </p:style>
+          <p:txBody>
+            <a:bodyPr rtlCol="0" anchor="ctr"/>
+            <a:lstStyle/>
+            <a:p>
+              <a:pPr algn="ctr"/>
+              <a:endParaRPr lang="en-MY"/>
+            </a:p>
+          </p:txBody>
+        </p:sp>
+      </p:grpSp>
     </p:spTree>
     <p:extLst>
       <p:ext uri="{BB962C8B-B14F-4D97-AF65-F5344CB8AC3E}">
-        <p14:creationId xmlns:p14="http://schemas.microsoft.com/office/powerpoint/2010/main" val="3837344844"/>
+        <p14:creationId xmlns:p14="http://schemas.microsoft.com/office/powerpoint/2010/main" val="4264810069"/>
       </p:ext>
     </p:extLst>
   </p:cSld>
@@ -6715,7 +9748,480 @@
   <p:timing>
     <p:tnLst>
       <p:par>
-        <p:cTn id="1" dur="indefinite" restart="never" nodeType="tmRoot"/>
+        <p:cTn id="1" dur="indefinite" restart="never" nodeType="tmRoot">
+          <p:childTnLst>
+            <p:seq concurrent="1" nextAc="seek">
+              <p:cTn id="2" dur="indefinite" nodeType="mainSeq">
+                <p:childTnLst>
+                  <p:par>
+                    <p:cTn id="3" fill="hold">
+                      <p:stCondLst>
+                        <p:cond delay="indefinite"/>
+                      </p:stCondLst>
+                      <p:childTnLst>
+                        <p:par>
+                          <p:cTn id="4" fill="hold">
+                            <p:stCondLst>
+                              <p:cond delay="0"/>
+                            </p:stCondLst>
+                            <p:childTnLst>
+                              <p:par>
+                                <p:cTn id="5" presetID="1" presetClass="entr" presetSubtype="0" fill="hold" nodeType="clickEffect">
+                                  <p:stCondLst>
+                                    <p:cond delay="0"/>
+                                  </p:stCondLst>
+                                  <p:childTnLst>
+                                    <p:set>
+                                      <p:cBhvr>
+                                        <p:cTn id="6" dur="1" fill="hold">
+                                          <p:stCondLst>
+                                            <p:cond delay="0"/>
+                                          </p:stCondLst>
+                                        </p:cTn>
+                                        <p:tgtEl>
+                                          <p:spTgt spid="14"/>
+                                        </p:tgtEl>
+                                        <p:attrNameLst>
+                                          <p:attrName>style.visibility</p:attrName>
+                                        </p:attrNameLst>
+                                      </p:cBhvr>
+                                      <p:to>
+                                        <p:strVal val="visible"/>
+                                      </p:to>
+                                    </p:set>
+                                  </p:childTnLst>
+                                </p:cTn>
+                              </p:par>
+                            </p:childTnLst>
+                          </p:cTn>
+                        </p:par>
+                      </p:childTnLst>
+                    </p:cTn>
+                  </p:par>
+                  <p:par>
+                    <p:cTn id="7" fill="hold">
+                      <p:stCondLst>
+                        <p:cond delay="indefinite"/>
+                      </p:stCondLst>
+                      <p:childTnLst>
+                        <p:par>
+                          <p:cTn id="8" fill="hold">
+                            <p:stCondLst>
+                              <p:cond delay="0"/>
+                            </p:stCondLst>
+                            <p:childTnLst>
+                              <p:par>
+                                <p:cTn id="9" presetID="1" presetClass="exit" presetSubtype="0" fill="hold" nodeType="clickEffect">
+                                  <p:stCondLst>
+                                    <p:cond delay="0"/>
+                                  </p:stCondLst>
+                                  <p:childTnLst>
+                                    <p:set>
+                                      <p:cBhvr>
+                                        <p:cTn id="10" dur="1" fill="hold">
+                                          <p:stCondLst>
+                                            <p:cond delay="0"/>
+                                          </p:stCondLst>
+                                        </p:cTn>
+                                        <p:tgtEl>
+                                          <p:spTgt spid="14"/>
+                                        </p:tgtEl>
+                                        <p:attrNameLst>
+                                          <p:attrName>style.visibility</p:attrName>
+                                        </p:attrNameLst>
+                                      </p:cBhvr>
+                                      <p:to>
+                                        <p:strVal val="hidden"/>
+                                      </p:to>
+                                    </p:set>
+                                  </p:childTnLst>
+                                </p:cTn>
+                              </p:par>
+                            </p:childTnLst>
+                          </p:cTn>
+                        </p:par>
+                      </p:childTnLst>
+                    </p:cTn>
+                  </p:par>
+                  <p:par>
+                    <p:cTn id="11" fill="hold">
+                      <p:stCondLst>
+                        <p:cond delay="indefinite"/>
+                      </p:stCondLst>
+                      <p:childTnLst>
+                        <p:par>
+                          <p:cTn id="12" fill="hold">
+                            <p:stCondLst>
+                              <p:cond delay="0"/>
+                            </p:stCondLst>
+                            <p:childTnLst>
+                              <p:par>
+                                <p:cTn id="13" presetID="1" presetClass="entr" presetSubtype="0" fill="hold" nodeType="clickEffect">
+                                  <p:stCondLst>
+                                    <p:cond delay="0"/>
+                                  </p:stCondLst>
+                                  <p:childTnLst>
+                                    <p:set>
+                                      <p:cBhvr>
+                                        <p:cTn id="14" dur="1" fill="hold">
+                                          <p:stCondLst>
+                                            <p:cond delay="0"/>
+                                          </p:stCondLst>
+                                        </p:cTn>
+                                        <p:tgtEl>
+                                          <p:spTgt spid="7"/>
+                                        </p:tgtEl>
+                                        <p:attrNameLst>
+                                          <p:attrName>style.visibility</p:attrName>
+                                        </p:attrNameLst>
+                                      </p:cBhvr>
+                                      <p:to>
+                                        <p:strVal val="visible"/>
+                                      </p:to>
+                                    </p:set>
+                                  </p:childTnLst>
+                                </p:cTn>
+                              </p:par>
+                            </p:childTnLst>
+                          </p:cTn>
+                        </p:par>
+                      </p:childTnLst>
+                    </p:cTn>
+                  </p:par>
+                  <p:par>
+                    <p:cTn id="15" fill="hold">
+                      <p:stCondLst>
+                        <p:cond delay="indefinite"/>
+                      </p:stCondLst>
+                      <p:childTnLst>
+                        <p:par>
+                          <p:cTn id="16" fill="hold">
+                            <p:stCondLst>
+                              <p:cond delay="0"/>
+                            </p:stCondLst>
+                            <p:childTnLst>
+                              <p:par>
+                                <p:cTn id="17" presetID="1" presetClass="exit" presetSubtype="0" fill="hold" nodeType="clickEffect">
+                                  <p:stCondLst>
+                                    <p:cond delay="0"/>
+                                  </p:stCondLst>
+                                  <p:childTnLst>
+                                    <p:set>
+                                      <p:cBhvr>
+                                        <p:cTn id="18" dur="1" fill="hold">
+                                          <p:stCondLst>
+                                            <p:cond delay="0"/>
+                                          </p:stCondLst>
+                                        </p:cTn>
+                                        <p:tgtEl>
+                                          <p:spTgt spid="7"/>
+                                        </p:tgtEl>
+                                        <p:attrNameLst>
+                                          <p:attrName>style.visibility</p:attrName>
+                                        </p:attrNameLst>
+                                      </p:cBhvr>
+                                      <p:to>
+                                        <p:strVal val="hidden"/>
+                                      </p:to>
+                                    </p:set>
+                                  </p:childTnLst>
+                                </p:cTn>
+                              </p:par>
+                            </p:childTnLst>
+                          </p:cTn>
+                        </p:par>
+                      </p:childTnLst>
+                    </p:cTn>
+                  </p:par>
+                  <p:par>
+                    <p:cTn id="19" fill="hold">
+                      <p:stCondLst>
+                        <p:cond delay="indefinite"/>
+                      </p:stCondLst>
+                      <p:childTnLst>
+                        <p:par>
+                          <p:cTn id="20" fill="hold">
+                            <p:stCondLst>
+                              <p:cond delay="0"/>
+                            </p:stCondLst>
+                            <p:childTnLst>
+                              <p:par>
+                                <p:cTn id="21" presetID="1" presetClass="entr" presetSubtype="0" fill="hold" nodeType="clickEffect">
+                                  <p:stCondLst>
+                                    <p:cond delay="0"/>
+                                  </p:stCondLst>
+                                  <p:childTnLst>
+                                    <p:set>
+                                      <p:cBhvr>
+                                        <p:cTn id="22" dur="1" fill="hold">
+                                          <p:stCondLst>
+                                            <p:cond delay="0"/>
+                                          </p:stCondLst>
+                                        </p:cTn>
+                                        <p:tgtEl>
+                                          <p:spTgt spid="35"/>
+                                        </p:tgtEl>
+                                        <p:attrNameLst>
+                                          <p:attrName>style.visibility</p:attrName>
+                                        </p:attrNameLst>
+                                      </p:cBhvr>
+                                      <p:to>
+                                        <p:strVal val="visible"/>
+                                      </p:to>
+                                    </p:set>
+                                  </p:childTnLst>
+                                </p:cTn>
+                              </p:par>
+                            </p:childTnLst>
+                          </p:cTn>
+                        </p:par>
+                      </p:childTnLst>
+                    </p:cTn>
+                  </p:par>
+                  <p:par>
+                    <p:cTn id="23" fill="hold">
+                      <p:stCondLst>
+                        <p:cond delay="indefinite"/>
+                      </p:stCondLst>
+                      <p:childTnLst>
+                        <p:par>
+                          <p:cTn id="24" fill="hold">
+                            <p:stCondLst>
+                              <p:cond delay="0"/>
+                            </p:stCondLst>
+                            <p:childTnLst>
+                              <p:par>
+                                <p:cTn id="25" presetID="1" presetClass="exit" presetSubtype="0" fill="hold" nodeType="clickEffect">
+                                  <p:stCondLst>
+                                    <p:cond delay="0"/>
+                                  </p:stCondLst>
+                                  <p:childTnLst>
+                                    <p:set>
+                                      <p:cBhvr>
+                                        <p:cTn id="26" dur="1" fill="hold">
+                                          <p:stCondLst>
+                                            <p:cond delay="0"/>
+                                          </p:stCondLst>
+                                        </p:cTn>
+                                        <p:tgtEl>
+                                          <p:spTgt spid="35"/>
+                                        </p:tgtEl>
+                                        <p:attrNameLst>
+                                          <p:attrName>style.visibility</p:attrName>
+                                        </p:attrNameLst>
+                                      </p:cBhvr>
+                                      <p:to>
+                                        <p:strVal val="hidden"/>
+                                      </p:to>
+                                    </p:set>
+                                  </p:childTnLst>
+                                </p:cTn>
+                              </p:par>
+                            </p:childTnLst>
+                          </p:cTn>
+                        </p:par>
+                      </p:childTnLst>
+                    </p:cTn>
+                  </p:par>
+                  <p:par>
+                    <p:cTn id="27" fill="hold">
+                      <p:stCondLst>
+                        <p:cond delay="indefinite"/>
+                      </p:stCondLst>
+                      <p:childTnLst>
+                        <p:par>
+                          <p:cTn id="28" fill="hold">
+                            <p:stCondLst>
+                              <p:cond delay="0"/>
+                            </p:stCondLst>
+                            <p:childTnLst>
+                              <p:par>
+                                <p:cTn id="29" presetID="1" presetClass="entr" presetSubtype="0" fill="hold" nodeType="clickEffect">
+                                  <p:stCondLst>
+                                    <p:cond delay="0"/>
+                                  </p:stCondLst>
+                                  <p:childTnLst>
+                                    <p:set>
+                                      <p:cBhvr>
+                                        <p:cTn id="30" dur="1" fill="hold">
+                                          <p:stCondLst>
+                                            <p:cond delay="0"/>
+                                          </p:stCondLst>
+                                        </p:cTn>
+                                        <p:tgtEl>
+                                          <p:spTgt spid="42"/>
+                                        </p:tgtEl>
+                                        <p:attrNameLst>
+                                          <p:attrName>style.visibility</p:attrName>
+                                        </p:attrNameLst>
+                                      </p:cBhvr>
+                                      <p:to>
+                                        <p:strVal val="visible"/>
+                                      </p:to>
+                                    </p:set>
+                                  </p:childTnLst>
+                                </p:cTn>
+                              </p:par>
+                            </p:childTnLst>
+                          </p:cTn>
+                        </p:par>
+                      </p:childTnLst>
+                    </p:cTn>
+                  </p:par>
+                  <p:par>
+                    <p:cTn id="31" fill="hold">
+                      <p:stCondLst>
+                        <p:cond delay="indefinite"/>
+                      </p:stCondLst>
+                      <p:childTnLst>
+                        <p:par>
+                          <p:cTn id="32" fill="hold">
+                            <p:stCondLst>
+                              <p:cond delay="0"/>
+                            </p:stCondLst>
+                            <p:childTnLst>
+                              <p:par>
+                                <p:cTn id="33" presetID="1" presetClass="exit" presetSubtype="0" fill="hold" nodeType="clickEffect">
+                                  <p:stCondLst>
+                                    <p:cond delay="0"/>
+                                  </p:stCondLst>
+                                  <p:childTnLst>
+                                    <p:set>
+                                      <p:cBhvr>
+                                        <p:cTn id="34" dur="1" fill="hold">
+                                          <p:stCondLst>
+                                            <p:cond delay="0"/>
+                                          </p:stCondLst>
+                                        </p:cTn>
+                                        <p:tgtEl>
+                                          <p:spTgt spid="42"/>
+                                        </p:tgtEl>
+                                        <p:attrNameLst>
+                                          <p:attrName>style.visibility</p:attrName>
+                                        </p:attrNameLst>
+                                      </p:cBhvr>
+                                      <p:to>
+                                        <p:strVal val="hidden"/>
+                                      </p:to>
+                                    </p:set>
+                                  </p:childTnLst>
+                                </p:cTn>
+                              </p:par>
+                            </p:childTnLst>
+                          </p:cTn>
+                        </p:par>
+                      </p:childTnLst>
+                    </p:cTn>
+                  </p:par>
+                  <p:par>
+                    <p:cTn id="35" fill="hold">
+                      <p:stCondLst>
+                        <p:cond delay="indefinite"/>
+                      </p:stCondLst>
+                      <p:childTnLst>
+                        <p:par>
+                          <p:cTn id="36" fill="hold">
+                            <p:stCondLst>
+                              <p:cond delay="0"/>
+                            </p:stCondLst>
+                            <p:childTnLst>
+                              <p:par>
+                                <p:cTn id="37" presetID="1" presetClass="entr" presetSubtype="0" fill="hold" nodeType="clickEffect">
+                                  <p:stCondLst>
+                                    <p:cond delay="0"/>
+                                  </p:stCondLst>
+                                  <p:childTnLst>
+                                    <p:set>
+                                      <p:cBhvr>
+                                        <p:cTn id="38" dur="1" fill="hold">
+                                          <p:stCondLst>
+                                            <p:cond delay="0"/>
+                                          </p:stCondLst>
+                                        </p:cTn>
+                                        <p:tgtEl>
+                                          <p:spTgt spid="28"/>
+                                        </p:tgtEl>
+                                        <p:attrNameLst>
+                                          <p:attrName>style.visibility</p:attrName>
+                                        </p:attrNameLst>
+                                      </p:cBhvr>
+                                      <p:to>
+                                        <p:strVal val="visible"/>
+                                      </p:to>
+                                    </p:set>
+                                  </p:childTnLst>
+                                </p:cTn>
+                              </p:par>
+                            </p:childTnLst>
+                          </p:cTn>
+                        </p:par>
+                      </p:childTnLst>
+                    </p:cTn>
+                  </p:par>
+                  <p:par>
+                    <p:cTn id="39" fill="hold">
+                      <p:stCondLst>
+                        <p:cond delay="indefinite"/>
+                      </p:stCondLst>
+                      <p:childTnLst>
+                        <p:par>
+                          <p:cTn id="40" fill="hold">
+                            <p:stCondLst>
+                              <p:cond delay="0"/>
+                            </p:stCondLst>
+                            <p:childTnLst>
+                              <p:par>
+                                <p:cTn id="41" presetID="1" presetClass="exit" presetSubtype="0" fill="hold" nodeType="clickEffect">
+                                  <p:stCondLst>
+                                    <p:cond delay="0"/>
+                                  </p:stCondLst>
+                                  <p:childTnLst>
+                                    <p:set>
+                                      <p:cBhvr>
+                                        <p:cTn id="42" dur="1" fill="hold">
+                                          <p:stCondLst>
+                                            <p:cond delay="0"/>
+                                          </p:stCondLst>
+                                        </p:cTn>
+                                        <p:tgtEl>
+                                          <p:spTgt spid="28"/>
+                                        </p:tgtEl>
+                                        <p:attrNameLst>
+                                          <p:attrName>style.visibility</p:attrName>
+                                        </p:attrNameLst>
+                                      </p:cBhvr>
+                                      <p:to>
+                                        <p:strVal val="hidden"/>
+                                      </p:to>
+                                    </p:set>
+                                  </p:childTnLst>
+                                </p:cTn>
+                              </p:par>
+                            </p:childTnLst>
+                          </p:cTn>
+                        </p:par>
+                      </p:childTnLst>
+                    </p:cTn>
+                  </p:par>
+                </p:childTnLst>
+              </p:cTn>
+              <p:prevCondLst>
+                <p:cond evt="onPrev" delay="0">
+                  <p:tgtEl>
+                    <p:sldTgt/>
+                  </p:tgtEl>
+                </p:cond>
+              </p:prevCondLst>
+              <p:nextCondLst>
+                <p:cond evt="onNext" delay="0">
+                  <p:tgtEl>
+                    <p:sldTgt/>
+                  </p:tgtEl>
+                </p:cond>
+              </p:nextCondLst>
+            </p:seq>
+          </p:childTnLst>
+        </p:cTn>
       </p:par>
     </p:tnLst>
   </p:timing>
@@ -6741,7 +10247,7 @@
       </p:grpSpPr>
       <p:sp>
         <p:nvSpPr>
-          <p:cNvPr id="2" name="Title 1"/>
+          <p:cNvPr id="5" name="Title 4"/>
           <p:cNvSpPr>
             <a:spLocks noGrp="1"/>
           </p:cNvSpPr>
@@ -6751,610 +10257,553 @@
         </p:nvSpPr>
         <p:spPr/>
         <p:txBody>
-          <a:bodyPr>
-            <a:normAutofit fontScale="90000"/>
-          </a:bodyPr>
+          <a:bodyPr/>
           <a:lstStyle/>
           <a:p>
             <a:r>
               <a:rPr lang="en-US" dirty="0" smtClean="0"/>
-              <a:t>Test Motor (remember to put on floor before execution)</a:t>
+              <a:t>Let’s talk about calibration</a:t>
             </a:r>
             <a:endParaRPr lang="en-MY" dirty="0"/>
           </a:p>
         </p:txBody>
       </p:sp>
-      <p:sp>
-        <p:nvSpPr>
-          <p:cNvPr id="3" name="Content Placeholder 2"/>
-          <p:cNvSpPr>
-            <a:spLocks noGrp="1"/>
-          </p:cNvSpPr>
-          <p:nvPr>
-            <p:ph sz="half" idx="1"/>
-          </p:nvPr>
-        </p:nvSpPr>
-        <p:spPr/>
-        <p:txBody>
-          <a:bodyPr>
-            <a:normAutofit fontScale="25000" lnSpcReduction="20000"/>
-          </a:bodyPr>
-          <a:lstStyle/>
-          <a:p>
-            <a:pPr marL="0" indent="0">
-              <a:buNone/>
-            </a:pPr>
-            <a:r>
-              <a:rPr lang="en-US" sz="5600" dirty="0"/>
-              <a:t>from alphabot2 import </a:t>
-            </a:r>
-            <a:r>
-              <a:rPr lang="en-US" sz="5600" dirty="0" err="1"/>
-              <a:t>motor,line_tracker</a:t>
-            </a:r>
-            <a:endParaRPr lang="en-US" sz="5600" dirty="0"/>
-          </a:p>
-          <a:p>
-            <a:pPr marL="0" indent="0">
-              <a:buNone/>
-            </a:pPr>
-            <a:r>
-              <a:rPr lang="en-US" sz="5600" dirty="0"/>
-              <a:t>import time</a:t>
-            </a:r>
-          </a:p>
-          <a:p>
-            <a:pPr marL="0" indent="0">
-              <a:buNone/>
-            </a:pPr>
-            <a:r>
-              <a:rPr lang="en-US" sz="5600" dirty="0"/>
-              <a:t>address = "192.168.0.100"</a:t>
-            </a:r>
-          </a:p>
-          <a:p>
-            <a:pPr marL="0" indent="0">
-              <a:buNone/>
-            </a:pPr>
-            <a:r>
-              <a:rPr lang="en-US" sz="5600" dirty="0"/>
-              <a:t>mot = </a:t>
-            </a:r>
-            <a:r>
-              <a:rPr lang="en-US" sz="5600" dirty="0" err="1"/>
-              <a:t>motor.motor</a:t>
-            </a:r>
-            <a:r>
-              <a:rPr lang="en-US" sz="5600" dirty="0"/>
-              <a:t>(address)</a:t>
-            </a:r>
-          </a:p>
-          <a:p>
-            <a:pPr marL="0" indent="0">
-              <a:buNone/>
-            </a:pPr>
-            <a:endParaRPr lang="en-US" sz="5600" dirty="0"/>
-          </a:p>
-          <a:p>
-            <a:pPr marL="0" indent="0">
-              <a:buNone/>
-            </a:pPr>
-            <a:r>
-              <a:rPr lang="en-US" sz="5600" dirty="0"/>
-              <a:t># below is the general function's parameters and range</a:t>
-            </a:r>
-          </a:p>
-          <a:p>
-            <a:pPr marL="0" indent="0">
-              <a:buNone/>
-            </a:pPr>
-            <a:r>
-              <a:rPr lang="en-US" sz="5600" dirty="0"/>
-              <a:t># </a:t>
-            </a:r>
-            <a:r>
-              <a:rPr lang="en-US" sz="5600" dirty="0" err="1"/>
-              <a:t>mot.command</a:t>
-            </a:r>
-            <a:r>
-              <a:rPr lang="en-US" sz="5600" dirty="0"/>
-              <a:t>(</a:t>
-            </a:r>
-            <a:r>
-              <a:rPr lang="en-US" sz="5600" dirty="0" err="1"/>
-              <a:t>direction,speed,duration</a:t>
-            </a:r>
-            <a:r>
-              <a:rPr lang="en-US" sz="5600" dirty="0"/>
-              <a:t>)</a:t>
-            </a:r>
-          </a:p>
-          <a:p>
-            <a:pPr marL="0" indent="0">
-              <a:buNone/>
-            </a:pPr>
-            <a:r>
-              <a:rPr lang="en-US" sz="5600" dirty="0"/>
-              <a:t># parameters:</a:t>
-            </a:r>
-          </a:p>
-          <a:p>
-            <a:pPr marL="0" indent="0">
-              <a:buNone/>
-            </a:pPr>
-            <a:r>
-              <a:rPr lang="en-US" sz="5600" dirty="0"/>
-              <a:t># direction: "forward","backward","left","right","set_left_speed","set_right_speed","stop"</a:t>
-            </a:r>
-          </a:p>
-          <a:p>
-            <a:pPr marL="0" indent="0">
-              <a:buNone/>
-            </a:pPr>
-            <a:r>
-              <a:rPr lang="en-US" sz="5600" dirty="0"/>
-              <a:t># speed: 0-100</a:t>
-            </a:r>
-          </a:p>
-          <a:p>
-            <a:pPr marL="0" indent="0">
-              <a:buNone/>
-            </a:pPr>
-            <a:r>
-              <a:rPr lang="en-US" sz="5600" dirty="0"/>
-              <a:t># duration: second</a:t>
-            </a:r>
-          </a:p>
-          <a:p>
-            <a:pPr marL="0" indent="0">
-              <a:buNone/>
-            </a:pPr>
-            <a:endParaRPr lang="en-US" sz="5600" dirty="0"/>
-          </a:p>
-          <a:p>
-            <a:pPr marL="0" indent="0">
-              <a:buNone/>
-            </a:pPr>
-            <a:r>
-              <a:rPr lang="en-US" sz="5600" dirty="0"/>
-              <a:t># run forward at 20 speed for 5 seconds</a:t>
-            </a:r>
-          </a:p>
-          <a:p>
-            <a:pPr marL="0" indent="0">
-              <a:buNone/>
-            </a:pPr>
-            <a:r>
-              <a:rPr lang="en-US" sz="5600" dirty="0" err="1"/>
-              <a:t>mot.command</a:t>
-            </a:r>
-            <a:r>
-              <a:rPr lang="en-US" sz="5600" dirty="0"/>
-              <a:t>("forward",20,5)</a:t>
-            </a:r>
-          </a:p>
-          <a:p>
-            <a:endParaRPr lang="en-MY" dirty="0"/>
-          </a:p>
-        </p:txBody>
-      </p:sp>
-      <p:sp>
-        <p:nvSpPr>
-          <p:cNvPr id="4" name="Content Placeholder 3"/>
-          <p:cNvSpPr>
-            <a:spLocks noGrp="1"/>
-          </p:cNvSpPr>
-          <p:nvPr>
-            <p:ph sz="half" idx="2"/>
-          </p:nvPr>
-        </p:nvSpPr>
-        <p:spPr/>
-        <p:txBody>
-          <a:bodyPr>
-            <a:noAutofit/>
-          </a:bodyPr>
-          <a:lstStyle/>
-          <a:p>
-            <a:pPr marL="0" indent="0">
-              <a:buNone/>
-            </a:pPr>
-            <a:r>
-              <a:rPr lang="en-US" sz="800" dirty="0" smtClean="0"/>
-              <a:t># </a:t>
-            </a:r>
-            <a:r>
-              <a:rPr lang="en-US" sz="800" dirty="0"/>
-              <a:t>set speed of left and right and ask robot to move forward</a:t>
-            </a:r>
-          </a:p>
-          <a:p>
-            <a:pPr marL="0" indent="0">
-              <a:buNone/>
-            </a:pPr>
-            <a:r>
-              <a:rPr lang="en-US" sz="800" dirty="0" err="1"/>
-              <a:t>mot.command</a:t>
-            </a:r>
-            <a:r>
-              <a:rPr lang="en-US" sz="800" dirty="0"/>
-              <a:t>("set_left_speed",10)</a:t>
-            </a:r>
-          </a:p>
-          <a:p>
-            <a:pPr marL="0" indent="0">
-              <a:buNone/>
-            </a:pPr>
-            <a:r>
-              <a:rPr lang="en-US" sz="800" dirty="0" err="1"/>
-              <a:t>mot.command</a:t>
-            </a:r>
-            <a:r>
-              <a:rPr lang="en-US" sz="800" dirty="0"/>
-              <a:t>("set_right_speed",10)</a:t>
-            </a:r>
-          </a:p>
-          <a:p>
-            <a:pPr marL="0" indent="0">
-              <a:buNone/>
-            </a:pPr>
-            <a:r>
-              <a:rPr lang="en-US" sz="800" dirty="0" err="1"/>
-              <a:t>mot.command</a:t>
-            </a:r>
-            <a:r>
-              <a:rPr lang="en-US" sz="800" dirty="0"/>
-              <a:t>("forward")</a:t>
-            </a:r>
-          </a:p>
-          <a:p>
-            <a:pPr marL="0" indent="0">
-              <a:buNone/>
-            </a:pPr>
-            <a:r>
-              <a:rPr lang="en-US" sz="800" dirty="0" err="1"/>
-              <a:t>time.sleep</a:t>
-            </a:r>
-            <a:r>
-              <a:rPr lang="en-US" sz="800" dirty="0"/>
-              <a:t>(5)</a:t>
-            </a:r>
-          </a:p>
-          <a:p>
-            <a:pPr marL="0" indent="0">
-              <a:buNone/>
-            </a:pPr>
-            <a:r>
-              <a:rPr lang="en-US" sz="800" dirty="0"/>
-              <a:t># stop moving , speed set to zero</a:t>
-            </a:r>
-          </a:p>
-          <a:p>
-            <a:pPr marL="0" indent="0">
-              <a:buNone/>
-            </a:pPr>
-            <a:r>
-              <a:rPr lang="en-US" sz="800" dirty="0" err="1"/>
-              <a:t>mot.command</a:t>
-            </a:r>
-            <a:r>
-              <a:rPr lang="en-US" sz="800" dirty="0"/>
-              <a:t>("stop")</a:t>
-            </a:r>
-          </a:p>
-          <a:p>
-            <a:pPr marL="0" indent="0">
-              <a:buNone/>
-            </a:pPr>
-            <a:r>
-              <a:rPr lang="en-US" sz="800" dirty="0" err="1"/>
-              <a:t>time.sleep</a:t>
-            </a:r>
-            <a:r>
-              <a:rPr lang="en-US" sz="800" dirty="0"/>
-              <a:t>(1)</a:t>
-            </a:r>
-          </a:p>
-          <a:p>
-            <a:pPr marL="0" indent="0">
-              <a:buNone/>
-            </a:pPr>
-            <a:endParaRPr lang="en-US" sz="800" dirty="0"/>
-          </a:p>
-          <a:p>
-            <a:pPr marL="0" indent="0">
-              <a:buNone/>
-            </a:pPr>
-            <a:r>
-              <a:rPr lang="en-US" sz="800" dirty="0"/>
-              <a:t># set speed of left and right and ask robot to move backward</a:t>
-            </a:r>
-          </a:p>
-          <a:p>
-            <a:pPr marL="0" indent="0">
-              <a:buNone/>
-            </a:pPr>
-            <a:r>
-              <a:rPr lang="en-US" sz="800" dirty="0" err="1"/>
-              <a:t>mot.command</a:t>
-            </a:r>
-            <a:r>
-              <a:rPr lang="en-US" sz="800" dirty="0"/>
-              <a:t>("set_left_speed",10)</a:t>
-            </a:r>
-          </a:p>
-          <a:p>
-            <a:pPr marL="0" indent="0">
-              <a:buNone/>
-            </a:pPr>
-            <a:r>
-              <a:rPr lang="en-US" sz="800" dirty="0" err="1"/>
-              <a:t>mot.command</a:t>
-            </a:r>
-            <a:r>
-              <a:rPr lang="en-US" sz="800" dirty="0"/>
-              <a:t>("set_right_speed",10)</a:t>
-            </a:r>
-          </a:p>
-          <a:p>
-            <a:pPr marL="0" indent="0">
-              <a:buNone/>
-            </a:pPr>
-            <a:r>
-              <a:rPr lang="en-US" sz="800" dirty="0" err="1"/>
-              <a:t>mot.command</a:t>
-            </a:r>
-            <a:r>
-              <a:rPr lang="en-US" sz="800" dirty="0"/>
-              <a:t>("backward")</a:t>
-            </a:r>
-          </a:p>
-          <a:p>
-            <a:pPr marL="0" indent="0">
-              <a:buNone/>
-            </a:pPr>
-            <a:r>
-              <a:rPr lang="en-US" sz="800" dirty="0" err="1"/>
-              <a:t>time.sleep</a:t>
-            </a:r>
-            <a:r>
-              <a:rPr lang="en-US" sz="800" dirty="0"/>
-              <a:t>(5)</a:t>
-            </a:r>
-          </a:p>
-          <a:p>
-            <a:pPr marL="0" indent="0">
-              <a:buNone/>
-            </a:pPr>
-            <a:r>
-              <a:rPr lang="en-US" sz="800" dirty="0" err="1"/>
-              <a:t>mot.command</a:t>
-            </a:r>
-            <a:r>
-              <a:rPr lang="en-US" sz="800" dirty="0"/>
-              <a:t>("stop")</a:t>
-            </a:r>
-          </a:p>
-          <a:p>
-            <a:pPr marL="0" indent="0">
-              <a:buNone/>
-            </a:pPr>
-            <a:r>
-              <a:rPr lang="en-US" sz="800" dirty="0" err="1"/>
-              <a:t>time.sleep</a:t>
-            </a:r>
-            <a:r>
-              <a:rPr lang="en-US" sz="800" dirty="0"/>
-              <a:t>(1)</a:t>
-            </a:r>
-          </a:p>
-          <a:p>
-            <a:pPr marL="0" indent="0">
-              <a:buNone/>
-            </a:pPr>
-            <a:endParaRPr lang="en-US" sz="800" dirty="0"/>
-          </a:p>
-          <a:p>
-            <a:pPr marL="0" indent="0">
-              <a:buNone/>
-            </a:pPr>
-            <a:r>
-              <a:rPr lang="en-US" sz="800" dirty="0"/>
-              <a:t># spin turn  </a:t>
-            </a:r>
-          </a:p>
-          <a:p>
-            <a:pPr marL="0" indent="0">
-              <a:buNone/>
-            </a:pPr>
-            <a:r>
-              <a:rPr lang="en-US" sz="800" dirty="0" err="1"/>
-              <a:t>mot.command</a:t>
-            </a:r>
-            <a:r>
-              <a:rPr lang="en-US" sz="800" dirty="0"/>
-              <a:t>("set_left_speed",10)</a:t>
-            </a:r>
-          </a:p>
-          <a:p>
-            <a:pPr marL="0" indent="0">
-              <a:buNone/>
-            </a:pPr>
-            <a:r>
-              <a:rPr lang="en-US" sz="800" dirty="0" err="1"/>
-              <a:t>mot.command</a:t>
-            </a:r>
-            <a:r>
-              <a:rPr lang="en-US" sz="800" dirty="0"/>
-              <a:t>("set_right_speed",10)</a:t>
-            </a:r>
-          </a:p>
-          <a:p>
-            <a:pPr marL="0" indent="0">
-              <a:buNone/>
-            </a:pPr>
-            <a:r>
-              <a:rPr lang="en-US" sz="800" dirty="0" err="1"/>
-              <a:t>mot.command</a:t>
-            </a:r>
-            <a:r>
-              <a:rPr lang="en-US" sz="800" dirty="0"/>
-              <a:t>("left")</a:t>
-            </a:r>
-          </a:p>
-          <a:p>
-            <a:pPr marL="0" indent="0">
-              <a:buNone/>
-            </a:pPr>
-            <a:r>
-              <a:rPr lang="en-US" sz="800" dirty="0" err="1"/>
-              <a:t>time.sleep</a:t>
-            </a:r>
-            <a:r>
-              <a:rPr lang="en-US" sz="800" dirty="0"/>
-              <a:t>(5)</a:t>
-            </a:r>
-          </a:p>
-          <a:p>
-            <a:pPr marL="0" indent="0">
-              <a:buNone/>
-            </a:pPr>
-            <a:r>
-              <a:rPr lang="en-US" sz="800" dirty="0" err="1"/>
-              <a:t>mot.command</a:t>
-            </a:r>
-            <a:r>
-              <a:rPr lang="en-US" sz="800" dirty="0"/>
-              <a:t>("stop")</a:t>
-            </a:r>
-          </a:p>
-          <a:p>
-            <a:pPr marL="0" indent="0">
-              <a:buNone/>
-            </a:pPr>
-            <a:r>
-              <a:rPr lang="en-US" sz="800" dirty="0" err="1"/>
-              <a:t>time.sleep</a:t>
-            </a:r>
-            <a:r>
-              <a:rPr lang="en-US" sz="800" dirty="0"/>
-              <a:t>(1)</a:t>
-            </a:r>
-          </a:p>
-          <a:p>
-            <a:pPr marL="0" indent="0">
-              <a:buNone/>
-            </a:pPr>
-            <a:endParaRPr lang="en-US" sz="800" dirty="0"/>
-          </a:p>
-          <a:p>
-            <a:pPr marL="0" indent="0">
-              <a:buNone/>
-            </a:pPr>
-            <a:r>
-              <a:rPr lang="en-US" sz="800" dirty="0"/>
-              <a:t># spin turn </a:t>
-            </a:r>
-          </a:p>
-          <a:p>
-            <a:pPr marL="0" indent="0">
-              <a:buNone/>
-            </a:pPr>
-            <a:r>
-              <a:rPr lang="en-US" sz="800" dirty="0" err="1"/>
-              <a:t>mot.command</a:t>
-            </a:r>
-            <a:r>
-              <a:rPr lang="en-US" sz="800" dirty="0"/>
-              <a:t>("set_left_speed",10)</a:t>
-            </a:r>
-          </a:p>
-          <a:p>
-            <a:pPr marL="0" indent="0">
-              <a:buNone/>
-            </a:pPr>
-            <a:r>
-              <a:rPr lang="en-US" sz="800" dirty="0" err="1"/>
-              <a:t>mot.command</a:t>
-            </a:r>
-            <a:r>
-              <a:rPr lang="en-US" sz="800" dirty="0"/>
-              <a:t>("set_right_speed",10)</a:t>
-            </a:r>
-          </a:p>
-          <a:p>
-            <a:pPr marL="0" indent="0">
-              <a:buNone/>
-            </a:pPr>
-            <a:r>
-              <a:rPr lang="en-US" sz="800" dirty="0" err="1"/>
-              <a:t>mot.command</a:t>
-            </a:r>
-            <a:r>
-              <a:rPr lang="en-US" sz="800" dirty="0"/>
-              <a:t>("right")</a:t>
-            </a:r>
-          </a:p>
-          <a:p>
-            <a:pPr marL="0" indent="0">
-              <a:buNone/>
-            </a:pPr>
-            <a:r>
-              <a:rPr lang="en-US" sz="800" dirty="0" err="1"/>
-              <a:t>time.sleep</a:t>
-            </a:r>
-            <a:r>
-              <a:rPr lang="en-US" sz="800" dirty="0"/>
-              <a:t>(5)</a:t>
-            </a:r>
-          </a:p>
-          <a:p>
-            <a:pPr marL="0" indent="0">
-              <a:buNone/>
-            </a:pPr>
-            <a:r>
-              <a:rPr lang="en-US" sz="800" dirty="0" err="1"/>
-              <a:t>mot.command</a:t>
-            </a:r>
-            <a:r>
-              <a:rPr lang="en-US" sz="800" dirty="0"/>
-              <a:t>("stop")</a:t>
-            </a:r>
-          </a:p>
-          <a:p>
-            <a:pPr marL="0" indent="0">
-              <a:buNone/>
-            </a:pPr>
-            <a:endParaRPr lang="en-US" sz="800" dirty="0"/>
-          </a:p>
-          <a:p>
-            <a:pPr marL="0" indent="0">
-              <a:buNone/>
-            </a:pPr>
-            <a:r>
-              <a:rPr lang="en-US" sz="800" dirty="0"/>
-              <a:t># remember to stop the socket connection</a:t>
-            </a:r>
-          </a:p>
-          <a:p>
-            <a:pPr marL="0" indent="0">
-              <a:buNone/>
-            </a:pPr>
-            <a:r>
-              <a:rPr lang="en-US" sz="800" dirty="0" err="1"/>
-              <a:t>mot.stop</a:t>
-            </a:r>
-            <a:r>
-              <a:rPr lang="en-US" sz="800" dirty="0"/>
-              <a:t>()</a:t>
-            </a:r>
-            <a:endParaRPr lang="en-MY" sz="800" dirty="0"/>
-          </a:p>
-        </p:txBody>
-      </p:sp>
+      <p:grpSp>
+        <p:nvGrpSpPr>
+          <p:cNvPr id="14" name="Group 13"/>
+          <p:cNvGrpSpPr/>
+          <p:nvPr/>
+        </p:nvGrpSpPr>
+        <p:grpSpPr>
+          <a:xfrm>
+            <a:off x="1932542" y="2362200"/>
+            <a:ext cx="5181600" cy="1219200"/>
+            <a:chOff x="-2205037" y="1524000"/>
+            <a:chExt cx="1295400" cy="304800"/>
+          </a:xfrm>
+        </p:grpSpPr>
+        <p:sp>
+          <p:nvSpPr>
+            <p:cNvPr id="15" name="Rectangle 14"/>
+            <p:cNvSpPr/>
+            <p:nvPr/>
+          </p:nvSpPr>
+          <p:spPr>
+            <a:xfrm>
+              <a:off x="-2205037" y="1524000"/>
+              <a:ext cx="1295400" cy="304800"/>
+            </a:xfrm>
+            <a:prstGeom prst="rect">
+              <a:avLst/>
+            </a:prstGeom>
+            <a:noFill/>
+          </p:spPr>
+          <p:style>
+            <a:lnRef idx="2">
+              <a:schemeClr val="dk1">
+                <a:shade val="50000"/>
+              </a:schemeClr>
+            </a:lnRef>
+            <a:fillRef idx="1">
+              <a:schemeClr val="dk1"/>
+            </a:fillRef>
+            <a:effectRef idx="0">
+              <a:schemeClr val="dk1"/>
+            </a:effectRef>
+            <a:fontRef idx="minor">
+              <a:schemeClr val="lt1"/>
+            </a:fontRef>
+          </p:style>
+          <p:txBody>
+            <a:bodyPr rtlCol="0" anchor="ctr"/>
+            <a:lstStyle/>
+            <a:p>
+              <a:pPr algn="ctr"/>
+              <a:endParaRPr lang="en-MY"/>
+            </a:p>
+          </p:txBody>
+        </p:sp>
+        <p:sp>
+          <p:nvSpPr>
+            <p:cNvPr id="16" name="Oval 15"/>
+            <p:cNvSpPr/>
+            <p:nvPr/>
+          </p:nvSpPr>
+          <p:spPr>
+            <a:xfrm>
+              <a:off x="-2095500" y="1600200"/>
+              <a:ext cx="152400" cy="152400"/>
+            </a:xfrm>
+            <a:prstGeom prst="ellipse">
+              <a:avLst/>
+            </a:prstGeom>
+            <a:noFill/>
+          </p:spPr>
+          <p:style>
+            <a:lnRef idx="2">
+              <a:schemeClr val="accent1">
+                <a:shade val="50000"/>
+              </a:schemeClr>
+            </a:lnRef>
+            <a:fillRef idx="1">
+              <a:schemeClr val="accent1"/>
+            </a:fillRef>
+            <a:effectRef idx="0">
+              <a:schemeClr val="accent1"/>
+            </a:effectRef>
+            <a:fontRef idx="minor">
+              <a:schemeClr val="lt1"/>
+            </a:fontRef>
+          </p:style>
+          <p:txBody>
+            <a:bodyPr rtlCol="0" anchor="ctr"/>
+            <a:lstStyle/>
+            <a:p>
+              <a:pPr algn="ctr"/>
+              <a:endParaRPr lang="en-MY"/>
+            </a:p>
+          </p:txBody>
+        </p:sp>
+        <p:sp>
+          <p:nvSpPr>
+            <p:cNvPr id="17" name="Oval 16"/>
+            <p:cNvSpPr/>
+            <p:nvPr/>
+          </p:nvSpPr>
+          <p:spPr>
+            <a:xfrm>
+              <a:off x="-1866900" y="1600200"/>
+              <a:ext cx="152400" cy="152400"/>
+            </a:xfrm>
+            <a:prstGeom prst="ellipse">
+              <a:avLst/>
+            </a:prstGeom>
+            <a:noFill/>
+          </p:spPr>
+          <p:style>
+            <a:lnRef idx="2">
+              <a:schemeClr val="accent1">
+                <a:shade val="50000"/>
+              </a:schemeClr>
+            </a:lnRef>
+            <a:fillRef idx="1">
+              <a:schemeClr val="accent1"/>
+            </a:fillRef>
+            <a:effectRef idx="0">
+              <a:schemeClr val="accent1"/>
+            </a:effectRef>
+            <a:fontRef idx="minor">
+              <a:schemeClr val="lt1"/>
+            </a:fontRef>
+          </p:style>
+          <p:txBody>
+            <a:bodyPr rtlCol="0" anchor="ctr"/>
+            <a:lstStyle/>
+            <a:p>
+              <a:pPr algn="ctr"/>
+              <a:endParaRPr lang="en-MY"/>
+            </a:p>
+          </p:txBody>
+        </p:sp>
+        <p:sp>
+          <p:nvSpPr>
+            <p:cNvPr id="18" name="Oval 17"/>
+            <p:cNvSpPr/>
+            <p:nvPr/>
+          </p:nvSpPr>
+          <p:spPr>
+            <a:xfrm>
+              <a:off x="-1638300" y="1600200"/>
+              <a:ext cx="152400" cy="152400"/>
+            </a:xfrm>
+            <a:prstGeom prst="ellipse">
+              <a:avLst/>
+            </a:prstGeom>
+            <a:noFill/>
+          </p:spPr>
+          <p:style>
+            <a:lnRef idx="2">
+              <a:schemeClr val="accent1">
+                <a:shade val="50000"/>
+              </a:schemeClr>
+            </a:lnRef>
+            <a:fillRef idx="1">
+              <a:schemeClr val="accent1"/>
+            </a:fillRef>
+            <a:effectRef idx="0">
+              <a:schemeClr val="accent1"/>
+            </a:effectRef>
+            <a:fontRef idx="minor">
+              <a:schemeClr val="lt1"/>
+            </a:fontRef>
+          </p:style>
+          <p:txBody>
+            <a:bodyPr rtlCol="0" anchor="ctr"/>
+            <a:lstStyle/>
+            <a:p>
+              <a:pPr algn="ctr"/>
+              <a:endParaRPr lang="en-MY"/>
+            </a:p>
+          </p:txBody>
+        </p:sp>
+        <p:sp>
+          <p:nvSpPr>
+            <p:cNvPr id="19" name="Oval 18"/>
+            <p:cNvSpPr/>
+            <p:nvPr/>
+          </p:nvSpPr>
+          <p:spPr>
+            <a:xfrm>
+              <a:off x="-1409700" y="1600200"/>
+              <a:ext cx="152400" cy="152400"/>
+            </a:xfrm>
+            <a:prstGeom prst="ellipse">
+              <a:avLst/>
+            </a:prstGeom>
+            <a:noFill/>
+          </p:spPr>
+          <p:style>
+            <a:lnRef idx="2">
+              <a:schemeClr val="accent1">
+                <a:shade val="50000"/>
+              </a:schemeClr>
+            </a:lnRef>
+            <a:fillRef idx="1">
+              <a:schemeClr val="accent1"/>
+            </a:fillRef>
+            <a:effectRef idx="0">
+              <a:schemeClr val="accent1"/>
+            </a:effectRef>
+            <a:fontRef idx="minor">
+              <a:schemeClr val="lt1"/>
+            </a:fontRef>
+          </p:style>
+          <p:txBody>
+            <a:bodyPr rtlCol="0" anchor="ctr"/>
+            <a:lstStyle/>
+            <a:p>
+              <a:pPr algn="ctr"/>
+              <a:endParaRPr lang="en-MY"/>
+            </a:p>
+          </p:txBody>
+        </p:sp>
+        <p:sp>
+          <p:nvSpPr>
+            <p:cNvPr id="20" name="Oval 19"/>
+            <p:cNvSpPr/>
+            <p:nvPr/>
+          </p:nvSpPr>
+          <p:spPr>
+            <a:xfrm>
+              <a:off x="-1181100" y="1600200"/>
+              <a:ext cx="152400" cy="152400"/>
+            </a:xfrm>
+            <a:prstGeom prst="ellipse">
+              <a:avLst/>
+            </a:prstGeom>
+            <a:noFill/>
+          </p:spPr>
+          <p:style>
+            <a:lnRef idx="2">
+              <a:schemeClr val="accent1">
+                <a:shade val="50000"/>
+              </a:schemeClr>
+            </a:lnRef>
+            <a:fillRef idx="1">
+              <a:schemeClr val="accent1"/>
+            </a:fillRef>
+            <a:effectRef idx="0">
+              <a:schemeClr val="accent1"/>
+            </a:effectRef>
+            <a:fontRef idx="minor">
+              <a:schemeClr val="lt1"/>
+            </a:fontRef>
+          </p:style>
+          <p:txBody>
+            <a:bodyPr rtlCol="0" anchor="ctr"/>
+            <a:lstStyle/>
+            <a:p>
+              <a:pPr algn="ctr"/>
+              <a:endParaRPr lang="en-MY"/>
+            </a:p>
+          </p:txBody>
+        </p:sp>
+      </p:grpSp>
+      <p:grpSp>
+        <p:nvGrpSpPr>
+          <p:cNvPr id="21" name="Group 20"/>
+          <p:cNvGrpSpPr/>
+          <p:nvPr/>
+        </p:nvGrpSpPr>
+        <p:grpSpPr>
+          <a:xfrm>
+            <a:off x="1913490" y="4267200"/>
+            <a:ext cx="5181600" cy="1219200"/>
+            <a:chOff x="-2205037" y="1524000"/>
+            <a:chExt cx="1295400" cy="304800"/>
+          </a:xfrm>
+        </p:grpSpPr>
+        <p:sp>
+          <p:nvSpPr>
+            <p:cNvPr id="22" name="Rectangle 21"/>
+            <p:cNvSpPr/>
+            <p:nvPr/>
+          </p:nvSpPr>
+          <p:spPr>
+            <a:xfrm>
+              <a:off x="-2205037" y="1524000"/>
+              <a:ext cx="1295400" cy="304800"/>
+            </a:xfrm>
+            <a:prstGeom prst="rect">
+              <a:avLst/>
+            </a:prstGeom>
+            <a:noFill/>
+          </p:spPr>
+          <p:style>
+            <a:lnRef idx="2">
+              <a:schemeClr val="dk1">
+                <a:shade val="50000"/>
+              </a:schemeClr>
+            </a:lnRef>
+            <a:fillRef idx="1">
+              <a:schemeClr val="dk1"/>
+            </a:fillRef>
+            <a:effectRef idx="0">
+              <a:schemeClr val="dk1"/>
+            </a:effectRef>
+            <a:fontRef idx="minor">
+              <a:schemeClr val="lt1"/>
+            </a:fontRef>
+          </p:style>
+          <p:txBody>
+            <a:bodyPr rtlCol="0" anchor="ctr"/>
+            <a:lstStyle/>
+            <a:p>
+              <a:pPr algn="ctr"/>
+              <a:endParaRPr lang="en-MY"/>
+            </a:p>
+          </p:txBody>
+        </p:sp>
+        <p:sp>
+          <p:nvSpPr>
+            <p:cNvPr id="23" name="Oval 22"/>
+            <p:cNvSpPr/>
+            <p:nvPr/>
+          </p:nvSpPr>
+          <p:spPr>
+            <a:xfrm>
+              <a:off x="-2095500" y="1600200"/>
+              <a:ext cx="152400" cy="152400"/>
+            </a:xfrm>
+            <a:prstGeom prst="ellipse">
+              <a:avLst/>
+            </a:prstGeom>
+            <a:solidFill>
+              <a:schemeClr val="tx1"/>
+            </a:solidFill>
+          </p:spPr>
+          <p:style>
+            <a:lnRef idx="2">
+              <a:schemeClr val="accent1">
+                <a:shade val="50000"/>
+              </a:schemeClr>
+            </a:lnRef>
+            <a:fillRef idx="1">
+              <a:schemeClr val="accent1"/>
+            </a:fillRef>
+            <a:effectRef idx="0">
+              <a:schemeClr val="accent1"/>
+            </a:effectRef>
+            <a:fontRef idx="minor">
+              <a:schemeClr val="lt1"/>
+            </a:fontRef>
+          </p:style>
+          <p:txBody>
+            <a:bodyPr rtlCol="0" anchor="ctr"/>
+            <a:lstStyle/>
+            <a:p>
+              <a:pPr algn="ctr"/>
+              <a:endParaRPr lang="en-MY"/>
+            </a:p>
+          </p:txBody>
+        </p:sp>
+        <p:sp>
+          <p:nvSpPr>
+            <p:cNvPr id="24" name="Oval 23"/>
+            <p:cNvSpPr/>
+            <p:nvPr/>
+          </p:nvSpPr>
+          <p:spPr>
+            <a:xfrm>
+              <a:off x="-1866900" y="1600200"/>
+              <a:ext cx="152400" cy="152400"/>
+            </a:xfrm>
+            <a:prstGeom prst="ellipse">
+              <a:avLst/>
+            </a:prstGeom>
+            <a:solidFill>
+              <a:schemeClr val="tx1"/>
+            </a:solidFill>
+          </p:spPr>
+          <p:style>
+            <a:lnRef idx="2">
+              <a:schemeClr val="accent1">
+                <a:shade val="50000"/>
+              </a:schemeClr>
+            </a:lnRef>
+            <a:fillRef idx="1">
+              <a:schemeClr val="accent1"/>
+            </a:fillRef>
+            <a:effectRef idx="0">
+              <a:schemeClr val="accent1"/>
+            </a:effectRef>
+            <a:fontRef idx="minor">
+              <a:schemeClr val="lt1"/>
+            </a:fontRef>
+          </p:style>
+          <p:txBody>
+            <a:bodyPr rtlCol="0" anchor="ctr"/>
+            <a:lstStyle/>
+            <a:p>
+              <a:pPr algn="ctr"/>
+              <a:endParaRPr lang="en-MY"/>
+            </a:p>
+          </p:txBody>
+        </p:sp>
+        <p:sp>
+          <p:nvSpPr>
+            <p:cNvPr id="25" name="Oval 24"/>
+            <p:cNvSpPr/>
+            <p:nvPr/>
+          </p:nvSpPr>
+          <p:spPr>
+            <a:xfrm>
+              <a:off x="-1638300" y="1600200"/>
+              <a:ext cx="152400" cy="152400"/>
+            </a:xfrm>
+            <a:prstGeom prst="ellipse">
+              <a:avLst/>
+            </a:prstGeom>
+            <a:solidFill>
+              <a:schemeClr val="tx1"/>
+            </a:solidFill>
+          </p:spPr>
+          <p:style>
+            <a:lnRef idx="2">
+              <a:schemeClr val="accent1">
+                <a:shade val="50000"/>
+              </a:schemeClr>
+            </a:lnRef>
+            <a:fillRef idx="1">
+              <a:schemeClr val="accent1"/>
+            </a:fillRef>
+            <a:effectRef idx="0">
+              <a:schemeClr val="accent1"/>
+            </a:effectRef>
+            <a:fontRef idx="minor">
+              <a:schemeClr val="lt1"/>
+            </a:fontRef>
+          </p:style>
+          <p:txBody>
+            <a:bodyPr rtlCol="0" anchor="ctr"/>
+            <a:lstStyle/>
+            <a:p>
+              <a:pPr algn="ctr"/>
+              <a:endParaRPr lang="en-MY"/>
+            </a:p>
+          </p:txBody>
+        </p:sp>
+        <p:sp>
+          <p:nvSpPr>
+            <p:cNvPr id="26" name="Oval 25"/>
+            <p:cNvSpPr/>
+            <p:nvPr/>
+          </p:nvSpPr>
+          <p:spPr>
+            <a:xfrm>
+              <a:off x="-1409700" y="1600200"/>
+              <a:ext cx="152400" cy="152400"/>
+            </a:xfrm>
+            <a:prstGeom prst="ellipse">
+              <a:avLst/>
+            </a:prstGeom>
+            <a:solidFill>
+              <a:schemeClr val="tx1"/>
+            </a:solidFill>
+          </p:spPr>
+          <p:style>
+            <a:lnRef idx="2">
+              <a:schemeClr val="accent1">
+                <a:shade val="50000"/>
+              </a:schemeClr>
+            </a:lnRef>
+            <a:fillRef idx="1">
+              <a:schemeClr val="accent1"/>
+            </a:fillRef>
+            <a:effectRef idx="0">
+              <a:schemeClr val="accent1"/>
+            </a:effectRef>
+            <a:fontRef idx="minor">
+              <a:schemeClr val="lt1"/>
+            </a:fontRef>
+          </p:style>
+          <p:txBody>
+            <a:bodyPr rtlCol="0" anchor="ctr"/>
+            <a:lstStyle/>
+            <a:p>
+              <a:pPr algn="ctr"/>
+              <a:endParaRPr lang="en-MY"/>
+            </a:p>
+          </p:txBody>
+        </p:sp>
+        <p:sp>
+          <p:nvSpPr>
+            <p:cNvPr id="27" name="Oval 26"/>
+            <p:cNvSpPr/>
+            <p:nvPr/>
+          </p:nvSpPr>
+          <p:spPr>
+            <a:xfrm>
+              <a:off x="-1181100" y="1600200"/>
+              <a:ext cx="152400" cy="152400"/>
+            </a:xfrm>
+            <a:prstGeom prst="ellipse">
+              <a:avLst/>
+            </a:prstGeom>
+            <a:solidFill>
+              <a:schemeClr val="tx1"/>
+            </a:solidFill>
+          </p:spPr>
+          <p:style>
+            <a:lnRef idx="2">
+              <a:schemeClr val="accent1">
+                <a:shade val="50000"/>
+              </a:schemeClr>
+            </a:lnRef>
+            <a:fillRef idx="1">
+              <a:schemeClr val="accent1"/>
+            </a:fillRef>
+            <a:effectRef idx="0">
+              <a:schemeClr val="accent1"/>
+            </a:effectRef>
+            <a:fontRef idx="minor">
+              <a:schemeClr val="lt1"/>
+            </a:fontRef>
+          </p:style>
+          <p:txBody>
+            <a:bodyPr rtlCol="0" anchor="ctr"/>
+            <a:lstStyle/>
+            <a:p>
+              <a:pPr algn="ctr"/>
+              <a:endParaRPr lang="en-MY"/>
+            </a:p>
+          </p:txBody>
+        </p:sp>
+      </p:grpSp>
     </p:spTree>
     <p:extLst>
       <p:ext uri="{BB962C8B-B14F-4D97-AF65-F5344CB8AC3E}">
-        <p14:creationId xmlns:p14="http://schemas.microsoft.com/office/powerpoint/2010/main" val="48530488"/>
+        <p14:creationId xmlns:p14="http://schemas.microsoft.com/office/powerpoint/2010/main" val="3178127166"/>
       </p:ext>
     </p:extLst>
   </p:cSld>
@@ -7652,4 +11101,289 @@
   <a:objectDefaults/>
   <a:extraClrSchemeLst/>
 </a:theme>
+</file>
+
+<file path=ppt/theme/theme2.xml><?xml version="1.0" encoding="utf-8"?>
+<a:theme xmlns:a="http://schemas.openxmlformats.org/drawingml/2006/main" name="Office Theme">
+  <a:themeElements>
+    <a:clrScheme name="Office">
+      <a:dk1>
+        <a:sysClr val="windowText" lastClr="000000"/>
+      </a:dk1>
+      <a:lt1>
+        <a:sysClr val="window" lastClr="FFFFFF"/>
+      </a:lt1>
+      <a:dk2>
+        <a:srgbClr val="1F497D"/>
+      </a:dk2>
+      <a:lt2>
+        <a:srgbClr val="EEECE1"/>
+      </a:lt2>
+      <a:accent1>
+        <a:srgbClr val="4F81BD"/>
+      </a:accent1>
+      <a:accent2>
+        <a:srgbClr val="C0504D"/>
+      </a:accent2>
+      <a:accent3>
+        <a:srgbClr val="9BBB59"/>
+      </a:accent3>
+      <a:accent4>
+        <a:srgbClr val="8064A2"/>
+      </a:accent4>
+      <a:accent5>
+        <a:srgbClr val="4BACC6"/>
+      </a:accent5>
+      <a:accent6>
+        <a:srgbClr val="F79646"/>
+      </a:accent6>
+      <a:hlink>
+        <a:srgbClr val="0000FF"/>
+      </a:hlink>
+      <a:folHlink>
+        <a:srgbClr val="800080"/>
+      </a:folHlink>
+    </a:clrScheme>
+    <a:fontScheme name="Office">
+      <a:majorFont>
+        <a:latin typeface="Calibri"/>
+        <a:ea typeface=""/>
+        <a:cs typeface=""/>
+        <a:font script="Jpan" typeface="ＭＳ Ｐゴシック"/>
+        <a:font script="Hang" typeface="맑은 고딕"/>
+        <a:font script="Hans" typeface="宋体"/>
+        <a:font script="Hant" typeface="新細明體"/>
+        <a:font script="Arab" typeface="Times New Roman"/>
+        <a:font script="Hebr" typeface="Times New Roman"/>
+        <a:font script="Thai" typeface="Angsana New"/>
+        <a:font script="Ethi" typeface="Nyala"/>
+        <a:font script="Beng" typeface="Vrinda"/>
+        <a:font script="Gujr" typeface="Shruti"/>
+        <a:font script="Khmr" typeface="MoolBoran"/>
+        <a:font script="Knda" typeface="Tunga"/>
+        <a:font script="Guru" typeface="Raavi"/>
+        <a:font script="Cans" typeface="Euphemia"/>
+        <a:font script="Cher" typeface="Plantagenet Cherokee"/>
+        <a:font script="Yiii" typeface="Microsoft Yi Baiti"/>
+        <a:font script="Tibt" typeface="Microsoft Himalaya"/>
+        <a:font script="Thaa" typeface="MV Boli"/>
+        <a:font script="Deva" typeface="Mangal"/>
+        <a:font script="Telu" typeface="Gautami"/>
+        <a:font script="Taml" typeface="Latha"/>
+        <a:font script="Syrc" typeface="Estrangelo Edessa"/>
+        <a:font script="Orya" typeface="Kalinga"/>
+        <a:font script="Mlym" typeface="Kartika"/>
+        <a:font script="Laoo" typeface="DokChampa"/>
+        <a:font script="Sinh" typeface="Iskoola Pota"/>
+        <a:font script="Mong" typeface="Mongolian Baiti"/>
+        <a:font script="Viet" typeface="Times New Roman"/>
+        <a:font script="Uigh" typeface="Microsoft Uighur"/>
+        <a:font script="Geor" typeface="Sylfaen"/>
+      </a:majorFont>
+      <a:minorFont>
+        <a:latin typeface="Calibri"/>
+        <a:ea typeface=""/>
+        <a:cs typeface=""/>
+        <a:font script="Jpan" typeface="ＭＳ Ｐゴシック"/>
+        <a:font script="Hang" typeface="맑은 고딕"/>
+        <a:font script="Hans" typeface="宋体"/>
+        <a:font script="Hant" typeface="新細明體"/>
+        <a:font script="Arab" typeface="Arial"/>
+        <a:font script="Hebr" typeface="Arial"/>
+        <a:font script="Thai" typeface="Cordia New"/>
+        <a:font script="Ethi" typeface="Nyala"/>
+        <a:font script="Beng" typeface="Vrinda"/>
+        <a:font script="Gujr" typeface="Shruti"/>
+        <a:font script="Khmr" typeface="DaunPenh"/>
+        <a:font script="Knda" typeface="Tunga"/>
+        <a:font script="Guru" typeface="Raavi"/>
+        <a:font script="Cans" typeface="Euphemia"/>
+        <a:font script="Cher" typeface="Plantagenet Cherokee"/>
+        <a:font script="Yiii" typeface="Microsoft Yi Baiti"/>
+        <a:font script="Tibt" typeface="Microsoft Himalaya"/>
+        <a:font script="Thaa" typeface="MV Boli"/>
+        <a:font script="Deva" typeface="Mangal"/>
+        <a:font script="Telu" typeface="Gautami"/>
+        <a:font script="Taml" typeface="Latha"/>
+        <a:font script="Syrc" typeface="Estrangelo Edessa"/>
+        <a:font script="Orya" typeface="Kalinga"/>
+        <a:font script="Mlym" typeface="Kartika"/>
+        <a:font script="Laoo" typeface="DokChampa"/>
+        <a:font script="Sinh" typeface="Iskoola Pota"/>
+        <a:font script="Mong" typeface="Mongolian Baiti"/>
+        <a:font script="Viet" typeface="Arial"/>
+        <a:font script="Uigh" typeface="Microsoft Uighur"/>
+        <a:font script="Geor" typeface="Sylfaen"/>
+      </a:minorFont>
+    </a:fontScheme>
+    <a:fmtScheme name="Office">
+      <a:fillStyleLst>
+        <a:solidFill>
+          <a:schemeClr val="phClr"/>
+        </a:solidFill>
+        <a:gradFill rotWithShape="1">
+          <a:gsLst>
+            <a:gs pos="0">
+              <a:schemeClr val="phClr">
+                <a:tint val="50000"/>
+                <a:satMod val="300000"/>
+              </a:schemeClr>
+            </a:gs>
+            <a:gs pos="35000">
+              <a:schemeClr val="phClr">
+                <a:tint val="37000"/>
+                <a:satMod val="300000"/>
+              </a:schemeClr>
+            </a:gs>
+            <a:gs pos="100000">
+              <a:schemeClr val="phClr">
+                <a:tint val="15000"/>
+                <a:satMod val="350000"/>
+              </a:schemeClr>
+            </a:gs>
+          </a:gsLst>
+          <a:lin ang="16200000" scaled="1"/>
+        </a:gradFill>
+        <a:gradFill rotWithShape="1">
+          <a:gsLst>
+            <a:gs pos="0">
+              <a:schemeClr val="phClr">
+                <a:shade val="51000"/>
+                <a:satMod val="130000"/>
+              </a:schemeClr>
+            </a:gs>
+            <a:gs pos="80000">
+              <a:schemeClr val="phClr">
+                <a:shade val="93000"/>
+                <a:satMod val="130000"/>
+              </a:schemeClr>
+            </a:gs>
+            <a:gs pos="100000">
+              <a:schemeClr val="phClr">
+                <a:shade val="94000"/>
+                <a:satMod val="135000"/>
+              </a:schemeClr>
+            </a:gs>
+          </a:gsLst>
+          <a:lin ang="16200000" scaled="0"/>
+        </a:gradFill>
+      </a:fillStyleLst>
+      <a:lnStyleLst>
+        <a:ln w="9525" cap="flat" cmpd="sng" algn="ctr">
+          <a:solidFill>
+            <a:schemeClr val="phClr">
+              <a:shade val="95000"/>
+              <a:satMod val="105000"/>
+            </a:schemeClr>
+          </a:solidFill>
+          <a:prstDash val="solid"/>
+        </a:ln>
+        <a:ln w="25400" cap="flat" cmpd="sng" algn="ctr">
+          <a:solidFill>
+            <a:schemeClr val="phClr"/>
+          </a:solidFill>
+          <a:prstDash val="solid"/>
+        </a:ln>
+        <a:ln w="38100" cap="flat" cmpd="sng" algn="ctr">
+          <a:solidFill>
+            <a:schemeClr val="phClr"/>
+          </a:solidFill>
+          <a:prstDash val="solid"/>
+        </a:ln>
+      </a:lnStyleLst>
+      <a:effectStyleLst>
+        <a:effectStyle>
+          <a:effectLst>
+            <a:outerShdw blurRad="40000" dist="20000" dir="5400000" rotWithShape="0">
+              <a:srgbClr val="000000">
+                <a:alpha val="38000"/>
+              </a:srgbClr>
+            </a:outerShdw>
+          </a:effectLst>
+        </a:effectStyle>
+        <a:effectStyle>
+          <a:effectLst>
+            <a:outerShdw blurRad="40000" dist="23000" dir="5400000" rotWithShape="0">
+              <a:srgbClr val="000000">
+                <a:alpha val="35000"/>
+              </a:srgbClr>
+            </a:outerShdw>
+          </a:effectLst>
+        </a:effectStyle>
+        <a:effectStyle>
+          <a:effectLst>
+            <a:outerShdw blurRad="40000" dist="23000" dir="5400000" rotWithShape="0">
+              <a:srgbClr val="000000">
+                <a:alpha val="35000"/>
+              </a:srgbClr>
+            </a:outerShdw>
+          </a:effectLst>
+          <a:scene3d>
+            <a:camera prst="orthographicFront">
+              <a:rot lat="0" lon="0" rev="0"/>
+            </a:camera>
+            <a:lightRig rig="threePt" dir="t">
+              <a:rot lat="0" lon="0" rev="1200000"/>
+            </a:lightRig>
+          </a:scene3d>
+          <a:sp3d>
+            <a:bevelT w="63500" h="25400"/>
+          </a:sp3d>
+        </a:effectStyle>
+      </a:effectStyleLst>
+      <a:bgFillStyleLst>
+        <a:solidFill>
+          <a:schemeClr val="phClr"/>
+        </a:solidFill>
+        <a:gradFill rotWithShape="1">
+          <a:gsLst>
+            <a:gs pos="0">
+              <a:schemeClr val="phClr">
+                <a:tint val="40000"/>
+                <a:satMod val="350000"/>
+              </a:schemeClr>
+            </a:gs>
+            <a:gs pos="40000">
+              <a:schemeClr val="phClr">
+                <a:tint val="45000"/>
+                <a:shade val="99000"/>
+                <a:satMod val="350000"/>
+              </a:schemeClr>
+            </a:gs>
+            <a:gs pos="100000">
+              <a:schemeClr val="phClr">
+                <a:shade val="20000"/>
+                <a:satMod val="255000"/>
+              </a:schemeClr>
+            </a:gs>
+          </a:gsLst>
+          <a:path path="circle">
+            <a:fillToRect l="50000" t="-80000" r="50000" b="180000"/>
+          </a:path>
+        </a:gradFill>
+        <a:gradFill rotWithShape="1">
+          <a:gsLst>
+            <a:gs pos="0">
+              <a:schemeClr val="phClr">
+                <a:tint val="80000"/>
+                <a:satMod val="300000"/>
+              </a:schemeClr>
+            </a:gs>
+            <a:gs pos="100000">
+              <a:schemeClr val="phClr">
+                <a:shade val="30000"/>
+                <a:satMod val="200000"/>
+              </a:schemeClr>
+            </a:gs>
+          </a:gsLst>
+          <a:path path="circle">
+            <a:fillToRect l="50000" t="50000" r="50000" b="50000"/>
+          </a:path>
+        </a:gradFill>
+      </a:bgFillStyleLst>
+    </a:fmtScheme>
+  </a:themeElements>
+  <a:objectDefaults/>
+  <a:extraClrSchemeLst/>
+</a:theme>
 </file>
--- a/slides/20.Line Following Robot.pptx
+++ b/slides/20.Line Following Robot.pptx
@@ -697,8 +697,13 @@
           <a:p>
             <a:r>
               <a:rPr lang="en-US" dirty="0" smtClean="0"/>
-              <a:t>Q1 No</a:t>
-            </a:r>
+              <a:t>Q1 </a:t>
+            </a:r>
+            <a:r>
+              <a:rPr lang="en-US" dirty="0" smtClean="0"/>
+              <a:t>No feedback</a:t>
+            </a:r>
+            <a:endParaRPr lang="en-US" dirty="0" smtClean="0"/>
           </a:p>
           <a:p>
             <a:r>
@@ -6151,15 +6156,7 @@
           <a:p>
             <a:r>
               <a:rPr lang="en-US" dirty="0" smtClean="0"/>
-              <a:t>Write </a:t>
-            </a:r>
-            <a:r>
-              <a:rPr lang="en-US" dirty="0" smtClean="0"/>
-              <a:t>down or draw </a:t>
-            </a:r>
-            <a:r>
-              <a:rPr lang="en-US" dirty="0" smtClean="0"/>
-              <a:t>your rules in a pieces of paper</a:t>
+              <a:t>Write down or draw your rules in a pieces of paper</a:t>
             </a:r>
           </a:p>
           <a:p>
@@ -6177,11 +6174,7 @@
           <a:p>
             <a:r>
               <a:rPr lang="en-US" dirty="0" smtClean="0"/>
-              <a:t>use if else </a:t>
-            </a:r>
-            <a:r>
-              <a:rPr lang="en-US" dirty="0" smtClean="0"/>
-              <a:t>condition</a:t>
+              <a:t>use if else condition</a:t>
             </a:r>
           </a:p>
           <a:p>
@@ -6554,10 +6547,15 @@
             <p:ph idx="1"/>
           </p:nvPr>
         </p:nvSpPr>
-        <p:spPr/>
+        <p:spPr>
+          <a:xfrm>
+            <a:off x="457200" y="1143000"/>
+            <a:ext cx="8229600" cy="5486400"/>
+          </a:xfrm>
+        </p:spPr>
         <p:txBody>
           <a:bodyPr>
-            <a:normAutofit fontScale="92500" lnSpcReduction="10000"/>
+            <a:normAutofit fontScale="85000" lnSpcReduction="20000"/>
           </a:bodyPr>
           <a:lstStyle/>
           <a:p>
@@ -6566,17 +6564,65 @@
             </a:pPr>
             <a:r>
               <a:rPr lang="en-US" dirty="0" smtClean="0"/>
-              <a:t>Q1: Does the robot know whether it is moving after you give it a command?</a:t>
+              <a:t>Q1: Does the </a:t>
+            </a:r>
+            <a:r>
+              <a:rPr lang="en-US" dirty="0" err="1" smtClean="0"/>
+              <a:t>alphabot</a:t>
+            </a:r>
+            <a:r>
+              <a:rPr lang="en-US" dirty="0" smtClean="0"/>
+              <a:t> know </a:t>
+            </a:r>
+            <a:r>
+              <a:rPr lang="en-US" dirty="0" smtClean="0"/>
+              <a:t>whether it is moving after you give it a command</a:t>
+            </a:r>
+            <a:r>
+              <a:rPr lang="en-US" dirty="0" smtClean="0"/>
+              <a:t>?</a:t>
             </a:r>
           </a:p>
           <a:p>
             <a:pPr marL="0" indent="0">
               <a:buNone/>
             </a:pPr>
+            <a:endParaRPr lang="en-US" dirty="0" smtClean="0"/>
+          </a:p>
+          <a:p>
+            <a:pPr marL="0" indent="0">
+              <a:buNone/>
+            </a:pPr>
             <a:r>
               <a:rPr lang="en-US" dirty="0" smtClean="0"/>
-              <a:t>Q2: How to let robot know whether it is moving after you give it a command?</a:t>
-            </a:r>
+              <a:t>Q2: How to </a:t>
+            </a:r>
+            <a:r>
+              <a:rPr lang="en-US" dirty="0" smtClean="0"/>
+              <a:t>let/ make </a:t>
+            </a:r>
+            <a:r>
+              <a:rPr lang="en-US" dirty="0" err="1" smtClean="0"/>
+              <a:t>alphabot</a:t>
+            </a:r>
+            <a:r>
+              <a:rPr lang="en-US" dirty="0" smtClean="0"/>
+              <a:t> know </a:t>
+            </a:r>
+            <a:r>
+              <a:rPr lang="en-US" dirty="0" smtClean="0"/>
+              <a:t>whether it is moving after you give it a command</a:t>
+            </a:r>
+            <a:r>
+              <a:rPr lang="en-US" dirty="0" smtClean="0"/>
+              <a:t>?</a:t>
+            </a:r>
+          </a:p>
+          <a:p>
+            <a:pPr marL="0" indent="0">
+              <a:buNone/>
+            </a:pPr>
+            <a:endParaRPr lang="en-US" dirty="0" smtClean="0"/>
           </a:p>
           <a:p>
             <a:pPr marL="0" indent="0">
@@ -6586,6 +6632,33 @@
               <a:rPr lang="en-US" dirty="0" smtClean="0"/>
               <a:t>Q3: </a:t>
             </a:r>
+            <a:r>
+              <a:rPr lang="en-US" dirty="0" smtClean="0"/>
+              <a:t>while </a:t>
+            </a:r>
+            <a:r>
+              <a:rPr lang="en-US" dirty="0" err="1" smtClean="0"/>
+              <a:t>alphabot</a:t>
+            </a:r>
+            <a:r>
+              <a:rPr lang="en-US" dirty="0" smtClean="0"/>
+              <a:t> is walking, it see </a:t>
+            </a:r>
+          </a:p>
+          <a:p>
+            <a:pPr marL="0" indent="0">
+              <a:buNone/>
+            </a:pPr>
+            <a:r>
+              <a:rPr lang="en-US" dirty="0" smtClean="0"/>
+              <a:t>follow by                      . What type of route you think it encounter?</a:t>
+            </a:r>
+            <a:endParaRPr lang="en-US" dirty="0" smtClean="0"/>
+          </a:p>
+          <a:p>
+            <a:pPr marL="0" indent="0">
+              <a:buNone/>
+            </a:pPr>
             <a:endParaRPr lang="en-US" dirty="0" smtClean="0"/>
           </a:p>
           <a:p>
@@ -6604,6 +6677,11 @@
               <a:rPr lang="en-US" dirty="0" smtClean="0"/>
               <a:t>?</a:t>
             </a:r>
+          </a:p>
+          <a:p>
+            <a:pPr marL="0" indent="0">
+              <a:buNone/>
+            </a:pPr>
             <a:endParaRPr lang="en-US" dirty="0" smtClean="0"/>
           </a:p>
           <a:p>
@@ -6612,19 +6690,539 @@
             </a:pPr>
             <a:r>
               <a:rPr lang="en-US" dirty="0" smtClean="0"/>
-              <a:t>Q5: </a:t>
-            </a:r>
-            <a:r>
-              <a:rPr lang="en-US" dirty="0" smtClean="0"/>
-              <a:t>How many combination of an Image pixel available</a:t>
-            </a:r>
-            <a:r>
-              <a:rPr lang="en-US" dirty="0" smtClean="0"/>
-              <a:t>? Assume a 640x480x3 image with 256 color</a:t>
+              <a:t>Q5: How many combination of an Image pixel available? Assume a 640x480x3 image with 256 color</a:t>
             </a:r>
           </a:p>
         </p:txBody>
       </p:sp>
+      <p:grpSp>
+        <p:nvGrpSpPr>
+          <p:cNvPr id="4" name="Group 3"/>
+          <p:cNvGrpSpPr/>
+          <p:nvPr/>
+        </p:nvGrpSpPr>
+        <p:grpSpPr>
+          <a:xfrm>
+            <a:off x="5792789" y="3460446"/>
+            <a:ext cx="1525189" cy="358868"/>
+            <a:chOff x="-2205037" y="1524000"/>
+            <a:chExt cx="1295400" cy="304800"/>
+          </a:xfrm>
+        </p:grpSpPr>
+        <p:sp>
+          <p:nvSpPr>
+            <p:cNvPr id="5" name="Rectangle 4"/>
+            <p:cNvSpPr/>
+            <p:nvPr/>
+          </p:nvSpPr>
+          <p:spPr>
+            <a:xfrm>
+              <a:off x="-2205037" y="1524000"/>
+              <a:ext cx="1295400" cy="304800"/>
+            </a:xfrm>
+            <a:prstGeom prst="rect">
+              <a:avLst/>
+            </a:prstGeom>
+            <a:noFill/>
+          </p:spPr>
+          <p:style>
+            <a:lnRef idx="2">
+              <a:schemeClr val="dk1">
+                <a:shade val="50000"/>
+              </a:schemeClr>
+            </a:lnRef>
+            <a:fillRef idx="1">
+              <a:schemeClr val="dk1"/>
+            </a:fillRef>
+            <a:effectRef idx="0">
+              <a:schemeClr val="dk1"/>
+            </a:effectRef>
+            <a:fontRef idx="minor">
+              <a:schemeClr val="lt1"/>
+            </a:fontRef>
+          </p:style>
+          <p:txBody>
+            <a:bodyPr rtlCol="0" anchor="ctr"/>
+            <a:lstStyle/>
+            <a:p>
+              <a:pPr algn="ctr"/>
+              <a:endParaRPr lang="en-MY"/>
+            </a:p>
+          </p:txBody>
+        </p:sp>
+        <p:sp>
+          <p:nvSpPr>
+            <p:cNvPr id="6" name="Oval 5"/>
+            <p:cNvSpPr/>
+            <p:nvPr/>
+          </p:nvSpPr>
+          <p:spPr>
+            <a:xfrm>
+              <a:off x="-2095500" y="1600200"/>
+              <a:ext cx="152400" cy="152400"/>
+            </a:xfrm>
+            <a:prstGeom prst="ellipse">
+              <a:avLst/>
+            </a:prstGeom>
+            <a:solidFill>
+              <a:schemeClr val="tx1"/>
+            </a:solidFill>
+          </p:spPr>
+          <p:style>
+            <a:lnRef idx="2">
+              <a:schemeClr val="accent1">
+                <a:shade val="50000"/>
+              </a:schemeClr>
+            </a:lnRef>
+            <a:fillRef idx="1">
+              <a:schemeClr val="accent1"/>
+            </a:fillRef>
+            <a:effectRef idx="0">
+              <a:schemeClr val="accent1"/>
+            </a:effectRef>
+            <a:fontRef idx="minor">
+              <a:schemeClr val="lt1"/>
+            </a:fontRef>
+          </p:style>
+          <p:txBody>
+            <a:bodyPr rtlCol="0" anchor="ctr"/>
+            <a:lstStyle/>
+            <a:p>
+              <a:pPr algn="ctr"/>
+              <a:endParaRPr lang="en-MY"/>
+            </a:p>
+          </p:txBody>
+        </p:sp>
+        <p:sp>
+          <p:nvSpPr>
+            <p:cNvPr id="7" name="Oval 6"/>
+            <p:cNvSpPr/>
+            <p:nvPr/>
+          </p:nvSpPr>
+          <p:spPr>
+            <a:xfrm>
+              <a:off x="-1866900" y="1600200"/>
+              <a:ext cx="152400" cy="152400"/>
+            </a:xfrm>
+            <a:prstGeom prst="ellipse">
+              <a:avLst/>
+            </a:prstGeom>
+            <a:solidFill>
+              <a:schemeClr val="tx1"/>
+            </a:solidFill>
+          </p:spPr>
+          <p:style>
+            <a:lnRef idx="2">
+              <a:schemeClr val="accent1">
+                <a:shade val="50000"/>
+              </a:schemeClr>
+            </a:lnRef>
+            <a:fillRef idx="1">
+              <a:schemeClr val="accent1"/>
+            </a:fillRef>
+            <a:effectRef idx="0">
+              <a:schemeClr val="accent1"/>
+            </a:effectRef>
+            <a:fontRef idx="minor">
+              <a:schemeClr val="lt1"/>
+            </a:fontRef>
+          </p:style>
+          <p:txBody>
+            <a:bodyPr rtlCol="0" anchor="ctr"/>
+            <a:lstStyle/>
+            <a:p>
+              <a:pPr algn="ctr"/>
+              <a:endParaRPr lang="en-MY"/>
+            </a:p>
+          </p:txBody>
+        </p:sp>
+        <p:sp>
+          <p:nvSpPr>
+            <p:cNvPr id="8" name="Oval 7"/>
+            <p:cNvSpPr/>
+            <p:nvPr/>
+          </p:nvSpPr>
+          <p:spPr>
+            <a:xfrm>
+              <a:off x="-1638300" y="1600200"/>
+              <a:ext cx="152400" cy="152400"/>
+            </a:xfrm>
+            <a:prstGeom prst="ellipse">
+              <a:avLst/>
+            </a:prstGeom>
+            <a:solidFill>
+              <a:schemeClr val="tx1"/>
+            </a:solidFill>
+          </p:spPr>
+          <p:style>
+            <a:lnRef idx="2">
+              <a:schemeClr val="accent1">
+                <a:shade val="50000"/>
+              </a:schemeClr>
+            </a:lnRef>
+            <a:fillRef idx="1">
+              <a:schemeClr val="accent1"/>
+            </a:fillRef>
+            <a:effectRef idx="0">
+              <a:schemeClr val="accent1"/>
+            </a:effectRef>
+            <a:fontRef idx="minor">
+              <a:schemeClr val="lt1"/>
+            </a:fontRef>
+          </p:style>
+          <p:txBody>
+            <a:bodyPr rtlCol="0" anchor="ctr"/>
+            <a:lstStyle/>
+            <a:p>
+              <a:pPr algn="ctr"/>
+              <a:endParaRPr lang="en-MY"/>
+            </a:p>
+          </p:txBody>
+        </p:sp>
+        <p:sp>
+          <p:nvSpPr>
+            <p:cNvPr id="9" name="Oval 8"/>
+            <p:cNvSpPr/>
+            <p:nvPr/>
+          </p:nvSpPr>
+          <p:spPr>
+            <a:xfrm>
+              <a:off x="-1409700" y="1600200"/>
+              <a:ext cx="152400" cy="152400"/>
+            </a:xfrm>
+            <a:prstGeom prst="ellipse">
+              <a:avLst/>
+            </a:prstGeom>
+            <a:noFill/>
+          </p:spPr>
+          <p:style>
+            <a:lnRef idx="2">
+              <a:schemeClr val="accent1">
+                <a:shade val="50000"/>
+              </a:schemeClr>
+            </a:lnRef>
+            <a:fillRef idx="1">
+              <a:schemeClr val="accent1"/>
+            </a:fillRef>
+            <a:effectRef idx="0">
+              <a:schemeClr val="accent1"/>
+            </a:effectRef>
+            <a:fontRef idx="minor">
+              <a:schemeClr val="lt1"/>
+            </a:fontRef>
+          </p:style>
+          <p:txBody>
+            <a:bodyPr rtlCol="0" anchor="ctr"/>
+            <a:lstStyle/>
+            <a:p>
+              <a:pPr algn="ctr"/>
+              <a:endParaRPr lang="en-MY"/>
+            </a:p>
+          </p:txBody>
+        </p:sp>
+        <p:sp>
+          <p:nvSpPr>
+            <p:cNvPr id="10" name="Oval 9"/>
+            <p:cNvSpPr/>
+            <p:nvPr/>
+          </p:nvSpPr>
+          <p:spPr>
+            <a:xfrm>
+              <a:off x="-1181100" y="1600200"/>
+              <a:ext cx="152400" cy="152400"/>
+            </a:xfrm>
+            <a:prstGeom prst="ellipse">
+              <a:avLst/>
+            </a:prstGeom>
+            <a:noFill/>
+          </p:spPr>
+          <p:style>
+            <a:lnRef idx="2">
+              <a:schemeClr val="accent1">
+                <a:shade val="50000"/>
+              </a:schemeClr>
+            </a:lnRef>
+            <a:fillRef idx="1">
+              <a:schemeClr val="accent1"/>
+            </a:fillRef>
+            <a:effectRef idx="0">
+              <a:schemeClr val="accent1"/>
+            </a:effectRef>
+            <a:fontRef idx="minor">
+              <a:schemeClr val="lt1"/>
+            </a:fontRef>
+          </p:style>
+          <p:txBody>
+            <a:bodyPr rtlCol="0" anchor="ctr"/>
+            <a:lstStyle/>
+            <a:p>
+              <a:pPr algn="ctr"/>
+              <a:endParaRPr lang="en-MY"/>
+            </a:p>
+          </p:txBody>
+        </p:sp>
+      </p:grpSp>
+      <p:grpSp>
+        <p:nvGrpSpPr>
+          <p:cNvPr id="11" name="Group 10"/>
+          <p:cNvGrpSpPr/>
+          <p:nvPr/>
+        </p:nvGrpSpPr>
+        <p:grpSpPr>
+          <a:xfrm>
+            <a:off x="1957526" y="3886200"/>
+            <a:ext cx="1390649" cy="327211"/>
+            <a:chOff x="-2205037" y="1524000"/>
+            <a:chExt cx="1295400" cy="304800"/>
+          </a:xfrm>
+        </p:grpSpPr>
+        <p:sp>
+          <p:nvSpPr>
+            <p:cNvPr id="12" name="Rectangle 11"/>
+            <p:cNvSpPr/>
+            <p:nvPr/>
+          </p:nvSpPr>
+          <p:spPr>
+            <a:xfrm>
+              <a:off x="-2205037" y="1524000"/>
+              <a:ext cx="1295400" cy="304800"/>
+            </a:xfrm>
+            <a:prstGeom prst="rect">
+              <a:avLst/>
+            </a:prstGeom>
+            <a:noFill/>
+          </p:spPr>
+          <p:style>
+            <a:lnRef idx="2">
+              <a:schemeClr val="dk1">
+                <a:shade val="50000"/>
+              </a:schemeClr>
+            </a:lnRef>
+            <a:fillRef idx="1">
+              <a:schemeClr val="dk1"/>
+            </a:fillRef>
+            <a:effectRef idx="0">
+              <a:schemeClr val="dk1"/>
+            </a:effectRef>
+            <a:fontRef idx="minor">
+              <a:schemeClr val="lt1"/>
+            </a:fontRef>
+          </p:style>
+          <p:txBody>
+            <a:bodyPr rtlCol="0" anchor="ctr"/>
+            <a:lstStyle/>
+            <a:p>
+              <a:pPr algn="ctr"/>
+              <a:endParaRPr lang="en-MY"/>
+            </a:p>
+          </p:txBody>
+        </p:sp>
+        <p:sp>
+          <p:nvSpPr>
+            <p:cNvPr id="13" name="Oval 12"/>
+            <p:cNvSpPr/>
+            <p:nvPr/>
+          </p:nvSpPr>
+          <p:spPr>
+            <a:xfrm>
+              <a:off x="-2095500" y="1600200"/>
+              <a:ext cx="152400" cy="152400"/>
+            </a:xfrm>
+            <a:prstGeom prst="ellipse">
+              <a:avLst/>
+            </a:prstGeom>
+            <a:noFill/>
+          </p:spPr>
+          <p:style>
+            <a:lnRef idx="2">
+              <a:schemeClr val="accent1">
+                <a:shade val="50000"/>
+              </a:schemeClr>
+            </a:lnRef>
+            <a:fillRef idx="1">
+              <a:schemeClr val="accent1"/>
+            </a:fillRef>
+            <a:effectRef idx="0">
+              <a:schemeClr val="accent1"/>
+            </a:effectRef>
+            <a:fontRef idx="minor">
+              <a:schemeClr val="lt1"/>
+            </a:fontRef>
+          </p:style>
+          <p:txBody>
+            <a:bodyPr rtlCol="0" anchor="ctr"/>
+            <a:lstStyle/>
+            <a:p>
+              <a:pPr algn="ctr"/>
+              <a:endParaRPr lang="en-MY"/>
+            </a:p>
+          </p:txBody>
+        </p:sp>
+        <p:sp>
+          <p:nvSpPr>
+            <p:cNvPr id="14" name="Oval 13"/>
+            <p:cNvSpPr/>
+            <p:nvPr/>
+          </p:nvSpPr>
+          <p:spPr>
+            <a:xfrm>
+              <a:off x="-1866900" y="1600200"/>
+              <a:ext cx="152400" cy="152400"/>
+            </a:xfrm>
+            <a:prstGeom prst="ellipse">
+              <a:avLst/>
+            </a:prstGeom>
+            <a:noFill/>
+          </p:spPr>
+          <p:style>
+            <a:lnRef idx="2">
+              <a:schemeClr val="accent1">
+                <a:shade val="50000"/>
+              </a:schemeClr>
+            </a:lnRef>
+            <a:fillRef idx="1">
+              <a:schemeClr val="accent1"/>
+            </a:fillRef>
+            <a:effectRef idx="0">
+              <a:schemeClr val="accent1"/>
+            </a:effectRef>
+            <a:fontRef idx="minor">
+              <a:schemeClr val="lt1"/>
+            </a:fontRef>
+          </p:style>
+          <p:txBody>
+            <a:bodyPr rtlCol="0" anchor="ctr"/>
+            <a:lstStyle/>
+            <a:p>
+              <a:pPr algn="ctr"/>
+              <a:endParaRPr lang="en-MY"/>
+            </a:p>
+          </p:txBody>
+        </p:sp>
+        <p:sp>
+          <p:nvSpPr>
+            <p:cNvPr id="15" name="Oval 14"/>
+            <p:cNvSpPr/>
+            <p:nvPr/>
+          </p:nvSpPr>
+          <p:spPr>
+            <a:xfrm>
+              <a:off x="-1638300" y="1600200"/>
+              <a:ext cx="152400" cy="152400"/>
+            </a:xfrm>
+            <a:prstGeom prst="ellipse">
+              <a:avLst/>
+            </a:prstGeom>
+            <a:noFill/>
+          </p:spPr>
+          <p:style>
+            <a:lnRef idx="2">
+              <a:schemeClr val="accent1">
+                <a:shade val="50000"/>
+              </a:schemeClr>
+            </a:lnRef>
+            <a:fillRef idx="1">
+              <a:schemeClr val="accent1"/>
+            </a:fillRef>
+            <a:effectRef idx="0">
+              <a:schemeClr val="accent1"/>
+            </a:effectRef>
+            <a:fontRef idx="minor">
+              <a:schemeClr val="lt1"/>
+            </a:fontRef>
+          </p:style>
+          <p:txBody>
+            <a:bodyPr rtlCol="0" anchor="ctr"/>
+            <a:lstStyle/>
+            <a:p>
+              <a:pPr algn="ctr"/>
+              <a:endParaRPr lang="en-MY"/>
+            </a:p>
+          </p:txBody>
+        </p:sp>
+        <p:sp>
+          <p:nvSpPr>
+            <p:cNvPr id="16" name="Oval 15"/>
+            <p:cNvSpPr/>
+            <p:nvPr/>
+          </p:nvSpPr>
+          <p:spPr>
+            <a:xfrm>
+              <a:off x="-1409700" y="1600200"/>
+              <a:ext cx="152400" cy="152400"/>
+            </a:xfrm>
+            <a:prstGeom prst="ellipse">
+              <a:avLst/>
+            </a:prstGeom>
+            <a:noFill/>
+          </p:spPr>
+          <p:style>
+            <a:lnRef idx="2">
+              <a:schemeClr val="accent1">
+                <a:shade val="50000"/>
+              </a:schemeClr>
+            </a:lnRef>
+            <a:fillRef idx="1">
+              <a:schemeClr val="accent1"/>
+            </a:fillRef>
+            <a:effectRef idx="0">
+              <a:schemeClr val="accent1"/>
+            </a:effectRef>
+            <a:fontRef idx="minor">
+              <a:schemeClr val="lt1"/>
+            </a:fontRef>
+          </p:style>
+          <p:txBody>
+            <a:bodyPr rtlCol="0" anchor="ctr"/>
+            <a:lstStyle/>
+            <a:p>
+              <a:pPr algn="ctr"/>
+              <a:endParaRPr lang="en-MY"/>
+            </a:p>
+          </p:txBody>
+        </p:sp>
+        <p:sp>
+          <p:nvSpPr>
+            <p:cNvPr id="17" name="Oval 16"/>
+            <p:cNvSpPr/>
+            <p:nvPr/>
+          </p:nvSpPr>
+          <p:spPr>
+            <a:xfrm>
+              <a:off x="-1181100" y="1600200"/>
+              <a:ext cx="152400" cy="152400"/>
+            </a:xfrm>
+            <a:prstGeom prst="ellipse">
+              <a:avLst/>
+            </a:prstGeom>
+            <a:noFill/>
+          </p:spPr>
+          <p:style>
+            <a:lnRef idx="2">
+              <a:schemeClr val="accent1">
+                <a:shade val="50000"/>
+              </a:schemeClr>
+            </a:lnRef>
+            <a:fillRef idx="1">
+              <a:schemeClr val="accent1"/>
+            </a:fillRef>
+            <a:effectRef idx="0">
+              <a:schemeClr val="accent1"/>
+            </a:effectRef>
+            <a:fontRef idx="minor">
+              <a:schemeClr val="lt1"/>
+            </a:fontRef>
+          </p:style>
+          <p:txBody>
+            <a:bodyPr rtlCol="0" anchor="ctr"/>
+            <a:lstStyle/>
+            <a:p>
+              <a:pPr algn="ctr"/>
+              <a:endParaRPr lang="en-MY"/>
+            </a:p>
+          </p:txBody>
+        </p:sp>
+      </p:grpSp>
     </p:spTree>
     <p:extLst>
       <p:ext uri="{BB962C8B-B14F-4D97-AF65-F5344CB8AC3E}">
@@ -6638,7 +7236,311 @@
   <p:timing>
     <p:tnLst>
       <p:par>
-        <p:cTn id="1" dur="indefinite" restart="never" nodeType="tmRoot"/>
+        <p:cTn id="1" dur="indefinite" restart="never" nodeType="tmRoot">
+          <p:childTnLst>
+            <p:seq concurrent="1" nextAc="seek">
+              <p:cTn id="2" dur="indefinite" nodeType="mainSeq">
+                <p:childTnLst>
+                  <p:par>
+                    <p:cTn id="3" fill="hold">
+                      <p:stCondLst>
+                        <p:cond delay="indefinite"/>
+                      </p:stCondLst>
+                      <p:childTnLst>
+                        <p:par>
+                          <p:cTn id="4" fill="hold">
+                            <p:stCondLst>
+                              <p:cond delay="0"/>
+                            </p:stCondLst>
+                            <p:childTnLst>
+                              <p:par>
+                                <p:cTn id="5" presetID="1" presetClass="entr" presetSubtype="0" fill="hold" nodeType="clickEffect">
+                                  <p:stCondLst>
+                                    <p:cond delay="0"/>
+                                  </p:stCondLst>
+                                  <p:childTnLst>
+                                    <p:set>
+                                      <p:cBhvr>
+                                        <p:cTn id="6" dur="1" fill="hold">
+                                          <p:stCondLst>
+                                            <p:cond delay="0"/>
+                                          </p:stCondLst>
+                                        </p:cTn>
+                                        <p:tgtEl>
+                                          <p:spTgt spid="3">
+                                            <p:txEl>
+                                              <p:pRg st="2" end="2"/>
+                                            </p:txEl>
+                                          </p:spTgt>
+                                        </p:tgtEl>
+                                        <p:attrNameLst>
+                                          <p:attrName>style.visibility</p:attrName>
+                                        </p:attrNameLst>
+                                      </p:cBhvr>
+                                      <p:to>
+                                        <p:strVal val="visible"/>
+                                      </p:to>
+                                    </p:set>
+                                  </p:childTnLst>
+                                </p:cTn>
+                              </p:par>
+                            </p:childTnLst>
+                          </p:cTn>
+                        </p:par>
+                      </p:childTnLst>
+                    </p:cTn>
+                  </p:par>
+                  <p:par>
+                    <p:cTn id="7" fill="hold">
+                      <p:stCondLst>
+                        <p:cond delay="indefinite"/>
+                      </p:stCondLst>
+                      <p:childTnLst>
+                        <p:par>
+                          <p:cTn id="8" fill="hold">
+                            <p:stCondLst>
+                              <p:cond delay="0"/>
+                            </p:stCondLst>
+                            <p:childTnLst>
+                              <p:par>
+                                <p:cTn id="9" presetID="1" presetClass="entr" presetSubtype="0" fill="hold" nodeType="clickEffect">
+                                  <p:stCondLst>
+                                    <p:cond delay="0"/>
+                                  </p:stCondLst>
+                                  <p:childTnLst>
+                                    <p:set>
+                                      <p:cBhvr>
+                                        <p:cTn id="10" dur="1" fill="hold">
+                                          <p:stCondLst>
+                                            <p:cond delay="0"/>
+                                          </p:stCondLst>
+                                        </p:cTn>
+                                        <p:tgtEl>
+                                          <p:spTgt spid="3">
+                                            <p:txEl>
+                                              <p:pRg st="4" end="4"/>
+                                            </p:txEl>
+                                          </p:spTgt>
+                                        </p:tgtEl>
+                                        <p:attrNameLst>
+                                          <p:attrName>style.visibility</p:attrName>
+                                        </p:attrNameLst>
+                                      </p:cBhvr>
+                                      <p:to>
+                                        <p:strVal val="visible"/>
+                                      </p:to>
+                                    </p:set>
+                                  </p:childTnLst>
+                                </p:cTn>
+                              </p:par>
+                              <p:par>
+                                <p:cTn id="11" presetID="1" presetClass="entr" presetSubtype="0" fill="hold" nodeType="withEffect">
+                                  <p:stCondLst>
+                                    <p:cond delay="0"/>
+                                  </p:stCondLst>
+                                  <p:childTnLst>
+                                    <p:set>
+                                      <p:cBhvr>
+                                        <p:cTn id="12" dur="1" fill="hold">
+                                          <p:stCondLst>
+                                            <p:cond delay="0"/>
+                                          </p:stCondLst>
+                                        </p:cTn>
+                                        <p:tgtEl>
+                                          <p:spTgt spid="3">
+                                            <p:txEl>
+                                              <p:pRg st="5" end="5"/>
+                                            </p:txEl>
+                                          </p:spTgt>
+                                        </p:tgtEl>
+                                        <p:attrNameLst>
+                                          <p:attrName>style.visibility</p:attrName>
+                                        </p:attrNameLst>
+                                      </p:cBhvr>
+                                      <p:to>
+                                        <p:strVal val="visible"/>
+                                      </p:to>
+                                    </p:set>
+                                  </p:childTnLst>
+                                </p:cTn>
+                              </p:par>
+                              <p:par>
+                                <p:cTn id="13" presetID="1" presetClass="entr" presetSubtype="0" fill="hold" nodeType="withEffect">
+                                  <p:stCondLst>
+                                    <p:cond delay="0"/>
+                                  </p:stCondLst>
+                                  <p:childTnLst>
+                                    <p:set>
+                                      <p:cBhvr>
+                                        <p:cTn id="14" dur="1" fill="hold">
+                                          <p:stCondLst>
+                                            <p:cond delay="0"/>
+                                          </p:stCondLst>
+                                        </p:cTn>
+                                        <p:tgtEl>
+                                          <p:spTgt spid="11"/>
+                                        </p:tgtEl>
+                                        <p:attrNameLst>
+                                          <p:attrName>style.visibility</p:attrName>
+                                        </p:attrNameLst>
+                                      </p:cBhvr>
+                                      <p:to>
+                                        <p:strVal val="visible"/>
+                                      </p:to>
+                                    </p:set>
+                                  </p:childTnLst>
+                                </p:cTn>
+                              </p:par>
+                              <p:par>
+                                <p:cTn id="15" presetID="1" presetClass="entr" presetSubtype="0" fill="hold" nodeType="withEffect">
+                                  <p:stCondLst>
+                                    <p:cond delay="0"/>
+                                  </p:stCondLst>
+                                  <p:childTnLst>
+                                    <p:set>
+                                      <p:cBhvr>
+                                        <p:cTn id="16" dur="1" fill="hold">
+                                          <p:stCondLst>
+                                            <p:cond delay="0"/>
+                                          </p:stCondLst>
+                                        </p:cTn>
+                                        <p:tgtEl>
+                                          <p:spTgt spid="4"/>
+                                        </p:tgtEl>
+                                        <p:attrNameLst>
+                                          <p:attrName>style.visibility</p:attrName>
+                                        </p:attrNameLst>
+                                      </p:cBhvr>
+                                      <p:to>
+                                        <p:strVal val="visible"/>
+                                      </p:to>
+                                    </p:set>
+                                  </p:childTnLst>
+                                </p:cTn>
+                              </p:par>
+                            </p:childTnLst>
+                          </p:cTn>
+                        </p:par>
+                      </p:childTnLst>
+                    </p:cTn>
+                  </p:par>
+                  <p:par>
+                    <p:cTn id="17" fill="hold">
+                      <p:stCondLst>
+                        <p:cond delay="indefinite"/>
+                      </p:stCondLst>
+                      <p:childTnLst>
+                        <p:par>
+                          <p:cTn id="18" fill="hold">
+                            <p:stCondLst>
+                              <p:cond delay="0"/>
+                            </p:stCondLst>
+                            <p:childTnLst>
+                              <p:par>
+                                <p:cTn id="19" presetID="1" presetClass="entr" presetSubtype="0" fill="hold" nodeType="clickEffect">
+                                  <p:stCondLst>
+                                    <p:cond delay="0"/>
+                                  </p:stCondLst>
+                                  <p:childTnLst>
+                                    <p:set>
+                                      <p:cBhvr>
+                                        <p:cTn id="20" dur="1" fill="hold">
+                                          <p:stCondLst>
+                                            <p:cond delay="0"/>
+                                          </p:stCondLst>
+                                        </p:cTn>
+                                        <p:tgtEl>
+                                          <p:spTgt spid="3">
+                                            <p:txEl>
+                                              <p:pRg st="7" end="7"/>
+                                            </p:txEl>
+                                          </p:spTgt>
+                                        </p:tgtEl>
+                                        <p:attrNameLst>
+                                          <p:attrName>style.visibility</p:attrName>
+                                        </p:attrNameLst>
+                                      </p:cBhvr>
+                                      <p:to>
+                                        <p:strVal val="visible"/>
+                                      </p:to>
+                                    </p:set>
+                                  </p:childTnLst>
+                                </p:cTn>
+                              </p:par>
+                            </p:childTnLst>
+                          </p:cTn>
+                        </p:par>
+                      </p:childTnLst>
+                    </p:cTn>
+                  </p:par>
+                  <p:par>
+                    <p:cTn id="21" fill="hold">
+                      <p:stCondLst>
+                        <p:cond delay="indefinite"/>
+                      </p:stCondLst>
+                      <p:childTnLst>
+                        <p:par>
+                          <p:cTn id="22" fill="hold">
+                            <p:stCondLst>
+                              <p:cond delay="0"/>
+                            </p:stCondLst>
+                            <p:childTnLst>
+                              <p:par>
+                                <p:cTn id="23" presetID="1" presetClass="entr" presetSubtype="0" fill="hold" nodeType="clickEffect">
+                                  <p:stCondLst>
+                                    <p:cond delay="0"/>
+                                  </p:stCondLst>
+                                  <p:childTnLst>
+                                    <p:set>
+                                      <p:cBhvr>
+                                        <p:cTn id="24" dur="1" fill="hold">
+                                          <p:stCondLst>
+                                            <p:cond delay="0"/>
+                                          </p:stCondLst>
+                                        </p:cTn>
+                                        <p:tgtEl>
+                                          <p:spTgt spid="3">
+                                            <p:txEl>
+                                              <p:pRg st="9" end="9"/>
+                                            </p:txEl>
+                                          </p:spTgt>
+                                        </p:tgtEl>
+                                        <p:attrNameLst>
+                                          <p:attrName>style.visibility</p:attrName>
+                                        </p:attrNameLst>
+                                      </p:cBhvr>
+                                      <p:to>
+                                        <p:strVal val="visible"/>
+                                      </p:to>
+                                    </p:set>
+                                  </p:childTnLst>
+                                </p:cTn>
+                              </p:par>
+                            </p:childTnLst>
+                          </p:cTn>
+                        </p:par>
+                      </p:childTnLst>
+                    </p:cTn>
+                  </p:par>
+                </p:childTnLst>
+              </p:cTn>
+              <p:prevCondLst>
+                <p:cond evt="onPrev" delay="0">
+                  <p:tgtEl>
+                    <p:sldTgt/>
+                  </p:tgtEl>
+                </p:cond>
+              </p:prevCondLst>
+              <p:nextCondLst>
+                <p:cond evt="onNext" delay="0">
+                  <p:tgtEl>
+                    <p:sldTgt/>
+                  </p:tgtEl>
+                </p:cond>
+              </p:nextCondLst>
+            </p:seq>
+          </p:childTnLst>
+        </p:cTn>
       </p:par>
     </p:tnLst>
   </p:timing>
@@ -6675,18 +7577,18 @@
         <p:spPr>
           <a:xfrm>
             <a:off x="457200" y="274638"/>
-            <a:ext cx="8229600" cy="411162"/>
+            <a:ext cx="8229600" cy="868362"/>
           </a:xfrm>
         </p:spPr>
         <p:txBody>
           <a:bodyPr>
-            <a:normAutofit fontScale="90000"/>
+            <a:normAutofit/>
           </a:bodyPr>
           <a:lstStyle/>
           <a:p>
             <a:r>
               <a:rPr lang="en-US" dirty="0" smtClean="0"/>
-              <a:t>(480*640*3)**256</a:t>
+              <a:t>Q5</a:t>
             </a:r>
             <a:endParaRPr lang="en-MY" dirty="0"/>
           </a:p>
@@ -6704,8 +7606,8 @@
         </p:nvSpPr>
         <p:spPr>
           <a:xfrm>
-            <a:off x="457200" y="960437"/>
-            <a:ext cx="8229600" cy="5897563"/>
+            <a:off x="457200" y="1981199"/>
+            <a:ext cx="8229600" cy="4876801"/>
           </a:xfrm>
         </p:spPr>
         <p:txBody>
@@ -6718,10 +7620,10 @@
               <a:buNone/>
             </a:pPr>
             <a:r>
-              <a:rPr lang="en-MY" sz="1600" dirty="0"/>
-              <a:t>837,281,154,554,675,803,056,768,500,736,983,413,910,406,255,272,797,282,366,395,940,521,808,788,471,851,456,991,730,028,084,400,538,285,605,116,792,946,575,001,658,602,639,467,536,509,614,247,890,076,307,712,377,001,308,643,254,548,624,151,470,638,133,756,358,629,842,711,217,155,177,826,861,586,655,565,861,327,887,517,895,375,491,141,985,443,931,745,905,345,425,282,038,366,283,194,007,772,414,677,787,203,722,158,591,439,966,820,147,606,510,473,801,911,742,010,431,250,382,687,049,447,445,608,247,978,001,065,610,771,910,401,153,309,408,136,704,501,557,801,525,240,577,104,646,953,298,885,863,995,734,505,900,244,286,281,305,089,053,120,255,399,275,991,484,048,367,016,502,303,659,127,219,734,928,419,058,041,893,287,347,154,818,772,455,729,056,388,483,275,021,418,827,432,080,789,510,345,955,767,089,002,237,187,838,167,336,910,926,400,265,941,211,641,179,205,684,857,271,870,227,438,015,297,550,902,574,157,546,549,550,947,686,098,510,211,567,829,845,033,484,365,298,637,890,383,043,535,938,924,373,275,555,767,812,847,797,387,459,542,733,573,689,565,859,949,163,581,193,461,086,252,133,000,942,959,713,334,572,289,790,414,025,833,784,903,421,035,792,265,047,407,658,554,702,206,457,563,851,356,281,583,171,027,248,488,789,100,052,703,643,341,415,424,360,478,349,108,944,801,562,630,812,415,559,224,621,994,905,211,195,007,088,439,755,036,793,241,600,000,000,000,000,000,000,000,000,000,000,000,000,000,000,000,000,000,000,000,000,000,000,000,000,000,000,000,000,000,000,000,000,000,000,000,000,000,000,000,000,000,000,000,000,000,000,000,000,000,000,000,000,000,000,000,000,000,000,000,000,000,000,000,000,000,000,000,000,000,000,000,000,000,000,000,000,000,000,000,000,000,000,000,000,000,000,000,000,000,000,000,000,000,000,000,000,000,000,000,000,000,000,000,000,000,000,000,000,000,000,000,000,000,000,000,000,000,000,000,000,000,000,000,000,000,000,000,000,000,000,000,000,000,000,000,000,000,000,000,000,000,000,000,000,000,000,000,000,000,000,000,000,000,000,000,000,000,000,000,000,000,000,000,000,000,000,000,000,000,000</a:t>
-            </a:r>
-            <a:endParaRPr lang="en-MY" sz="1600" dirty="0"/>
+              <a:rPr lang="en-US" sz="8000" dirty="0" smtClean="0"/>
+              <a:t>256**(480*640*3)</a:t>
+            </a:r>
+            <a:endParaRPr lang="en-MY" sz="8000" dirty="0"/>
           </a:p>
         </p:txBody>
       </p:sp>
